--- a/02.ingenieria_software_intro.pptx
+++ b/02.ingenieria_software_intro.pptx
@@ -4,44 +4,573 @@
   <p:sldMasterIdLst>
     <p:sldMasterId id="2147483648" r:id="rId1"/>
   </p:sldMasterIdLst>
+  <p:notesMasterIdLst>
+    <p:notesMasterId r:id="rId30"/>
+  </p:notesMasterIdLst>
   <p:sldIdLst>
-    <p:sldId id="256" r:id="rId6"/>
-    <p:sldId id="257" r:id="rId7"/>
-    <p:sldId id="258" r:id="rId8"/>
-    <p:sldId id="259" r:id="rId9"/>
-    <p:sldId id="260" r:id="rId10"/>
-    <p:sldId id="261" r:id="rId11"/>
-    <p:sldId id="262" r:id="rId12"/>
-    <p:sldId id="263" r:id="rId13"/>
-    <p:sldId id="264" r:id="rId14"/>
-    <p:sldId id="265" r:id="rId15"/>
-    <p:sldId id="266" r:id="rId16"/>
-    <p:sldId id="267" r:id="rId17"/>
-    <p:sldId id="268" r:id="rId18"/>
-    <p:sldId id="269" r:id="rId19"/>
-    <p:sldId id="270" r:id="rId20"/>
-    <p:sldId id="271" r:id="rId21"/>
-    <p:sldId id="272" r:id="rId22"/>
-    <p:sldId id="273" r:id="rId23"/>
-    <p:sldId id="274" r:id="rId24"/>
-    <p:sldId id="275" r:id="rId25"/>
-    <p:sldId id="276" r:id="rId26"/>
-    <p:sldId id="277" r:id="rId27"/>
-    <p:sldId id="278" r:id="rId28"/>
-    <p:sldId id="279" r:id="rId29"/>
-    <p:sldId id="280" r:id="rId30"/>
-    <p:sldId id="281" r:id="rId31"/>
-    <p:sldId id="282" r:id="rId32"/>
-    <p:sldId id="283" r:id="rId33"/>
-    <p:sldId id="284" r:id="rId34"/>
+    <p:sldId id="256" r:id="rId2"/>
+    <p:sldId id="257" r:id="rId3"/>
+    <p:sldId id="258" r:id="rId4"/>
+    <p:sldId id="259" r:id="rId5"/>
+    <p:sldId id="260" r:id="rId6"/>
+    <p:sldId id="261" r:id="rId7"/>
+    <p:sldId id="262" r:id="rId8"/>
+    <p:sldId id="263" r:id="rId9"/>
+    <p:sldId id="264" r:id="rId10"/>
+    <p:sldId id="265" r:id="rId11"/>
+    <p:sldId id="266" r:id="rId12"/>
+    <p:sldId id="267" r:id="rId13"/>
+    <p:sldId id="268" r:id="rId14"/>
+    <p:sldId id="269" r:id="rId15"/>
+    <p:sldId id="270" r:id="rId16"/>
+    <p:sldId id="272" r:id="rId17"/>
+    <p:sldId id="273" r:id="rId18"/>
+    <p:sldId id="274" r:id="rId19"/>
+    <p:sldId id="275" r:id="rId20"/>
+    <p:sldId id="276" r:id="rId21"/>
+    <p:sldId id="277" r:id="rId22"/>
+    <p:sldId id="278" r:id="rId23"/>
+    <p:sldId id="279" r:id="rId24"/>
+    <p:sldId id="280" r:id="rId25"/>
+    <p:sldId id="281" r:id="rId26"/>
+    <p:sldId id="282" r:id="rId27"/>
+    <p:sldId id="283" r:id="rId28"/>
+    <p:sldId id="284" r:id="rId29"/>
   </p:sldIdLst>
   <p:sldSz cx="12192000" cy="6858000"/>
   <p:notesSz cx="12192000" cy="6858000"/>
+  <p:defaultTextStyle>
+    <a:defPPr>
+      <a:defRPr lang="en-US"/>
+    </a:defPPr>
+    <a:lvl1pPr marL="0" algn="l" defTabSz="914400" rtl="0" eaLnBrk="1" latinLnBrk="0" hangingPunct="1">
+      <a:defRPr sz="1800" kern="1200">
+        <a:solidFill>
+          <a:schemeClr val="tx1"/>
+        </a:solidFill>
+        <a:latin typeface="+mn-lt"/>
+        <a:ea typeface="+mn-ea"/>
+        <a:cs typeface="+mn-cs"/>
+      </a:defRPr>
+    </a:lvl1pPr>
+    <a:lvl2pPr marL="457200" algn="l" defTabSz="914400" rtl="0" eaLnBrk="1" latinLnBrk="0" hangingPunct="1">
+      <a:defRPr sz="1800" kern="1200">
+        <a:solidFill>
+          <a:schemeClr val="tx1"/>
+        </a:solidFill>
+        <a:latin typeface="+mn-lt"/>
+        <a:ea typeface="+mn-ea"/>
+        <a:cs typeface="+mn-cs"/>
+      </a:defRPr>
+    </a:lvl2pPr>
+    <a:lvl3pPr marL="914400" algn="l" defTabSz="914400" rtl="0" eaLnBrk="1" latinLnBrk="0" hangingPunct="1">
+      <a:defRPr sz="1800" kern="1200">
+        <a:solidFill>
+          <a:schemeClr val="tx1"/>
+        </a:solidFill>
+        <a:latin typeface="+mn-lt"/>
+        <a:ea typeface="+mn-ea"/>
+        <a:cs typeface="+mn-cs"/>
+      </a:defRPr>
+    </a:lvl3pPr>
+    <a:lvl4pPr marL="1371600" algn="l" defTabSz="914400" rtl="0" eaLnBrk="1" latinLnBrk="0" hangingPunct="1">
+      <a:defRPr sz="1800" kern="1200">
+        <a:solidFill>
+          <a:schemeClr val="tx1"/>
+        </a:solidFill>
+        <a:latin typeface="+mn-lt"/>
+        <a:ea typeface="+mn-ea"/>
+        <a:cs typeface="+mn-cs"/>
+      </a:defRPr>
+    </a:lvl4pPr>
+    <a:lvl5pPr marL="1828800" algn="l" defTabSz="914400" rtl="0" eaLnBrk="1" latinLnBrk="0" hangingPunct="1">
+      <a:defRPr sz="1800" kern="1200">
+        <a:solidFill>
+          <a:schemeClr val="tx1"/>
+        </a:solidFill>
+        <a:latin typeface="+mn-lt"/>
+        <a:ea typeface="+mn-ea"/>
+        <a:cs typeface="+mn-cs"/>
+      </a:defRPr>
+    </a:lvl5pPr>
+    <a:lvl6pPr marL="2286000" algn="l" defTabSz="914400" rtl="0" eaLnBrk="1" latinLnBrk="0" hangingPunct="1">
+      <a:defRPr sz="1800" kern="1200">
+        <a:solidFill>
+          <a:schemeClr val="tx1"/>
+        </a:solidFill>
+        <a:latin typeface="+mn-lt"/>
+        <a:ea typeface="+mn-ea"/>
+        <a:cs typeface="+mn-cs"/>
+      </a:defRPr>
+    </a:lvl6pPr>
+    <a:lvl7pPr marL="2743200" algn="l" defTabSz="914400" rtl="0" eaLnBrk="1" latinLnBrk="0" hangingPunct="1">
+      <a:defRPr sz="1800" kern="1200">
+        <a:solidFill>
+          <a:schemeClr val="tx1"/>
+        </a:solidFill>
+        <a:latin typeface="+mn-lt"/>
+        <a:ea typeface="+mn-ea"/>
+        <a:cs typeface="+mn-cs"/>
+      </a:defRPr>
+    </a:lvl7pPr>
+    <a:lvl8pPr marL="3200400" algn="l" defTabSz="914400" rtl="0" eaLnBrk="1" latinLnBrk="0" hangingPunct="1">
+      <a:defRPr sz="1800" kern="1200">
+        <a:solidFill>
+          <a:schemeClr val="tx1"/>
+        </a:solidFill>
+        <a:latin typeface="+mn-lt"/>
+        <a:ea typeface="+mn-ea"/>
+        <a:cs typeface="+mn-cs"/>
+      </a:defRPr>
+    </a:lvl8pPr>
+    <a:lvl9pPr marL="3657600" algn="l" defTabSz="914400" rtl="0" eaLnBrk="1" latinLnBrk="0" hangingPunct="1">
+      <a:defRPr sz="1800" kern="1200">
+        <a:solidFill>
+          <a:schemeClr val="tx1"/>
+        </a:solidFill>
+        <a:latin typeface="+mn-lt"/>
+        <a:ea typeface="+mn-ea"/>
+        <a:cs typeface="+mn-cs"/>
+      </a:defRPr>
+    </a:lvl9pPr>
+  </p:defaultTextStyle>
+  <p:extLst>
+    <p:ext uri="{EFAFB233-063F-42B5-8137-9DF3F51BA10A}">
+      <p15:sldGuideLst xmlns:p15="http://schemas.microsoft.com/office/powerpoint/2012/main">
+        <p15:guide id="1" orient="horz" pos="2880">
+          <p15:clr>
+            <a:srgbClr val="A4A3A4"/>
+          </p15:clr>
+        </p15:guide>
+        <p15:guide id="2" pos="2160">
+          <p15:clr>
+            <a:srgbClr val="A4A3A4"/>
+          </p15:clr>
+        </p15:guide>
+      </p15:sldGuideLst>
+    </p:ext>
+  </p:extLst>
 </p:presentation>
 </file>
 
+<file path=ppt/revisionInfo.xml><?xml version="1.0" encoding="utf-8"?>
+<p1510:revInfo xmlns:a="http://schemas.openxmlformats.org/drawingml/2006/main" xmlns:r="http://schemas.openxmlformats.org/officeDocument/2006/relationships" xmlns:p1510="http://schemas.microsoft.com/office/powerpoint/2015/10/main">
+  <p1510:revLst>
+    <p1510:client id="{DC2856DA-E029-4B2A-8F44-CF9114FD869C}" v="12" dt="2023-09-28T20:26:06.859"/>
+  </p1510:revLst>
+</p1510:revInfo>
+</file>
+
+<file path=ppt/changesInfos/changesInfo1.xml><?xml version="1.0" encoding="utf-8"?>
+<pc:chgInfo xmlns:a="http://schemas.openxmlformats.org/drawingml/2006/main" xmlns:r="http://schemas.openxmlformats.org/officeDocument/2006/relationships" xmlns:ac="http://schemas.microsoft.com/office/drawing/2013/main/command" xmlns:pc="http://schemas.microsoft.com/office/powerpoint/2013/main/command">
+  <pc:docChgLst>
+    <pc:chgData name="NORBEY DANILO MUÑOZ CAÑON" userId="29f64d73-8b12-4c53-a9f3-1c223397a229" providerId="ADAL" clId="{DC2856DA-E029-4B2A-8F44-CF9114FD869C}"/>
+    <pc:docChg chg="custSel addSld delSld modSld sldOrd">
+      <pc:chgData name="NORBEY DANILO MUÑOZ CAÑON" userId="29f64d73-8b12-4c53-a9f3-1c223397a229" providerId="ADAL" clId="{DC2856DA-E029-4B2A-8F44-CF9114FD869C}" dt="2023-09-28T20:27:38.787" v="16" actId="478"/>
+      <pc:docMkLst>
+        <pc:docMk/>
+      </pc:docMkLst>
+      <pc:sldChg chg="delSp mod">
+        <pc:chgData name="NORBEY DANILO MUÑOZ CAÑON" userId="29f64d73-8b12-4c53-a9f3-1c223397a229" providerId="ADAL" clId="{DC2856DA-E029-4B2A-8F44-CF9114FD869C}" dt="2023-09-28T20:27:38.787" v="16" actId="478"/>
+        <pc:sldMkLst>
+          <pc:docMk/>
+          <pc:sldMk cId="0" sldId="256"/>
+        </pc:sldMkLst>
+        <pc:grpChg chg="del">
+          <ac:chgData name="NORBEY DANILO MUÑOZ CAÑON" userId="29f64d73-8b12-4c53-a9f3-1c223397a229" providerId="ADAL" clId="{DC2856DA-E029-4B2A-8F44-CF9114FD869C}" dt="2023-09-28T20:27:38.787" v="16" actId="478"/>
+          <ac:grpSpMkLst>
+            <pc:docMk/>
+            <pc:sldMk cId="0" sldId="256"/>
+            <ac:grpSpMk id="6" creationId="{00000000-0000-0000-0000-000000000000}"/>
+          </ac:grpSpMkLst>
+        </pc:grpChg>
+      </pc:sldChg>
+      <pc:sldChg chg="del">
+        <pc:chgData name="NORBEY DANILO MUÑOZ CAÑON" userId="29f64d73-8b12-4c53-a9f3-1c223397a229" providerId="ADAL" clId="{DC2856DA-E029-4B2A-8F44-CF9114FD869C}" dt="2023-09-28T20:21:43.908" v="7" actId="47"/>
+        <pc:sldMkLst>
+          <pc:docMk/>
+          <pc:sldMk cId="0" sldId="271"/>
+        </pc:sldMkLst>
+      </pc:sldChg>
+      <pc:sldChg chg="addSp modSp">
+        <pc:chgData name="NORBEY DANILO MUÑOZ CAÑON" userId="29f64d73-8b12-4c53-a9f3-1c223397a229" providerId="ADAL" clId="{DC2856DA-E029-4B2A-8F44-CF9114FD869C}" dt="2023-09-28T20:26:06.859" v="15" actId="1076"/>
+        <pc:sldMkLst>
+          <pc:docMk/>
+          <pc:sldMk cId="0" sldId="275"/>
+        </pc:sldMkLst>
+        <pc:picChg chg="add mod">
+          <ac:chgData name="NORBEY DANILO MUÑOZ CAÑON" userId="29f64d73-8b12-4c53-a9f3-1c223397a229" providerId="ADAL" clId="{DC2856DA-E029-4B2A-8F44-CF9114FD869C}" dt="2023-09-28T20:26:06.859" v="15" actId="1076"/>
+          <ac:picMkLst>
+            <pc:docMk/>
+            <pc:sldMk cId="0" sldId="275"/>
+            <ac:picMk id="1026" creationId="{A580B09A-F2B2-23F4-43B0-DD54CAF83236}"/>
+          </ac:picMkLst>
+        </pc:picChg>
+      </pc:sldChg>
+      <pc:sldChg chg="add del ord setBg">
+        <pc:chgData name="NORBEY DANILO MUÑOZ CAÑON" userId="29f64d73-8b12-4c53-a9f3-1c223397a229" providerId="ADAL" clId="{DC2856DA-E029-4B2A-8F44-CF9114FD869C}" dt="2023-09-28T20:21:01.730" v="6" actId="47"/>
+        <pc:sldMkLst>
+          <pc:docMk/>
+          <pc:sldMk cId="0" sldId="294"/>
+        </pc:sldMkLst>
+      </pc:sldChg>
+    </pc:docChg>
+  </pc:docChgLst>
+</pc:chgInfo>
+</file>
+
+<file path=ppt/notesMasters/notesMaster1.xml><?xml version="1.0" encoding="utf-8"?>
+<p:notesMaster xmlns:a="http://schemas.openxmlformats.org/drawingml/2006/main" xmlns:r="http://schemas.openxmlformats.org/officeDocument/2006/relationships" xmlns:p="http://schemas.openxmlformats.org/presentationml/2006/main">
+  <p:cSld>
+    <p:bg>
+      <p:bgRef idx="1001">
+        <a:schemeClr val="bg1"/>
+      </p:bgRef>
+    </p:bg>
+    <p:spTree>
+      <p:nvGrpSpPr>
+        <p:cNvPr id="1" name=""/>
+        <p:cNvGrpSpPr/>
+        <p:nvPr/>
+      </p:nvGrpSpPr>
+      <p:grpSpPr>
+        <a:xfrm>
+          <a:off x="0" y="0"/>
+          <a:ext cx="0" cy="0"/>
+          <a:chOff x="0" y="0"/>
+          <a:chExt cx="0" cy="0"/>
+        </a:xfrm>
+      </p:grpSpPr>
+      <p:sp>
+        <p:nvSpPr>
+          <p:cNvPr id="2" name="Marcador de encabezado 1"/>
+          <p:cNvSpPr>
+            <a:spLocks noGrp="1"/>
+          </p:cNvSpPr>
+          <p:nvPr>
+            <p:ph type="hdr" sz="quarter"/>
+          </p:nvPr>
+        </p:nvSpPr>
+        <p:spPr>
+          <a:xfrm>
+            <a:off x="0" y="0"/>
+            <a:ext cx="5283200" cy="344488"/>
+          </a:xfrm>
+          <a:prstGeom prst="rect">
+            <a:avLst/>
+          </a:prstGeom>
+        </p:spPr>
+        <p:txBody>
+          <a:bodyPr vert="horz" lIns="91440" tIns="45720" rIns="91440" bIns="45720" rtlCol="0"/>
+          <a:lstStyle>
+            <a:lvl1pPr algn="l">
+              <a:defRPr sz="1200"/>
+            </a:lvl1pPr>
+          </a:lstStyle>
+          <a:p>
+            <a:endParaRPr lang="es-CO"/>
+          </a:p>
+        </p:txBody>
+      </p:sp>
+      <p:sp>
+        <p:nvSpPr>
+          <p:cNvPr id="3" name="Marcador de fecha 2"/>
+          <p:cNvSpPr>
+            <a:spLocks noGrp="1"/>
+          </p:cNvSpPr>
+          <p:nvPr>
+            <p:ph type="dt" idx="1"/>
+          </p:nvPr>
+        </p:nvSpPr>
+        <p:spPr>
+          <a:xfrm>
+            <a:off x="6905625" y="0"/>
+            <a:ext cx="5283200" cy="344488"/>
+          </a:xfrm>
+          <a:prstGeom prst="rect">
+            <a:avLst/>
+          </a:prstGeom>
+        </p:spPr>
+        <p:txBody>
+          <a:bodyPr vert="horz" lIns="91440" tIns="45720" rIns="91440" bIns="45720" rtlCol="0"/>
+          <a:lstStyle>
+            <a:lvl1pPr algn="r">
+              <a:defRPr sz="1200"/>
+            </a:lvl1pPr>
+          </a:lstStyle>
+          <a:p>
+            <a:fld id="{307D75EF-B999-42D0-8345-6F690DF0AB3B}" type="datetimeFigureOut">
+              <a:rPr lang="es-CO" smtClean="0"/>
+              <a:t>28/09/2023</a:t>
+            </a:fld>
+            <a:endParaRPr lang="es-CO"/>
+          </a:p>
+        </p:txBody>
+      </p:sp>
+      <p:sp>
+        <p:nvSpPr>
+          <p:cNvPr id="4" name="Marcador de imagen de diapositiva 3"/>
+          <p:cNvSpPr>
+            <a:spLocks noGrp="1" noRot="1" noChangeAspect="1"/>
+          </p:cNvSpPr>
+          <p:nvPr>
+            <p:ph type="sldImg" idx="2"/>
+          </p:nvPr>
+        </p:nvSpPr>
+        <p:spPr>
+          <a:xfrm>
+            <a:off x="4038600" y="857250"/>
+            <a:ext cx="4114800" cy="2314575"/>
+          </a:xfrm>
+          <a:prstGeom prst="rect">
+            <a:avLst/>
+          </a:prstGeom>
+          <a:noFill/>
+          <a:ln w="12700">
+            <a:solidFill>
+              <a:prstClr val="black"/>
+            </a:solidFill>
+          </a:ln>
+        </p:spPr>
+        <p:txBody>
+          <a:bodyPr vert="horz" lIns="91440" tIns="45720" rIns="91440" bIns="45720" rtlCol="0" anchor="ctr"/>
+          <a:lstStyle/>
+          <a:p>
+            <a:endParaRPr lang="es-CO"/>
+          </a:p>
+        </p:txBody>
+      </p:sp>
+      <p:sp>
+        <p:nvSpPr>
+          <p:cNvPr id="5" name="Marcador de notas 4"/>
+          <p:cNvSpPr>
+            <a:spLocks noGrp="1"/>
+          </p:cNvSpPr>
+          <p:nvPr>
+            <p:ph type="body" sz="quarter" idx="3"/>
+          </p:nvPr>
+        </p:nvSpPr>
+        <p:spPr>
+          <a:xfrm>
+            <a:off x="1219200" y="3300413"/>
+            <a:ext cx="9753600" cy="2700337"/>
+          </a:xfrm>
+          <a:prstGeom prst="rect">
+            <a:avLst/>
+          </a:prstGeom>
+        </p:spPr>
+        <p:txBody>
+          <a:bodyPr vert="horz" lIns="91440" tIns="45720" rIns="91440" bIns="45720" rtlCol="0"/>
+          <a:lstStyle/>
+          <a:p>
+            <a:pPr lvl="0"/>
+            <a:r>
+              <a:rPr lang="es-ES"/>
+              <a:t>Haga clic para modificar los estilos de texto del patrón</a:t>
+            </a:r>
+          </a:p>
+          <a:p>
+            <a:pPr lvl="1"/>
+            <a:r>
+              <a:rPr lang="es-ES"/>
+              <a:t>Segundo nivel</a:t>
+            </a:r>
+          </a:p>
+          <a:p>
+            <a:pPr lvl="2"/>
+            <a:r>
+              <a:rPr lang="es-ES"/>
+              <a:t>Tercer nivel</a:t>
+            </a:r>
+          </a:p>
+          <a:p>
+            <a:pPr lvl="3"/>
+            <a:r>
+              <a:rPr lang="es-ES"/>
+              <a:t>Cuarto nivel</a:t>
+            </a:r>
+          </a:p>
+          <a:p>
+            <a:pPr lvl="4"/>
+            <a:r>
+              <a:rPr lang="es-ES"/>
+              <a:t>Quinto nivel</a:t>
+            </a:r>
+            <a:endParaRPr lang="es-CO"/>
+          </a:p>
+        </p:txBody>
+      </p:sp>
+      <p:sp>
+        <p:nvSpPr>
+          <p:cNvPr id="6" name="Marcador de pie de página 5"/>
+          <p:cNvSpPr>
+            <a:spLocks noGrp="1"/>
+          </p:cNvSpPr>
+          <p:nvPr>
+            <p:ph type="ftr" sz="quarter" idx="4"/>
+          </p:nvPr>
+        </p:nvSpPr>
+        <p:spPr>
+          <a:xfrm>
+            <a:off x="0" y="6513513"/>
+            <a:ext cx="5283200" cy="344487"/>
+          </a:xfrm>
+          <a:prstGeom prst="rect">
+            <a:avLst/>
+          </a:prstGeom>
+        </p:spPr>
+        <p:txBody>
+          <a:bodyPr vert="horz" lIns="91440" tIns="45720" rIns="91440" bIns="45720" rtlCol="0" anchor="b"/>
+          <a:lstStyle>
+            <a:lvl1pPr algn="l">
+              <a:defRPr sz="1200"/>
+            </a:lvl1pPr>
+          </a:lstStyle>
+          <a:p>
+            <a:endParaRPr lang="es-CO"/>
+          </a:p>
+        </p:txBody>
+      </p:sp>
+      <p:sp>
+        <p:nvSpPr>
+          <p:cNvPr id="7" name="Marcador de número de diapositiva 6"/>
+          <p:cNvSpPr>
+            <a:spLocks noGrp="1"/>
+          </p:cNvSpPr>
+          <p:nvPr>
+            <p:ph type="sldNum" sz="quarter" idx="5"/>
+          </p:nvPr>
+        </p:nvSpPr>
+        <p:spPr>
+          <a:xfrm>
+            <a:off x="6905625" y="6513513"/>
+            <a:ext cx="5283200" cy="344487"/>
+          </a:xfrm>
+          <a:prstGeom prst="rect">
+            <a:avLst/>
+          </a:prstGeom>
+        </p:spPr>
+        <p:txBody>
+          <a:bodyPr vert="horz" lIns="91440" tIns="45720" rIns="91440" bIns="45720" rtlCol="0" anchor="b"/>
+          <a:lstStyle>
+            <a:lvl1pPr algn="r">
+              <a:defRPr sz="1200"/>
+            </a:lvl1pPr>
+          </a:lstStyle>
+          <a:p>
+            <a:fld id="{E69E34A7-44BE-406A-BC9B-08F3DA9DBD3F}" type="slidenum">
+              <a:rPr lang="es-CO" smtClean="0"/>
+              <a:t>‹Nº›</a:t>
+            </a:fld>
+            <a:endParaRPr lang="es-CO"/>
+          </a:p>
+        </p:txBody>
+      </p:sp>
+    </p:spTree>
+    <p:extLst>
+      <p:ext uri="{BB962C8B-B14F-4D97-AF65-F5344CB8AC3E}">
+        <p14:creationId xmlns:p14="http://schemas.microsoft.com/office/powerpoint/2010/main" val="3346830774"/>
+      </p:ext>
+    </p:extLst>
+  </p:cSld>
+  <p:clrMap bg1="lt1" tx1="dk1" bg2="lt2" tx2="dk2" accent1="accent1" accent2="accent2" accent3="accent3" accent4="accent4" accent5="accent5" accent6="accent6" hlink="hlink" folHlink="folHlink"/>
+  <p:notesStyle>
+    <a:lvl1pPr marL="0" algn="l" defTabSz="914400" rtl="0" eaLnBrk="1" latinLnBrk="0" hangingPunct="1">
+      <a:defRPr sz="1200" kern="1200">
+        <a:solidFill>
+          <a:schemeClr val="tx1"/>
+        </a:solidFill>
+        <a:latin typeface="+mn-lt"/>
+        <a:ea typeface="+mn-ea"/>
+        <a:cs typeface="+mn-cs"/>
+      </a:defRPr>
+    </a:lvl1pPr>
+    <a:lvl2pPr marL="457200" algn="l" defTabSz="914400" rtl="0" eaLnBrk="1" latinLnBrk="0" hangingPunct="1">
+      <a:defRPr sz="1200" kern="1200">
+        <a:solidFill>
+          <a:schemeClr val="tx1"/>
+        </a:solidFill>
+        <a:latin typeface="+mn-lt"/>
+        <a:ea typeface="+mn-ea"/>
+        <a:cs typeface="+mn-cs"/>
+      </a:defRPr>
+    </a:lvl2pPr>
+    <a:lvl3pPr marL="914400" algn="l" defTabSz="914400" rtl="0" eaLnBrk="1" latinLnBrk="0" hangingPunct="1">
+      <a:defRPr sz="1200" kern="1200">
+        <a:solidFill>
+          <a:schemeClr val="tx1"/>
+        </a:solidFill>
+        <a:latin typeface="+mn-lt"/>
+        <a:ea typeface="+mn-ea"/>
+        <a:cs typeface="+mn-cs"/>
+      </a:defRPr>
+    </a:lvl3pPr>
+    <a:lvl4pPr marL="1371600" algn="l" defTabSz="914400" rtl="0" eaLnBrk="1" latinLnBrk="0" hangingPunct="1">
+      <a:defRPr sz="1200" kern="1200">
+        <a:solidFill>
+          <a:schemeClr val="tx1"/>
+        </a:solidFill>
+        <a:latin typeface="+mn-lt"/>
+        <a:ea typeface="+mn-ea"/>
+        <a:cs typeface="+mn-cs"/>
+      </a:defRPr>
+    </a:lvl4pPr>
+    <a:lvl5pPr marL="1828800" algn="l" defTabSz="914400" rtl="0" eaLnBrk="1" latinLnBrk="0" hangingPunct="1">
+      <a:defRPr sz="1200" kern="1200">
+        <a:solidFill>
+          <a:schemeClr val="tx1"/>
+        </a:solidFill>
+        <a:latin typeface="+mn-lt"/>
+        <a:ea typeface="+mn-ea"/>
+        <a:cs typeface="+mn-cs"/>
+      </a:defRPr>
+    </a:lvl5pPr>
+    <a:lvl6pPr marL="2286000" algn="l" defTabSz="914400" rtl="0" eaLnBrk="1" latinLnBrk="0" hangingPunct="1">
+      <a:defRPr sz="1200" kern="1200">
+        <a:solidFill>
+          <a:schemeClr val="tx1"/>
+        </a:solidFill>
+        <a:latin typeface="+mn-lt"/>
+        <a:ea typeface="+mn-ea"/>
+        <a:cs typeface="+mn-cs"/>
+      </a:defRPr>
+    </a:lvl6pPr>
+    <a:lvl7pPr marL="2743200" algn="l" defTabSz="914400" rtl="0" eaLnBrk="1" latinLnBrk="0" hangingPunct="1">
+      <a:defRPr sz="1200" kern="1200">
+        <a:solidFill>
+          <a:schemeClr val="tx1"/>
+        </a:solidFill>
+        <a:latin typeface="+mn-lt"/>
+        <a:ea typeface="+mn-ea"/>
+        <a:cs typeface="+mn-cs"/>
+      </a:defRPr>
+    </a:lvl7pPr>
+    <a:lvl8pPr marL="3200400" algn="l" defTabSz="914400" rtl="0" eaLnBrk="1" latinLnBrk="0" hangingPunct="1">
+      <a:defRPr sz="1200" kern="1200">
+        <a:solidFill>
+          <a:schemeClr val="tx1"/>
+        </a:solidFill>
+        <a:latin typeface="+mn-lt"/>
+        <a:ea typeface="+mn-ea"/>
+        <a:cs typeface="+mn-cs"/>
+      </a:defRPr>
+    </a:lvl8pPr>
+    <a:lvl9pPr marL="3657600" algn="l" defTabSz="914400" rtl="0" eaLnBrk="1" latinLnBrk="0" hangingPunct="1">
+      <a:defRPr sz="1200" kern="1200">
+        <a:solidFill>
+          <a:schemeClr val="tx1"/>
+        </a:solidFill>
+        <a:latin typeface="+mn-lt"/>
+        <a:ea typeface="+mn-ea"/>
+        <a:cs typeface="+mn-cs"/>
+      </a:defRPr>
+    </a:lvl9pPr>
+  </p:notesStyle>
+</p:notesMaster>
+</file>
+
 <file path=ppt/slideLayouts/slideLayout1.xml><?xml version="1.0" encoding="utf-8"?>
-<p:sldLayout xmlns:a="http://schemas.openxmlformats.org/drawingml/2006/main" xmlns:r="http://schemas.openxmlformats.org/officeDocument/2006/relationships" xmlns:p="http://schemas.openxmlformats.org/presentationml/2006/main" preserve="1" type="obj">
+<p:sldLayout xmlns:a="http://schemas.openxmlformats.org/drawingml/2006/main" xmlns:r="http://schemas.openxmlformats.org/officeDocument/2006/relationships" xmlns:p="http://schemas.openxmlformats.org/presentationml/2006/main" type="obj" preserve="1">
   <p:cSld name="Title Slide">
     <p:spTree>
       <p:nvGrpSpPr>
@@ -85,7 +614,9 @@
               <a:defRPr/>
             </a:lvl1pPr>
           </a:lstStyle>
-          <a:p/>
+          <a:p>
+            <a:endParaRPr/>
+          </a:p>
         </p:txBody>
       </p:sp>
       <p:sp>
@@ -116,7 +647,9 @@
               <a:defRPr/>
             </a:lvl1pPr>
           </a:lstStyle>
-          <a:p/>
+          <a:p>
+            <a:endParaRPr/>
+          </a:p>
         </p:txBody>
       </p:sp>
       <p:sp>
@@ -126,7 +659,7 @@
             <a:spLocks noGrp="1"/>
           </p:cNvSpPr>
           <p:nvPr>
-            <p:ph type="ftr" idx="5" sz="quarter"/>
+            <p:ph type="ftr" sz="quarter" idx="5"/>
           </p:nvPr>
         </p:nvSpPr>
         <p:spPr/>
@@ -143,7 +676,9 @@
               </a:defRPr>
             </a:lvl1pPr>
           </a:lstStyle>
-          <a:p/>
+          <a:p>
+            <a:endParaRPr/>
+          </a:p>
         </p:txBody>
       </p:sp>
       <p:sp>
@@ -153,7 +688,7 @@
             <a:spLocks noGrp="1"/>
           </p:cNvSpPr>
           <p:nvPr>
-            <p:ph type="dt" idx="6" sz="half"/>
+            <p:ph type="dt" sz="half" idx="6"/>
           </p:nvPr>
         </p:nvSpPr>
         <p:spPr/>
@@ -173,7 +708,9 @@
           <a:p>
             <a:fld id="{1D8BD707-D9CF-40AE-B4C6-C98DA3205C09}" type="datetimeFigureOut">
               <a:rPr lang="en-US"/>
+              <a:t>9/28/2023</a:t>
             </a:fld>
+            <a:endParaRPr lang="en-US"/>
           </a:p>
         </p:txBody>
       </p:sp>
@@ -184,7 +721,7 @@
             <a:spLocks noGrp="1"/>
           </p:cNvSpPr>
           <p:nvPr>
-            <p:ph type="sldNum" idx="7" sz="quarter"/>
+            <p:ph type="sldNum" sz="quarter" idx="7"/>
           </p:nvPr>
         </p:nvSpPr>
         <p:spPr/>
@@ -203,8 +740,9 @@
           </a:lstStyle>
           <a:p>
             <a:fld id="{B6F15528-21DE-4FAA-801E-634DDDAF4B2B}" type="slidenum">
-              <a:t>#</a:t>
+              <a:t>‹Nº›</a:t>
             </a:fld>
+            <a:endParaRPr/>
           </a:p>
         </p:txBody>
       </p:sp>
@@ -217,7 +755,7 @@
 </file>
 
 <file path=ppt/slideLayouts/slideLayout2.xml><?xml version="1.0" encoding="utf-8"?>
-<p:sldLayout xmlns:a="http://schemas.openxmlformats.org/drawingml/2006/main" xmlns:r="http://schemas.openxmlformats.org/officeDocument/2006/relationships" xmlns:p="http://schemas.openxmlformats.org/presentationml/2006/main" preserve="1" type="obj" showMasterSp="0">
+<p:sldLayout xmlns:a="http://schemas.openxmlformats.org/drawingml/2006/main" xmlns:r="http://schemas.openxmlformats.org/officeDocument/2006/relationships" xmlns:p="http://schemas.openxmlformats.org/presentationml/2006/main" showMasterSp="0" type="obj" preserve="1">
   <p:cSld name="Title and Content">
     <p:bg>
       <p:bgPr>
@@ -353,7 +891,9 @@
               </a:defRPr>
             </a:lvl1pPr>
           </a:lstStyle>
-          <a:p/>
+          <a:p>
+            <a:endParaRPr/>
+          </a:p>
         </p:txBody>
       </p:sp>
       <p:sp>
@@ -380,7 +920,9 @@
               </a:defRPr>
             </a:lvl1pPr>
           </a:lstStyle>
-          <a:p/>
+          <a:p>
+            <a:endParaRPr/>
+          </a:p>
         </p:txBody>
       </p:sp>
       <p:sp>
@@ -390,7 +932,7 @@
             <a:spLocks noGrp="1"/>
           </p:cNvSpPr>
           <p:nvPr>
-            <p:ph type="ftr" idx="5" sz="quarter"/>
+            <p:ph type="ftr" sz="quarter" idx="5"/>
           </p:nvPr>
         </p:nvSpPr>
         <p:spPr/>
@@ -407,7 +949,9 @@
               </a:defRPr>
             </a:lvl1pPr>
           </a:lstStyle>
-          <a:p/>
+          <a:p>
+            <a:endParaRPr/>
+          </a:p>
         </p:txBody>
       </p:sp>
       <p:sp>
@@ -417,7 +961,7 @@
             <a:spLocks noGrp="1"/>
           </p:cNvSpPr>
           <p:nvPr>
-            <p:ph type="dt" idx="6" sz="half"/>
+            <p:ph type="dt" sz="half" idx="6"/>
           </p:nvPr>
         </p:nvSpPr>
         <p:spPr/>
@@ -437,7 +981,9 @@
           <a:p>
             <a:fld id="{1D8BD707-D9CF-40AE-B4C6-C98DA3205C09}" type="datetimeFigureOut">
               <a:rPr lang="en-US"/>
+              <a:t>9/28/2023</a:t>
             </a:fld>
+            <a:endParaRPr lang="en-US"/>
           </a:p>
         </p:txBody>
       </p:sp>
@@ -448,7 +994,7 @@
             <a:spLocks noGrp="1"/>
           </p:cNvSpPr>
           <p:nvPr>
-            <p:ph type="sldNum" idx="7" sz="quarter"/>
+            <p:ph type="sldNum" sz="quarter" idx="7"/>
           </p:nvPr>
         </p:nvSpPr>
         <p:spPr/>
@@ -467,8 +1013,9 @@
           </a:lstStyle>
           <a:p>
             <a:fld id="{B6F15528-21DE-4FAA-801E-634DDDAF4B2B}" type="slidenum">
-              <a:t>#</a:t>
+              <a:t>‹Nº›</a:t>
             </a:fld>
+            <a:endParaRPr/>
           </a:p>
         </p:txBody>
       </p:sp>
@@ -481,7 +1028,7 @@
 </file>
 
 <file path=ppt/slideLayouts/slideLayout3.xml><?xml version="1.0" encoding="utf-8"?>
-<p:sldLayout xmlns:a="http://schemas.openxmlformats.org/drawingml/2006/main" xmlns:r="http://schemas.openxmlformats.org/officeDocument/2006/relationships" xmlns:p="http://schemas.openxmlformats.org/presentationml/2006/main" preserve="1" type="obj">
+<p:sldLayout xmlns:a="http://schemas.openxmlformats.org/drawingml/2006/main" xmlns:r="http://schemas.openxmlformats.org/officeDocument/2006/relationships" xmlns:p="http://schemas.openxmlformats.org/presentationml/2006/main" type="obj" preserve="1">
   <p:cSld name="Two Content">
     <p:spTree>
       <p:nvGrpSpPr>
@@ -521,7 +1068,9 @@
               </a:defRPr>
             </a:lvl1pPr>
           </a:lstStyle>
-          <a:p/>
+          <a:p>
+            <a:endParaRPr/>
+          </a:p>
         </p:txBody>
       </p:sp>
       <p:sp>
@@ -531,7 +1080,7 @@
             <a:spLocks noGrp="1"/>
           </p:cNvSpPr>
           <p:nvPr>
-            <p:ph idx="2" sz="half"/>
+            <p:ph sz="half" idx="2"/>
           </p:nvPr>
         </p:nvSpPr>
         <p:spPr>
@@ -552,7 +1101,9 @@
               <a:defRPr/>
             </a:lvl1pPr>
           </a:lstStyle>
-          <a:p/>
+          <a:p>
+            <a:endParaRPr/>
+          </a:p>
         </p:txBody>
       </p:sp>
       <p:sp>
@@ -562,7 +1113,7 @@
             <a:spLocks noGrp="1"/>
           </p:cNvSpPr>
           <p:nvPr>
-            <p:ph idx="3" sz="half"/>
+            <p:ph sz="half" idx="3"/>
           </p:nvPr>
         </p:nvSpPr>
         <p:spPr>
@@ -583,7 +1134,9 @@
               <a:defRPr/>
             </a:lvl1pPr>
           </a:lstStyle>
-          <a:p/>
+          <a:p>
+            <a:endParaRPr/>
+          </a:p>
         </p:txBody>
       </p:sp>
       <p:sp>
@@ -593,7 +1146,7 @@
             <a:spLocks noGrp="1"/>
           </p:cNvSpPr>
           <p:nvPr>
-            <p:ph type="ftr" idx="5" sz="quarter"/>
+            <p:ph type="ftr" sz="quarter" idx="5"/>
           </p:nvPr>
         </p:nvSpPr>
         <p:spPr/>
@@ -610,7 +1163,9 @@
               </a:defRPr>
             </a:lvl1pPr>
           </a:lstStyle>
-          <a:p/>
+          <a:p>
+            <a:endParaRPr/>
+          </a:p>
         </p:txBody>
       </p:sp>
       <p:sp>
@@ -620,7 +1175,7 @@
             <a:spLocks noGrp="1"/>
           </p:cNvSpPr>
           <p:nvPr>
-            <p:ph type="dt" idx="6" sz="half"/>
+            <p:ph type="dt" sz="half" idx="6"/>
           </p:nvPr>
         </p:nvSpPr>
         <p:spPr/>
@@ -640,7 +1195,9 @@
           <a:p>
             <a:fld id="{1D8BD707-D9CF-40AE-B4C6-C98DA3205C09}" type="datetimeFigureOut">
               <a:rPr lang="en-US"/>
+              <a:t>9/28/2023</a:t>
             </a:fld>
+            <a:endParaRPr lang="en-US"/>
           </a:p>
         </p:txBody>
       </p:sp>
@@ -651,7 +1208,7 @@
             <a:spLocks noGrp="1"/>
           </p:cNvSpPr>
           <p:nvPr>
-            <p:ph type="sldNum" idx="7" sz="quarter"/>
+            <p:ph type="sldNum" sz="quarter" idx="7"/>
           </p:nvPr>
         </p:nvSpPr>
         <p:spPr/>
@@ -670,8 +1227,9 @@
           </a:lstStyle>
           <a:p>
             <a:fld id="{B6F15528-21DE-4FAA-801E-634DDDAF4B2B}" type="slidenum">
-              <a:t>#</a:t>
+              <a:t>‹Nº›</a:t>
             </a:fld>
+            <a:endParaRPr/>
           </a:p>
         </p:txBody>
       </p:sp>
@@ -684,7 +1242,7 @@
 </file>
 
 <file path=ppt/slideLayouts/slideLayout4.xml><?xml version="1.0" encoding="utf-8"?>
-<p:sldLayout xmlns:a="http://schemas.openxmlformats.org/drawingml/2006/main" xmlns:r="http://schemas.openxmlformats.org/officeDocument/2006/relationships" xmlns:p="http://schemas.openxmlformats.org/presentationml/2006/main" preserve="1" type="obj">
+<p:sldLayout xmlns:a="http://schemas.openxmlformats.org/drawingml/2006/main" xmlns:r="http://schemas.openxmlformats.org/officeDocument/2006/relationships" xmlns:p="http://schemas.openxmlformats.org/presentationml/2006/main" type="obj" preserve="1">
   <p:cSld name="Title Only">
     <p:spTree>
       <p:nvGrpSpPr>
@@ -724,7 +1282,9 @@
               </a:defRPr>
             </a:lvl1pPr>
           </a:lstStyle>
-          <a:p/>
+          <a:p>
+            <a:endParaRPr/>
+          </a:p>
         </p:txBody>
       </p:sp>
       <p:sp>
@@ -734,7 +1294,7 @@
             <a:spLocks noGrp="1"/>
           </p:cNvSpPr>
           <p:nvPr>
-            <p:ph type="ftr" idx="5" sz="quarter"/>
+            <p:ph type="ftr" sz="quarter" idx="5"/>
           </p:nvPr>
         </p:nvSpPr>
         <p:spPr/>
@@ -751,7 +1311,9 @@
               </a:defRPr>
             </a:lvl1pPr>
           </a:lstStyle>
-          <a:p/>
+          <a:p>
+            <a:endParaRPr/>
+          </a:p>
         </p:txBody>
       </p:sp>
       <p:sp>
@@ -761,7 +1323,7 @@
             <a:spLocks noGrp="1"/>
           </p:cNvSpPr>
           <p:nvPr>
-            <p:ph type="dt" idx="6" sz="half"/>
+            <p:ph type="dt" sz="half" idx="6"/>
           </p:nvPr>
         </p:nvSpPr>
         <p:spPr/>
@@ -781,7 +1343,9 @@
           <a:p>
             <a:fld id="{1D8BD707-D9CF-40AE-B4C6-C98DA3205C09}" type="datetimeFigureOut">
               <a:rPr lang="en-US"/>
+              <a:t>9/28/2023</a:t>
             </a:fld>
+            <a:endParaRPr lang="en-US"/>
           </a:p>
         </p:txBody>
       </p:sp>
@@ -792,7 +1356,7 @@
             <a:spLocks noGrp="1"/>
           </p:cNvSpPr>
           <p:nvPr>
-            <p:ph type="sldNum" idx="7" sz="quarter"/>
+            <p:ph type="sldNum" sz="quarter" idx="7"/>
           </p:nvPr>
         </p:nvSpPr>
         <p:spPr/>
@@ -811,8 +1375,9 @@
           </a:lstStyle>
           <a:p>
             <a:fld id="{B6F15528-21DE-4FAA-801E-634DDDAF4B2B}" type="slidenum">
-              <a:t>#</a:t>
+              <a:t>‹Nº›</a:t>
             </a:fld>
+            <a:endParaRPr/>
           </a:p>
         </p:txBody>
       </p:sp>
@@ -825,7 +1390,7 @@
 </file>
 
 <file path=ppt/slideLayouts/slideLayout5.xml><?xml version="1.0" encoding="utf-8"?>
-<p:sldLayout xmlns:a="http://schemas.openxmlformats.org/drawingml/2006/main" xmlns:r="http://schemas.openxmlformats.org/officeDocument/2006/relationships" xmlns:p="http://schemas.openxmlformats.org/presentationml/2006/main" preserve="1" type="obj">
+<p:sldLayout xmlns:a="http://schemas.openxmlformats.org/drawingml/2006/main" xmlns:r="http://schemas.openxmlformats.org/officeDocument/2006/relationships" xmlns:p="http://schemas.openxmlformats.org/presentationml/2006/main" type="obj" preserve="1">
   <p:cSld name="Blank">
     <p:spTree>
       <p:nvGrpSpPr>
@@ -848,7 +1413,7 @@
             <a:spLocks noGrp="1"/>
           </p:cNvSpPr>
           <p:nvPr>
-            <p:ph type="ftr" idx="5" sz="quarter"/>
+            <p:ph type="ftr" sz="quarter" idx="5"/>
           </p:nvPr>
         </p:nvSpPr>
         <p:spPr/>
@@ -865,7 +1430,9 @@
               </a:defRPr>
             </a:lvl1pPr>
           </a:lstStyle>
-          <a:p/>
+          <a:p>
+            <a:endParaRPr/>
+          </a:p>
         </p:txBody>
       </p:sp>
       <p:sp>
@@ -875,7 +1442,7 @@
             <a:spLocks noGrp="1"/>
           </p:cNvSpPr>
           <p:nvPr>
-            <p:ph type="dt" idx="6" sz="half"/>
+            <p:ph type="dt" sz="half" idx="6"/>
           </p:nvPr>
         </p:nvSpPr>
         <p:spPr/>
@@ -895,7 +1462,9 @@
           <a:p>
             <a:fld id="{1D8BD707-D9CF-40AE-B4C6-C98DA3205C09}" type="datetimeFigureOut">
               <a:rPr lang="en-US"/>
+              <a:t>9/28/2023</a:t>
             </a:fld>
+            <a:endParaRPr lang="en-US"/>
           </a:p>
         </p:txBody>
       </p:sp>
@@ -906,7 +1475,7 @@
             <a:spLocks noGrp="1"/>
           </p:cNvSpPr>
           <p:nvPr>
-            <p:ph type="sldNum" idx="7" sz="quarter"/>
+            <p:ph type="sldNum" sz="quarter" idx="7"/>
           </p:nvPr>
         </p:nvSpPr>
         <p:spPr/>
@@ -925,8 +1494,9 @@
           </a:lstStyle>
           <a:p>
             <a:fld id="{B6F15528-21DE-4FAA-801E-634DDDAF4B2B}" type="slidenum">
-              <a:t>#</a:t>
+              <a:t>‹Nº›</a:t>
             </a:fld>
+            <a:endParaRPr/>
           </a:p>
         </p:txBody>
       </p:sp>
@@ -997,7 +1567,9 @@
               </a:defRPr>
             </a:lvl1pPr>
           </a:lstStyle>
-          <a:p/>
+          <a:p>
+            <a:endParaRPr/>
+          </a:p>
         </p:txBody>
       </p:sp>
       <p:sp>
@@ -1034,7 +1606,9 @@
               </a:defRPr>
             </a:lvl1pPr>
           </a:lstStyle>
-          <a:p/>
+          <a:p>
+            <a:endParaRPr/>
+          </a:p>
         </p:txBody>
       </p:sp>
       <p:sp>
@@ -1044,7 +1618,7 @@
             <a:spLocks noGrp="1"/>
           </p:cNvSpPr>
           <p:nvPr>
-            <p:ph type="ftr" idx="5" sz="quarter"/>
+            <p:ph type="ftr" sz="quarter" idx="5"/>
           </p:nvPr>
         </p:nvSpPr>
         <p:spPr>
@@ -1071,7 +1645,9 @@
               </a:defRPr>
             </a:lvl1pPr>
           </a:lstStyle>
-          <a:p/>
+          <a:p>
+            <a:endParaRPr/>
+          </a:p>
         </p:txBody>
       </p:sp>
       <p:sp>
@@ -1081,7 +1657,7 @@
             <a:spLocks noGrp="1"/>
           </p:cNvSpPr>
           <p:nvPr>
-            <p:ph type="dt" idx="6" sz="half"/>
+            <p:ph type="dt" sz="half" idx="6"/>
           </p:nvPr>
         </p:nvSpPr>
         <p:spPr>
@@ -1111,7 +1687,9 @@
           <a:p>
             <a:fld id="{1D8BD707-D9CF-40AE-B4C6-C98DA3205C09}" type="datetimeFigureOut">
               <a:rPr lang="en-US"/>
+              <a:t>9/28/2023</a:t>
             </a:fld>
+            <a:endParaRPr lang="en-US"/>
           </a:p>
         </p:txBody>
       </p:sp>
@@ -1122,7 +1700,7 @@
             <a:spLocks noGrp="1"/>
           </p:cNvSpPr>
           <p:nvPr>
-            <p:ph type="sldNum" idx="7" sz="quarter"/>
+            <p:ph type="sldNum" sz="quarter" idx="7"/>
           </p:nvPr>
         </p:nvSpPr>
         <p:spPr>
@@ -1151,14 +1729,15 @@
           </a:lstStyle>
           <a:p>
             <a:fld id="{B6F15528-21DE-4FAA-801E-634DDDAF4B2B}" type="slidenum">
-              <a:t>#</a:t>
+              <a:t>‹Nº›</a:t>
             </a:fld>
+            <a:endParaRPr/>
           </a:p>
         </p:txBody>
       </p:sp>
     </p:spTree>
   </p:cSld>
-  <p:clrMap folHlink="folHlink" hlink="hlink" accent1="accent1" accent2="accent2" accent3="accent3" accent4="accent4" accent5="accent5" accent6="accent6" tx2="dk2" bg2="lt2" tx1="dk1" bg1="lt1"/>
+  <p:clrMap bg1="lt1" tx1="dk1" bg2="lt2" tx2="dk2" accent1="accent1" accent2="accent2" accent3="accent3" accent4="accent4" accent5="accent5" accent6="accent6" hlink="hlink" folHlink="folHlink"/>
   <p:sldLayoutIdLst>
     <p:sldLayoutId id="2147483661" r:id="rId1"/>
     <p:sldLayoutId id="2147483662" r:id="rId2"/>
@@ -1408,87 +1987,6 @@
           </p:spPr>
         </p:pic>
       </p:grpSp>
-      <p:grpSp>
-        <p:nvGrpSpPr>
-          <p:cNvPr id="6" name="object 6"/>
-          <p:cNvGrpSpPr/>
-          <p:nvPr/>
-        </p:nvGrpSpPr>
-        <p:grpSpPr>
-          <a:xfrm>
-            <a:off x="1615694" y="3540505"/>
-            <a:ext cx="5088890" cy="1000125"/>
-            <a:chOff x="1615694" y="3540505"/>
-            <a:chExt cx="5088890" cy="1000125"/>
-          </a:xfrm>
-        </p:grpSpPr>
-        <p:pic>
-          <p:nvPicPr>
-            <p:cNvPr id="7" name="object 7"/>
-            <p:cNvPicPr/>
-            <p:nvPr/>
-          </p:nvPicPr>
-          <p:blipFill>
-            <a:blip r:embed="rId5" cstate="print"/>
-            <a:stretch>
-              <a:fillRect/>
-            </a:stretch>
-          </p:blipFill>
-          <p:spPr>
-            <a:xfrm>
-              <a:off x="1615694" y="3540505"/>
-              <a:ext cx="3432555" cy="560832"/>
-            </a:xfrm>
-            <a:prstGeom prst="rect">
-              <a:avLst/>
-            </a:prstGeom>
-          </p:spPr>
-        </p:pic>
-        <p:pic>
-          <p:nvPicPr>
-            <p:cNvPr id="8" name="object 8"/>
-            <p:cNvPicPr/>
-            <p:nvPr/>
-          </p:nvPicPr>
-          <p:blipFill>
-            <a:blip r:embed="rId6" cstate="print"/>
-            <a:stretch>
-              <a:fillRect/>
-            </a:stretch>
-          </p:blipFill>
-          <p:spPr>
-            <a:xfrm>
-              <a:off x="1615694" y="3979418"/>
-              <a:ext cx="2485898" cy="560832"/>
-            </a:xfrm>
-            <a:prstGeom prst="rect">
-              <a:avLst/>
-            </a:prstGeom>
-          </p:spPr>
-        </p:pic>
-        <p:pic>
-          <p:nvPicPr>
-            <p:cNvPr id="9" name="object 9"/>
-            <p:cNvPicPr/>
-            <p:nvPr/>
-          </p:nvPicPr>
-          <p:blipFill>
-            <a:blip r:embed="rId7" cstate="print"/>
-            <a:stretch>
-              <a:fillRect/>
-            </a:stretch>
-          </p:blipFill>
-          <p:spPr>
-            <a:xfrm>
-              <a:off x="3894454" y="3979418"/>
-              <a:ext cx="2810002" cy="560832"/>
-            </a:xfrm>
-            <a:prstGeom prst="rect">
-              <a:avLst/>
-            </a:prstGeom>
-          </p:spPr>
-        </p:pic>
-      </p:grpSp>
     </p:spTree>
   </p:cSld>
   <p:clrMapOvr>
@@ -1745,7 +2243,7 @@
             <a:cxnLst/>
             <a:rect l="l" t="t" r="r" b="b"/>
             <a:pathLst>
-              <a:path w="0" h="3611879">
+              <a:path h="3611879">
                 <a:moveTo>
                   <a:pt x="0" y="0"/>
                 </a:moveTo>
@@ -1764,7 +2262,9 @@
         <p:txBody>
           <a:bodyPr wrap="square" lIns="0" tIns="0" rIns="0" bIns="0" rtlCol="0"/>
           <a:lstStyle/>
-          <a:p/>
+          <a:p>
+            <a:endParaRPr/>
+          </a:p>
         </p:txBody>
       </p:sp>
     </p:spTree>
@@ -1979,7 +2479,7 @@
             <a:cxnLst/>
             <a:rect l="l" t="t" r="r" b="b"/>
             <a:pathLst>
-              <a:path w="0" h="2863215">
+              <a:path h="2863215">
                 <a:moveTo>
                   <a:pt x="0" y="0"/>
                 </a:moveTo>
@@ -1998,7 +2498,9 @@
         <p:txBody>
           <a:bodyPr wrap="square" lIns="0" tIns="0" rIns="0" bIns="0" rtlCol="0"/>
           <a:lstStyle/>
-          <a:p/>
+          <a:p>
+            <a:endParaRPr/>
+          </a:p>
         </p:txBody>
       </p:sp>
     </p:spTree>
@@ -2279,7 +2781,7 @@
             <a:cxnLst/>
             <a:rect l="l" t="t" r="r" b="b"/>
             <a:pathLst>
-              <a:path w="0" h="3898265">
+              <a:path h="3898265">
                 <a:moveTo>
                   <a:pt x="0" y="0"/>
                 </a:moveTo>
@@ -2298,7 +2800,9 @@
         <p:txBody>
           <a:bodyPr wrap="square" lIns="0" tIns="0" rIns="0" bIns="0" rtlCol="0"/>
           <a:lstStyle/>
-          <a:p/>
+          <a:p>
+            <a:endParaRPr/>
+          </a:p>
         </p:txBody>
       </p:sp>
     </p:spTree>
@@ -2688,28 +3192,586 @@
           <a:chExt cx="0" cy="0"/>
         </a:xfrm>
       </p:grpSpPr>
-      <p:pic>
-        <p:nvPicPr>
+      <p:grpSp>
+        <p:nvGrpSpPr>
           <p:cNvPr id="2" name="object 2"/>
-          <p:cNvPicPr/>
+          <p:cNvGrpSpPr/>
           <p:nvPr/>
-        </p:nvPicPr>
-        <p:blipFill>
-          <a:blip r:embed="rId2" cstate="print"/>
-          <a:stretch>
-            <a:fillRect/>
-          </a:stretch>
-        </p:blipFill>
+        </p:nvGrpSpPr>
+        <p:grpSpPr>
+          <a:xfrm>
+            <a:off x="929639" y="276428"/>
+            <a:ext cx="6979920" cy="1375410"/>
+            <a:chOff x="929639" y="276428"/>
+            <a:chExt cx="6979920" cy="1375410"/>
+          </a:xfrm>
+        </p:grpSpPr>
+        <p:pic>
+          <p:nvPicPr>
+            <p:cNvPr id="3" name="object 3"/>
+            <p:cNvPicPr/>
+            <p:nvPr/>
+          </p:nvPicPr>
+          <p:blipFill>
+            <a:blip r:embed="rId2" cstate="print"/>
+            <a:stretch>
+              <a:fillRect/>
+            </a:stretch>
+          </p:blipFill>
+          <p:spPr>
+            <a:xfrm>
+              <a:off x="929639" y="276428"/>
+              <a:ext cx="6979539" cy="771448"/>
+            </a:xfrm>
+            <a:prstGeom prst="rect">
+              <a:avLst/>
+            </a:prstGeom>
+          </p:spPr>
+        </p:pic>
+        <p:pic>
+          <p:nvPicPr>
+            <p:cNvPr id="4" name="object 4"/>
+            <p:cNvPicPr/>
+            <p:nvPr/>
+          </p:nvPicPr>
+          <p:blipFill>
+            <a:blip r:embed="rId3" cstate="print"/>
+            <a:stretch>
+              <a:fillRect/>
+            </a:stretch>
+          </p:blipFill>
+          <p:spPr>
+            <a:xfrm>
+              <a:off x="929639" y="879932"/>
+              <a:ext cx="3936619" cy="771448"/>
+            </a:xfrm>
+            <a:prstGeom prst="rect">
+              <a:avLst/>
+            </a:prstGeom>
+          </p:spPr>
+        </p:pic>
+      </p:grpSp>
+      <p:sp>
+        <p:nvSpPr>
+          <p:cNvPr id="5" name="object 5"/>
+          <p:cNvSpPr txBox="1">
+            <a:spLocks noGrp="1"/>
+          </p:cNvSpPr>
+          <p:nvPr>
+            <p:ph type="title"/>
+          </p:nvPr>
+        </p:nvSpPr>
         <p:spPr>
           <a:xfrm>
-            <a:off x="929639" y="276428"/>
-            <a:ext cx="6979539" cy="771448"/>
+            <a:off x="916939" y="2183890"/>
+            <a:ext cx="8118475" cy="965835"/>
           </a:xfrm>
           <a:prstGeom prst="rect">
             <a:avLst/>
           </a:prstGeom>
         </p:spPr>
-      </p:pic>
+        <p:txBody>
+          <a:bodyPr vert="horz" wrap="square" lIns="0" tIns="55880" rIns="0" bIns="0" rtlCol="0">
+            <a:spAutoFit/>
+          </a:bodyPr>
+          <a:lstStyle/>
+          <a:p>
+            <a:pPr marL="12700">
+              <a:lnSpc>
+                <a:spcPct val="100000"/>
+              </a:lnSpc>
+              <a:spcBef>
+                <a:spcPts val="440"/>
+              </a:spcBef>
+            </a:pPr>
+            <a:r>
+              <a:rPr spc="40" dirty="0"/>
+              <a:t>Aplicación</a:t>
+            </a:r>
+            <a:r>
+              <a:rPr spc="10" dirty="0"/>
+              <a:t> </a:t>
+            </a:r>
+            <a:r>
+              <a:rPr spc="85" dirty="0"/>
+              <a:t>de</a:t>
+            </a:r>
+            <a:r>
+              <a:rPr spc="-5" dirty="0"/>
+              <a:t> </a:t>
+            </a:r>
+            <a:r>
+              <a:rPr spc="85" dirty="0"/>
+              <a:t>principios</a:t>
+            </a:r>
+            <a:r>
+              <a:rPr spc="-15" dirty="0"/>
+              <a:t> </a:t>
+            </a:r>
+            <a:r>
+              <a:rPr spc="55" dirty="0"/>
+              <a:t>científicos</a:t>
+            </a:r>
+            <a:r>
+              <a:rPr spc="10" dirty="0"/>
+              <a:t> y</a:t>
+            </a:r>
+            <a:r>
+              <a:rPr spc="-10" dirty="0"/>
+              <a:t> </a:t>
+            </a:r>
+            <a:r>
+              <a:rPr spc="50" dirty="0"/>
+              <a:t>tecnológicos</a:t>
+            </a:r>
+          </a:p>
+          <a:p>
+            <a:pPr marL="12700">
+              <a:lnSpc>
+                <a:spcPct val="100000"/>
+              </a:lnSpc>
+              <a:spcBef>
+                <a:spcPts val="340"/>
+              </a:spcBef>
+            </a:pPr>
+            <a:r>
+              <a:rPr b="1" spc="10" dirty="0">
+                <a:latin typeface="Tahoma"/>
+                <a:cs typeface="Tahoma"/>
+              </a:rPr>
+              <a:t>A</a:t>
+            </a:r>
+            <a:r>
+              <a:rPr b="1" spc="-85" dirty="0">
+                <a:latin typeface="Tahoma"/>
+                <a:cs typeface="Tahoma"/>
+              </a:rPr>
+              <a:t> </a:t>
+            </a:r>
+            <a:r>
+              <a:rPr b="1" spc="-5" dirty="0">
+                <a:latin typeface="Tahoma"/>
+                <a:cs typeface="Tahoma"/>
+              </a:rPr>
+              <a:t>niv</a:t>
+            </a:r>
+            <a:r>
+              <a:rPr b="1" spc="5" dirty="0">
+                <a:latin typeface="Tahoma"/>
+                <a:cs typeface="Tahoma"/>
+              </a:rPr>
+              <a:t>el</a:t>
+            </a:r>
+            <a:r>
+              <a:rPr b="1" spc="-114" dirty="0">
+                <a:latin typeface="Tahoma"/>
+                <a:cs typeface="Tahoma"/>
+              </a:rPr>
+              <a:t> </a:t>
+            </a:r>
+            <a:r>
+              <a:rPr b="1" spc="-5" dirty="0">
+                <a:latin typeface="Tahoma"/>
+                <a:cs typeface="Tahoma"/>
+              </a:rPr>
+              <a:t>de</a:t>
+            </a:r>
+            <a:r>
+              <a:rPr b="1" spc="-95" dirty="0">
+                <a:latin typeface="Tahoma"/>
+                <a:cs typeface="Tahoma"/>
+              </a:rPr>
+              <a:t> </a:t>
+            </a:r>
+            <a:r>
+              <a:rPr b="1" spc="35" dirty="0">
+                <a:latin typeface="Tahoma"/>
+                <a:cs typeface="Tahoma"/>
+              </a:rPr>
+              <a:t>p</a:t>
+            </a:r>
+            <a:r>
+              <a:rPr b="1" spc="-40" dirty="0">
+                <a:latin typeface="Tahoma"/>
+                <a:cs typeface="Tahoma"/>
+              </a:rPr>
+              <a:t>r</a:t>
+            </a:r>
+            <a:r>
+              <a:rPr b="1" spc="-65" dirty="0">
+                <a:latin typeface="Tahoma"/>
+                <a:cs typeface="Tahoma"/>
+              </a:rPr>
+              <a:t>o</a:t>
+            </a:r>
+            <a:r>
+              <a:rPr b="1" spc="-20" dirty="0">
+                <a:latin typeface="Tahoma"/>
+                <a:cs typeface="Tahoma"/>
+              </a:rPr>
+              <a:t>y</a:t>
+            </a:r>
+            <a:r>
+              <a:rPr b="1" spc="-15" dirty="0">
+                <a:latin typeface="Tahoma"/>
+                <a:cs typeface="Tahoma"/>
+              </a:rPr>
+              <a:t>ecto</a:t>
+            </a:r>
+            <a:r>
+              <a:rPr b="1" spc="-10" dirty="0">
+                <a:latin typeface="Tahoma"/>
+                <a:cs typeface="Tahoma"/>
+              </a:rPr>
+              <a:t>s</a:t>
+            </a:r>
+            <a:r>
+              <a:rPr b="1" spc="-85" dirty="0">
+                <a:latin typeface="Tahoma"/>
+                <a:cs typeface="Tahoma"/>
+              </a:rPr>
+              <a:t> </a:t>
+            </a:r>
+            <a:r>
+              <a:rPr b="1" spc="-465" dirty="0">
+                <a:latin typeface="Tahoma"/>
+                <a:cs typeface="Tahoma"/>
+              </a:rPr>
+              <a:t>/</a:t>
+            </a:r>
+            <a:r>
+              <a:rPr b="1" spc="-95" dirty="0">
+                <a:latin typeface="Tahoma"/>
+                <a:cs typeface="Tahoma"/>
+              </a:rPr>
+              <a:t> </a:t>
+            </a:r>
+            <a:r>
+              <a:rPr b="1" spc="35" dirty="0">
+                <a:latin typeface="Tahoma"/>
+                <a:cs typeface="Tahoma"/>
+              </a:rPr>
+              <a:t>p</a:t>
+            </a:r>
+            <a:r>
+              <a:rPr b="1" spc="-40" dirty="0">
+                <a:latin typeface="Tahoma"/>
+                <a:cs typeface="Tahoma"/>
+              </a:rPr>
+              <a:t>r</a:t>
+            </a:r>
+            <a:r>
+              <a:rPr b="1" dirty="0">
+                <a:latin typeface="Tahoma"/>
+                <a:cs typeface="Tahoma"/>
+              </a:rPr>
+              <a:t>o</a:t>
+            </a:r>
+            <a:r>
+              <a:rPr b="1" spc="-5" dirty="0">
+                <a:latin typeface="Tahoma"/>
+                <a:cs typeface="Tahoma"/>
+              </a:rPr>
+              <a:t>ductos</a:t>
+            </a:r>
+          </a:p>
+        </p:txBody>
+      </p:sp>
+      <p:sp>
+        <p:nvSpPr>
+          <p:cNvPr id="6" name="object 6"/>
+          <p:cNvSpPr txBox="1"/>
+          <p:nvPr/>
+        </p:nvSpPr>
+        <p:spPr>
+          <a:xfrm>
+            <a:off x="916939" y="3115183"/>
+            <a:ext cx="7985125" cy="1572895"/>
+          </a:xfrm>
+          <a:prstGeom prst="rect">
+            <a:avLst/>
+          </a:prstGeom>
+        </p:spPr>
+        <p:txBody>
+          <a:bodyPr vert="horz" wrap="square" lIns="0" tIns="12700" rIns="0" bIns="0" rtlCol="0">
+            <a:spAutoFit/>
+          </a:bodyPr>
+          <a:lstStyle/>
+          <a:p>
+            <a:pPr marL="698500" indent="-229235">
+              <a:lnSpc>
+                <a:spcPct val="100000"/>
+              </a:lnSpc>
+              <a:spcBef>
+                <a:spcPts val="100"/>
+              </a:spcBef>
+              <a:buFont typeface="Arial MT"/>
+              <a:buChar char="•"/>
+              <a:tabLst>
+                <a:tab pos="699135" algn="l"/>
+              </a:tabLst>
+            </a:pPr>
+            <a:r>
+              <a:rPr sz="2400" spc="65" dirty="0">
+                <a:latin typeface="Microsoft Sans Serif"/>
+                <a:cs typeface="Microsoft Sans Serif"/>
+              </a:rPr>
+              <a:t>para</a:t>
+            </a:r>
+            <a:r>
+              <a:rPr sz="2400" spc="-10" dirty="0">
+                <a:latin typeface="Microsoft Sans Serif"/>
+                <a:cs typeface="Microsoft Sans Serif"/>
+              </a:rPr>
+              <a:t> </a:t>
+            </a:r>
+            <a:r>
+              <a:rPr sz="2400" spc="50" dirty="0">
+                <a:latin typeface="Microsoft Sans Serif"/>
+                <a:cs typeface="Microsoft Sans Serif"/>
+              </a:rPr>
+              <a:t>crear</a:t>
+            </a:r>
+            <a:r>
+              <a:rPr sz="2400" spc="-20" dirty="0">
+                <a:latin typeface="Microsoft Sans Serif"/>
+                <a:cs typeface="Microsoft Sans Serif"/>
+              </a:rPr>
+              <a:t> </a:t>
+            </a:r>
+            <a:r>
+              <a:rPr sz="2400" spc="20" dirty="0">
+                <a:latin typeface="Microsoft Sans Serif"/>
+                <a:cs typeface="Microsoft Sans Serif"/>
+              </a:rPr>
+              <a:t>aplicaciones,</a:t>
+            </a:r>
+            <a:r>
+              <a:rPr sz="2400" spc="15" dirty="0">
+                <a:latin typeface="Microsoft Sans Serif"/>
+                <a:cs typeface="Microsoft Sans Serif"/>
+              </a:rPr>
+              <a:t> </a:t>
+            </a:r>
+            <a:r>
+              <a:rPr sz="2400" spc="40" dirty="0">
+                <a:latin typeface="Microsoft Sans Serif"/>
+                <a:cs typeface="Microsoft Sans Serif"/>
+              </a:rPr>
+              <a:t>soluciones</a:t>
+            </a:r>
+            <a:r>
+              <a:rPr sz="2400" spc="10" dirty="0">
+                <a:latin typeface="Microsoft Sans Serif"/>
+                <a:cs typeface="Microsoft Sans Serif"/>
+              </a:rPr>
+              <a:t> </a:t>
+            </a:r>
+            <a:r>
+              <a:rPr sz="2400" spc="95" dirty="0">
+                <a:latin typeface="Microsoft Sans Serif"/>
+                <a:cs typeface="Microsoft Sans Serif"/>
+              </a:rPr>
+              <a:t>que</a:t>
+            </a:r>
+            <a:r>
+              <a:rPr sz="2400" spc="-5" dirty="0">
+                <a:latin typeface="Microsoft Sans Serif"/>
+                <a:cs typeface="Microsoft Sans Serif"/>
+              </a:rPr>
+              <a:t> </a:t>
+            </a:r>
+            <a:r>
+              <a:rPr sz="2400" spc="75" dirty="0">
+                <a:latin typeface="Microsoft Sans Serif"/>
+                <a:cs typeface="Microsoft Sans Serif"/>
+              </a:rPr>
+              <a:t>“funcionen”</a:t>
+            </a:r>
+            <a:endParaRPr sz="2400">
+              <a:latin typeface="Microsoft Sans Serif"/>
+              <a:cs typeface="Microsoft Sans Serif"/>
+            </a:endParaRPr>
+          </a:p>
+          <a:p>
+            <a:pPr>
+              <a:lnSpc>
+                <a:spcPct val="100000"/>
+              </a:lnSpc>
+              <a:spcBef>
+                <a:spcPts val="5"/>
+              </a:spcBef>
+              <a:buFont typeface="Arial MT"/>
+              <a:buChar char="•"/>
+            </a:pPr>
+            <a:endParaRPr sz="2750">
+              <a:latin typeface="Microsoft Sans Serif"/>
+              <a:cs typeface="Microsoft Sans Serif"/>
+            </a:endParaRPr>
+          </a:p>
+          <a:p>
+            <a:pPr marL="12700">
+              <a:lnSpc>
+                <a:spcPts val="3329"/>
+              </a:lnSpc>
+            </a:pPr>
+            <a:r>
+              <a:rPr sz="2800" b="1" spc="10" dirty="0">
+                <a:latin typeface="Tahoma"/>
+                <a:cs typeface="Tahoma"/>
+              </a:rPr>
+              <a:t>A</a:t>
+            </a:r>
+            <a:r>
+              <a:rPr sz="2800" b="1" spc="-105" dirty="0">
+                <a:latin typeface="Tahoma"/>
+                <a:cs typeface="Tahoma"/>
+              </a:rPr>
+              <a:t> </a:t>
+            </a:r>
+            <a:r>
+              <a:rPr sz="2800" b="1" dirty="0">
+                <a:latin typeface="Tahoma"/>
+                <a:cs typeface="Tahoma"/>
+              </a:rPr>
+              <a:t>nivel</a:t>
+            </a:r>
+            <a:r>
+              <a:rPr sz="2800" b="1" spc="-135" dirty="0">
+                <a:latin typeface="Tahoma"/>
+                <a:cs typeface="Tahoma"/>
+              </a:rPr>
+              <a:t> </a:t>
+            </a:r>
+            <a:r>
+              <a:rPr sz="2800" b="1" spc="-5" dirty="0">
+                <a:latin typeface="Tahoma"/>
+                <a:cs typeface="Tahoma"/>
+              </a:rPr>
+              <a:t>de</a:t>
+            </a:r>
+            <a:r>
+              <a:rPr sz="2800" b="1" spc="-110" dirty="0">
+                <a:latin typeface="Tahoma"/>
+                <a:cs typeface="Tahoma"/>
+              </a:rPr>
+              <a:t> </a:t>
+            </a:r>
+            <a:r>
+              <a:rPr sz="2800" b="1" spc="15" dirty="0">
+                <a:latin typeface="Tahoma"/>
+                <a:cs typeface="Tahoma"/>
+              </a:rPr>
+              <a:t>industria</a:t>
+            </a:r>
+            <a:endParaRPr sz="2800">
+              <a:latin typeface="Tahoma"/>
+              <a:cs typeface="Tahoma"/>
+            </a:endParaRPr>
+          </a:p>
+          <a:p>
+            <a:pPr marL="698500" indent="-229235">
+              <a:lnSpc>
+                <a:spcPts val="2850"/>
+              </a:lnSpc>
+              <a:buFont typeface="Arial MT"/>
+              <a:buChar char="•"/>
+              <a:tabLst>
+                <a:tab pos="699135" algn="l"/>
+                <a:tab pos="5405755" algn="l"/>
+              </a:tabLst>
+            </a:pPr>
+            <a:r>
+              <a:rPr sz="2400" spc="65" dirty="0">
+                <a:latin typeface="Microsoft Sans Serif"/>
+                <a:cs typeface="Microsoft Sans Serif"/>
+              </a:rPr>
+              <a:t>para</a:t>
+            </a:r>
+            <a:r>
+              <a:rPr sz="2400" dirty="0">
+                <a:latin typeface="Microsoft Sans Serif"/>
+                <a:cs typeface="Microsoft Sans Serif"/>
+              </a:rPr>
+              <a:t> </a:t>
+            </a:r>
+            <a:r>
+              <a:rPr sz="2400" spc="105" dirty="0">
+                <a:latin typeface="Microsoft Sans Serif"/>
+                <a:cs typeface="Microsoft Sans Serif"/>
+              </a:rPr>
+              <a:t>definir</a:t>
+            </a:r>
+            <a:r>
+              <a:rPr sz="2400" dirty="0">
+                <a:latin typeface="Microsoft Sans Serif"/>
+                <a:cs typeface="Microsoft Sans Serif"/>
+              </a:rPr>
+              <a:t> </a:t>
+            </a:r>
+            <a:r>
+              <a:rPr sz="2400" spc="100" dirty="0">
+                <a:latin typeface="Microsoft Sans Serif"/>
+                <a:cs typeface="Microsoft Sans Serif"/>
+              </a:rPr>
+              <a:t>métodos</a:t>
+            </a:r>
+            <a:r>
+              <a:rPr sz="2400" spc="5" dirty="0">
+                <a:latin typeface="Microsoft Sans Serif"/>
+                <a:cs typeface="Microsoft Sans Serif"/>
+              </a:rPr>
+              <a:t> </a:t>
+            </a:r>
+            <a:r>
+              <a:rPr sz="2400" spc="210" dirty="0">
+                <a:latin typeface="Microsoft Sans Serif"/>
+                <a:cs typeface="Microsoft Sans Serif"/>
+              </a:rPr>
+              <a:t>/</a:t>
+            </a:r>
+            <a:r>
+              <a:rPr sz="2400" spc="5" dirty="0">
+                <a:latin typeface="Microsoft Sans Serif"/>
+                <a:cs typeface="Microsoft Sans Serif"/>
+              </a:rPr>
+              <a:t> </a:t>
+            </a:r>
+            <a:r>
+              <a:rPr sz="2400" spc="40" dirty="0">
+                <a:latin typeface="Microsoft Sans Serif"/>
+                <a:cs typeface="Microsoft Sans Serif"/>
+              </a:rPr>
+              <a:t>procesos	</a:t>
+            </a:r>
+            <a:r>
+              <a:rPr sz="2400" spc="95" dirty="0">
+                <a:latin typeface="Microsoft Sans Serif"/>
+                <a:cs typeface="Microsoft Sans Serif"/>
+              </a:rPr>
+              <a:t>que</a:t>
+            </a:r>
+            <a:r>
+              <a:rPr sz="2400" spc="-45" dirty="0">
+                <a:latin typeface="Microsoft Sans Serif"/>
+                <a:cs typeface="Microsoft Sans Serif"/>
+              </a:rPr>
+              <a:t> </a:t>
+            </a:r>
+            <a:r>
+              <a:rPr sz="2400" spc="90" dirty="0">
+                <a:latin typeface="Microsoft Sans Serif"/>
+                <a:cs typeface="Microsoft Sans Serif"/>
+              </a:rPr>
+              <a:t>funcionen</a:t>
+            </a:r>
+            <a:endParaRPr sz="2400">
+              <a:latin typeface="Microsoft Sans Serif"/>
+              <a:cs typeface="Microsoft Sans Serif"/>
+            </a:endParaRPr>
+          </a:p>
+        </p:txBody>
+      </p:sp>
     </p:spTree>
   </p:cSld>
   <p:clrMapOvr>
@@ -2743,10 +3805,10 @@
         </p:nvGrpSpPr>
         <p:grpSpPr>
           <a:xfrm>
-            <a:off x="929639" y="276428"/>
-            <a:ext cx="6979920" cy="1375410"/>
-            <a:chOff x="929639" y="276428"/>
-            <a:chExt cx="6979920" cy="1375410"/>
+            <a:off x="2239645" y="2315591"/>
+            <a:ext cx="5708650" cy="2426970"/>
+            <a:chOff x="2239645" y="2315591"/>
+            <a:chExt cx="5708650" cy="2426970"/>
           </a:xfrm>
         </p:grpSpPr>
         <p:pic>
@@ -2763,8 +3825,8 @@
           </p:blipFill>
           <p:spPr>
             <a:xfrm>
-              <a:off x="929639" y="276428"/>
-              <a:ext cx="6979539" cy="771448"/>
+              <a:off x="2239645" y="2315591"/>
+              <a:ext cx="5708141" cy="944879"/>
             </a:xfrm>
             <a:prstGeom prst="rect">
               <a:avLst/>
@@ -2785,8 +3847,30 @@
           </p:blipFill>
           <p:spPr>
             <a:xfrm>
-              <a:off x="929639" y="879932"/>
-              <a:ext cx="3936619" cy="771448"/>
+              <a:off x="2239645" y="3055950"/>
+              <a:ext cx="4055872" cy="945184"/>
+            </a:xfrm>
+            <a:prstGeom prst="rect">
+              <a:avLst/>
+            </a:prstGeom>
+          </p:spPr>
+        </p:pic>
+        <p:pic>
+          <p:nvPicPr>
+            <p:cNvPr id="5" name="object 5"/>
+            <p:cNvPicPr/>
+            <p:nvPr/>
+          </p:nvPicPr>
+          <p:blipFill>
+            <a:blip r:embed="rId4" cstate="print"/>
+            <a:stretch>
+              <a:fillRect/>
+            </a:stretch>
+          </p:blipFill>
+          <p:spPr>
+            <a:xfrm>
+              <a:off x="2239645" y="3797173"/>
+              <a:ext cx="5040883" cy="944880"/>
             </a:xfrm>
             <a:prstGeom prst="rect">
               <a:avLst/>
@@ -2794,546 +3878,6 @@
           </p:spPr>
         </p:pic>
       </p:grpSp>
-      <p:sp>
-        <p:nvSpPr>
-          <p:cNvPr id="5" name="object 5"/>
-          <p:cNvSpPr txBox="1">
-            <a:spLocks noGrp="1"/>
-          </p:cNvSpPr>
-          <p:nvPr>
-            <p:ph type="title"/>
-          </p:nvPr>
-        </p:nvSpPr>
-        <p:spPr>
-          <a:xfrm>
-            <a:off x="916939" y="2183890"/>
-            <a:ext cx="8118475" cy="965835"/>
-          </a:xfrm>
-          <a:prstGeom prst="rect"/>
-        </p:spPr>
-        <p:txBody>
-          <a:bodyPr wrap="square" lIns="0" tIns="55880" rIns="0" bIns="0" rtlCol="0" vert="horz">
-            <a:spAutoFit/>
-          </a:bodyPr>
-          <a:lstStyle/>
-          <a:p>
-            <a:pPr marL="12700">
-              <a:lnSpc>
-                <a:spcPct val="100000"/>
-              </a:lnSpc>
-              <a:spcBef>
-                <a:spcPts val="440"/>
-              </a:spcBef>
-            </a:pPr>
-            <a:r>
-              <a:rPr dirty="0" spc="40"/>
-              <a:t>Aplicación</a:t>
-            </a:r>
-            <a:r>
-              <a:rPr dirty="0" spc="10"/>
-              <a:t> </a:t>
-            </a:r>
-            <a:r>
-              <a:rPr dirty="0" spc="85"/>
-              <a:t>de</a:t>
-            </a:r>
-            <a:r>
-              <a:rPr dirty="0" spc="-5"/>
-              <a:t> </a:t>
-            </a:r>
-            <a:r>
-              <a:rPr dirty="0" spc="85"/>
-              <a:t>principios</a:t>
-            </a:r>
-            <a:r>
-              <a:rPr dirty="0" spc="-15"/>
-              <a:t> </a:t>
-            </a:r>
-            <a:r>
-              <a:rPr dirty="0" spc="55"/>
-              <a:t>científicos</a:t>
-            </a:r>
-            <a:r>
-              <a:rPr dirty="0" spc="10"/>
-              <a:t> y</a:t>
-            </a:r>
-            <a:r>
-              <a:rPr dirty="0" spc="-10"/>
-              <a:t> </a:t>
-            </a:r>
-            <a:r>
-              <a:rPr dirty="0" spc="50"/>
-              <a:t>tecnológicos</a:t>
-            </a:r>
-          </a:p>
-          <a:p>
-            <a:pPr marL="12700">
-              <a:lnSpc>
-                <a:spcPct val="100000"/>
-              </a:lnSpc>
-              <a:spcBef>
-                <a:spcPts val="340"/>
-              </a:spcBef>
-            </a:pPr>
-            <a:r>
-              <a:rPr dirty="0" spc="10" b="1">
-                <a:latin typeface="Tahoma"/>
-                <a:cs typeface="Tahoma"/>
-              </a:rPr>
-              <a:t>A</a:t>
-            </a:r>
-            <a:r>
-              <a:rPr dirty="0" spc="-85" b="1">
-                <a:latin typeface="Tahoma"/>
-                <a:cs typeface="Tahoma"/>
-              </a:rPr>
-              <a:t> </a:t>
-            </a:r>
-            <a:r>
-              <a:rPr dirty="0" spc="-5" b="1">
-                <a:latin typeface="Tahoma"/>
-                <a:cs typeface="Tahoma"/>
-              </a:rPr>
-              <a:t>niv</a:t>
-            </a:r>
-            <a:r>
-              <a:rPr dirty="0" spc="5" b="1">
-                <a:latin typeface="Tahoma"/>
-                <a:cs typeface="Tahoma"/>
-              </a:rPr>
-              <a:t>e</a:t>
-            </a:r>
-            <a:r>
-              <a:rPr dirty="0" spc="5" b="1">
-                <a:latin typeface="Tahoma"/>
-                <a:cs typeface="Tahoma"/>
-              </a:rPr>
-              <a:t>l</a:t>
-            </a:r>
-            <a:r>
-              <a:rPr dirty="0" spc="-114" b="1">
-                <a:latin typeface="Tahoma"/>
-                <a:cs typeface="Tahoma"/>
-              </a:rPr>
-              <a:t> </a:t>
-            </a:r>
-            <a:r>
-              <a:rPr dirty="0" spc="-5" b="1">
-                <a:latin typeface="Tahoma"/>
-                <a:cs typeface="Tahoma"/>
-              </a:rPr>
-              <a:t>de</a:t>
-            </a:r>
-            <a:r>
-              <a:rPr dirty="0" spc="-95" b="1">
-                <a:latin typeface="Tahoma"/>
-                <a:cs typeface="Tahoma"/>
-              </a:rPr>
-              <a:t> </a:t>
-            </a:r>
-            <a:r>
-              <a:rPr dirty="0" spc="35" b="1">
-                <a:latin typeface="Tahoma"/>
-                <a:cs typeface="Tahoma"/>
-              </a:rPr>
-              <a:t>p</a:t>
-            </a:r>
-            <a:r>
-              <a:rPr dirty="0" spc="-40" b="1">
-                <a:latin typeface="Tahoma"/>
-                <a:cs typeface="Tahoma"/>
-              </a:rPr>
-              <a:t>r</a:t>
-            </a:r>
-            <a:r>
-              <a:rPr dirty="0" spc="-65" b="1">
-                <a:latin typeface="Tahoma"/>
-                <a:cs typeface="Tahoma"/>
-              </a:rPr>
-              <a:t>o</a:t>
-            </a:r>
-            <a:r>
-              <a:rPr dirty="0" spc="-20" b="1">
-                <a:latin typeface="Tahoma"/>
-                <a:cs typeface="Tahoma"/>
-              </a:rPr>
-              <a:t>y</a:t>
-            </a:r>
-            <a:r>
-              <a:rPr dirty="0" spc="-15" b="1">
-                <a:latin typeface="Tahoma"/>
-                <a:cs typeface="Tahoma"/>
-              </a:rPr>
-              <a:t>e</a:t>
-            </a:r>
-            <a:r>
-              <a:rPr dirty="0" spc="-15" b="1">
-                <a:latin typeface="Tahoma"/>
-                <a:cs typeface="Tahoma"/>
-              </a:rPr>
-              <a:t>cto</a:t>
-            </a:r>
-            <a:r>
-              <a:rPr dirty="0" spc="-10" b="1">
-                <a:latin typeface="Tahoma"/>
-                <a:cs typeface="Tahoma"/>
-              </a:rPr>
-              <a:t>s</a:t>
-            </a:r>
-            <a:r>
-              <a:rPr dirty="0" spc="-85" b="1">
-                <a:latin typeface="Tahoma"/>
-                <a:cs typeface="Tahoma"/>
-              </a:rPr>
-              <a:t> </a:t>
-            </a:r>
-            <a:r>
-              <a:rPr dirty="0" spc="-465" b="1">
-                <a:latin typeface="Tahoma"/>
-                <a:cs typeface="Tahoma"/>
-              </a:rPr>
-              <a:t>/</a:t>
-            </a:r>
-            <a:r>
-              <a:rPr dirty="0" spc="-95" b="1">
-                <a:latin typeface="Tahoma"/>
-                <a:cs typeface="Tahoma"/>
-              </a:rPr>
-              <a:t> </a:t>
-            </a:r>
-            <a:r>
-              <a:rPr dirty="0" spc="35" b="1">
-                <a:latin typeface="Tahoma"/>
-                <a:cs typeface="Tahoma"/>
-              </a:rPr>
-              <a:t>p</a:t>
-            </a:r>
-            <a:r>
-              <a:rPr dirty="0" spc="-40" b="1">
-                <a:latin typeface="Tahoma"/>
-                <a:cs typeface="Tahoma"/>
-              </a:rPr>
-              <a:t>r</a:t>
-            </a:r>
-            <a:r>
-              <a:rPr dirty="0" b="1">
-                <a:latin typeface="Tahoma"/>
-                <a:cs typeface="Tahoma"/>
-              </a:rPr>
-              <a:t>o</a:t>
-            </a:r>
-            <a:r>
-              <a:rPr dirty="0" spc="-5" b="1">
-                <a:latin typeface="Tahoma"/>
-                <a:cs typeface="Tahoma"/>
-              </a:rPr>
-              <a:t>d</a:t>
-            </a:r>
-            <a:r>
-              <a:rPr dirty="0" spc="-5" b="1">
-                <a:latin typeface="Tahoma"/>
-                <a:cs typeface="Tahoma"/>
-              </a:rPr>
-              <a:t>uctos</a:t>
-            </a:r>
-          </a:p>
-        </p:txBody>
-      </p:sp>
-      <p:sp>
-        <p:nvSpPr>
-          <p:cNvPr id="6" name="object 6"/>
-          <p:cNvSpPr txBox="1"/>
-          <p:nvPr/>
-        </p:nvSpPr>
-        <p:spPr>
-          <a:xfrm>
-            <a:off x="916939" y="3115183"/>
-            <a:ext cx="7985125" cy="1572895"/>
-          </a:xfrm>
-          <a:prstGeom prst="rect">
-            <a:avLst/>
-          </a:prstGeom>
-        </p:spPr>
-        <p:txBody>
-          <a:bodyPr wrap="square" lIns="0" tIns="12700" rIns="0" bIns="0" rtlCol="0" vert="horz">
-            <a:spAutoFit/>
-          </a:bodyPr>
-          <a:lstStyle/>
-          <a:p>
-            <a:pPr marL="698500" indent="-229235">
-              <a:lnSpc>
-                <a:spcPct val="100000"/>
-              </a:lnSpc>
-              <a:spcBef>
-                <a:spcPts val="100"/>
-              </a:spcBef>
-              <a:buFont typeface="Arial MT"/>
-              <a:buChar char="•"/>
-              <a:tabLst>
-                <a:tab pos="699135" algn="l"/>
-              </a:tabLst>
-            </a:pPr>
-            <a:r>
-              <a:rPr dirty="0" sz="2400" spc="65">
-                <a:latin typeface="Microsoft Sans Serif"/>
-                <a:cs typeface="Microsoft Sans Serif"/>
-              </a:rPr>
-              <a:t>para</a:t>
-            </a:r>
-            <a:r>
-              <a:rPr dirty="0" sz="2400" spc="-10">
-                <a:latin typeface="Microsoft Sans Serif"/>
-                <a:cs typeface="Microsoft Sans Serif"/>
-              </a:rPr>
-              <a:t> </a:t>
-            </a:r>
-            <a:r>
-              <a:rPr dirty="0" sz="2400" spc="50">
-                <a:latin typeface="Microsoft Sans Serif"/>
-                <a:cs typeface="Microsoft Sans Serif"/>
-              </a:rPr>
-              <a:t>crear</a:t>
-            </a:r>
-            <a:r>
-              <a:rPr dirty="0" sz="2400" spc="-20">
-                <a:latin typeface="Microsoft Sans Serif"/>
-                <a:cs typeface="Microsoft Sans Serif"/>
-              </a:rPr>
-              <a:t> </a:t>
-            </a:r>
-            <a:r>
-              <a:rPr dirty="0" sz="2400" spc="20">
-                <a:latin typeface="Microsoft Sans Serif"/>
-                <a:cs typeface="Microsoft Sans Serif"/>
-              </a:rPr>
-              <a:t>aplicaciones,</a:t>
-            </a:r>
-            <a:r>
-              <a:rPr dirty="0" sz="2400" spc="15">
-                <a:latin typeface="Microsoft Sans Serif"/>
-                <a:cs typeface="Microsoft Sans Serif"/>
-              </a:rPr>
-              <a:t> </a:t>
-            </a:r>
-            <a:r>
-              <a:rPr dirty="0" sz="2400" spc="40">
-                <a:latin typeface="Microsoft Sans Serif"/>
-                <a:cs typeface="Microsoft Sans Serif"/>
-              </a:rPr>
-              <a:t>soluciones</a:t>
-            </a:r>
-            <a:r>
-              <a:rPr dirty="0" sz="2400" spc="10">
-                <a:latin typeface="Microsoft Sans Serif"/>
-                <a:cs typeface="Microsoft Sans Serif"/>
-              </a:rPr>
-              <a:t> </a:t>
-            </a:r>
-            <a:r>
-              <a:rPr dirty="0" sz="2400" spc="95">
-                <a:latin typeface="Microsoft Sans Serif"/>
-                <a:cs typeface="Microsoft Sans Serif"/>
-              </a:rPr>
-              <a:t>que</a:t>
-            </a:r>
-            <a:r>
-              <a:rPr dirty="0" sz="2400" spc="-5">
-                <a:latin typeface="Microsoft Sans Serif"/>
-                <a:cs typeface="Microsoft Sans Serif"/>
-              </a:rPr>
-              <a:t> </a:t>
-            </a:r>
-            <a:r>
-              <a:rPr dirty="0" sz="2400" spc="75">
-                <a:latin typeface="Microsoft Sans Serif"/>
-                <a:cs typeface="Microsoft Sans Serif"/>
-              </a:rPr>
-              <a:t>“funcionen”</a:t>
-            </a:r>
-            <a:endParaRPr sz="2400">
-              <a:latin typeface="Microsoft Sans Serif"/>
-              <a:cs typeface="Microsoft Sans Serif"/>
-            </a:endParaRPr>
-          </a:p>
-          <a:p>
-            <a:pPr>
-              <a:lnSpc>
-                <a:spcPct val="100000"/>
-              </a:lnSpc>
-              <a:spcBef>
-                <a:spcPts val="5"/>
-              </a:spcBef>
-              <a:buFont typeface="Arial MT"/>
-              <a:buChar char="•"/>
-            </a:pPr>
-            <a:endParaRPr sz="2750">
-              <a:latin typeface="Microsoft Sans Serif"/>
-              <a:cs typeface="Microsoft Sans Serif"/>
-            </a:endParaRPr>
-          </a:p>
-          <a:p>
-            <a:pPr marL="12700">
-              <a:lnSpc>
-                <a:spcPts val="3329"/>
-              </a:lnSpc>
-            </a:pPr>
-            <a:r>
-              <a:rPr dirty="0" sz="2800" spc="10" b="1">
-                <a:latin typeface="Tahoma"/>
-                <a:cs typeface="Tahoma"/>
-              </a:rPr>
-              <a:t>A</a:t>
-            </a:r>
-            <a:r>
-              <a:rPr dirty="0" sz="2800" spc="-105" b="1">
-                <a:latin typeface="Tahoma"/>
-                <a:cs typeface="Tahoma"/>
-              </a:rPr>
-              <a:t> </a:t>
-            </a:r>
-            <a:r>
-              <a:rPr dirty="0" sz="2800" b="1">
-                <a:latin typeface="Tahoma"/>
-                <a:cs typeface="Tahoma"/>
-              </a:rPr>
-              <a:t>nivel</a:t>
-            </a:r>
-            <a:r>
-              <a:rPr dirty="0" sz="2800" spc="-135" b="1">
-                <a:latin typeface="Tahoma"/>
-                <a:cs typeface="Tahoma"/>
-              </a:rPr>
-              <a:t> </a:t>
-            </a:r>
-            <a:r>
-              <a:rPr dirty="0" sz="2800" spc="-5" b="1">
-                <a:latin typeface="Tahoma"/>
-                <a:cs typeface="Tahoma"/>
-              </a:rPr>
-              <a:t>de</a:t>
-            </a:r>
-            <a:r>
-              <a:rPr dirty="0" sz="2800" spc="-110" b="1">
-                <a:latin typeface="Tahoma"/>
-                <a:cs typeface="Tahoma"/>
-              </a:rPr>
-              <a:t> </a:t>
-            </a:r>
-            <a:r>
-              <a:rPr dirty="0" sz="2800" spc="15" b="1">
-                <a:latin typeface="Tahoma"/>
-                <a:cs typeface="Tahoma"/>
-              </a:rPr>
-              <a:t>industria</a:t>
-            </a:r>
-            <a:endParaRPr sz="2800">
-              <a:latin typeface="Tahoma"/>
-              <a:cs typeface="Tahoma"/>
-            </a:endParaRPr>
-          </a:p>
-          <a:p>
-            <a:pPr marL="698500" indent="-229235">
-              <a:lnSpc>
-                <a:spcPts val="2850"/>
-              </a:lnSpc>
-              <a:buFont typeface="Arial MT"/>
-              <a:buChar char="•"/>
-              <a:tabLst>
-                <a:tab pos="699135" algn="l"/>
-                <a:tab pos="5405755" algn="l"/>
-              </a:tabLst>
-            </a:pPr>
-            <a:r>
-              <a:rPr dirty="0" sz="2400" spc="65">
-                <a:latin typeface="Microsoft Sans Serif"/>
-                <a:cs typeface="Microsoft Sans Serif"/>
-              </a:rPr>
-              <a:t>para</a:t>
-            </a:r>
-            <a:r>
-              <a:rPr dirty="0" sz="2400">
-                <a:latin typeface="Microsoft Sans Serif"/>
-                <a:cs typeface="Microsoft Sans Serif"/>
-              </a:rPr>
-              <a:t> </a:t>
-            </a:r>
-            <a:r>
-              <a:rPr dirty="0" sz="2400" spc="105">
-                <a:latin typeface="Microsoft Sans Serif"/>
-                <a:cs typeface="Microsoft Sans Serif"/>
-              </a:rPr>
-              <a:t>definir</a:t>
-            </a:r>
-            <a:r>
-              <a:rPr dirty="0" sz="2400">
-                <a:latin typeface="Microsoft Sans Serif"/>
-                <a:cs typeface="Microsoft Sans Serif"/>
-              </a:rPr>
-              <a:t> </a:t>
-            </a:r>
-            <a:r>
-              <a:rPr dirty="0" sz="2400" spc="100">
-                <a:latin typeface="Microsoft Sans Serif"/>
-                <a:cs typeface="Microsoft Sans Serif"/>
-              </a:rPr>
-              <a:t>métodos</a:t>
-            </a:r>
-            <a:r>
-              <a:rPr dirty="0" sz="2400" spc="5">
-                <a:latin typeface="Microsoft Sans Serif"/>
-                <a:cs typeface="Microsoft Sans Serif"/>
-              </a:rPr>
-              <a:t> </a:t>
-            </a:r>
-            <a:r>
-              <a:rPr dirty="0" sz="2400" spc="210">
-                <a:latin typeface="Microsoft Sans Serif"/>
-                <a:cs typeface="Microsoft Sans Serif"/>
-              </a:rPr>
-              <a:t>/</a:t>
-            </a:r>
-            <a:r>
-              <a:rPr dirty="0" sz="2400" spc="5">
-                <a:latin typeface="Microsoft Sans Serif"/>
-                <a:cs typeface="Microsoft Sans Serif"/>
-              </a:rPr>
-              <a:t> </a:t>
-            </a:r>
-            <a:r>
-              <a:rPr dirty="0" sz="2400" spc="40">
-                <a:latin typeface="Microsoft Sans Serif"/>
-                <a:cs typeface="Microsoft Sans Serif"/>
-              </a:rPr>
-              <a:t>procesos	</a:t>
-            </a:r>
-            <a:r>
-              <a:rPr dirty="0" sz="2400" spc="95">
-                <a:latin typeface="Microsoft Sans Serif"/>
-                <a:cs typeface="Microsoft Sans Serif"/>
-              </a:rPr>
-              <a:t>que</a:t>
-            </a:r>
-            <a:r>
-              <a:rPr dirty="0" sz="2400" spc="-45">
-                <a:latin typeface="Microsoft Sans Serif"/>
-                <a:cs typeface="Microsoft Sans Serif"/>
-              </a:rPr>
-              <a:t> </a:t>
-            </a:r>
-            <a:r>
-              <a:rPr dirty="0" sz="2400" spc="90">
-                <a:latin typeface="Microsoft Sans Serif"/>
-                <a:cs typeface="Microsoft Sans Serif"/>
-              </a:rPr>
-              <a:t>funcionen</a:t>
-            </a:r>
-            <a:endParaRPr sz="2400">
-              <a:latin typeface="Microsoft Sans Serif"/>
-              <a:cs typeface="Microsoft Sans Serif"/>
-            </a:endParaRPr>
-          </a:p>
-        </p:txBody>
-      </p:sp>
     </p:spTree>
   </p:cSld>
   <p:clrMapOvr>
@@ -3343,112 +3887,6 @@
 </file>
 
 <file path=ppt/slides/slide18.xml><?xml version="1.0" encoding="utf-8"?>
-<p:sld xmlns:a="http://schemas.openxmlformats.org/drawingml/2006/main" xmlns:r="http://schemas.openxmlformats.org/officeDocument/2006/relationships" xmlns:p="http://schemas.openxmlformats.org/presentationml/2006/main" showMasterSp="0">
-  <p:cSld>
-    <p:spTree>
-      <p:nvGrpSpPr>
-        <p:cNvPr id="1" name=""/>
-        <p:cNvGrpSpPr/>
-        <p:nvPr/>
-      </p:nvGrpSpPr>
-      <p:grpSpPr>
-        <a:xfrm>
-          <a:off x="0" y="0"/>
-          <a:ext cx="0" cy="0"/>
-          <a:chOff x="0" y="0"/>
-          <a:chExt cx="0" cy="0"/>
-        </a:xfrm>
-      </p:grpSpPr>
-      <p:grpSp>
-        <p:nvGrpSpPr>
-          <p:cNvPr id="2" name="object 2"/>
-          <p:cNvGrpSpPr/>
-          <p:nvPr/>
-        </p:nvGrpSpPr>
-        <p:grpSpPr>
-          <a:xfrm>
-            <a:off x="2239645" y="2315591"/>
-            <a:ext cx="5708650" cy="2426970"/>
-            <a:chOff x="2239645" y="2315591"/>
-            <a:chExt cx="5708650" cy="2426970"/>
-          </a:xfrm>
-        </p:grpSpPr>
-        <p:pic>
-          <p:nvPicPr>
-            <p:cNvPr id="3" name="object 3"/>
-            <p:cNvPicPr/>
-            <p:nvPr/>
-          </p:nvPicPr>
-          <p:blipFill>
-            <a:blip r:embed="rId2" cstate="print"/>
-            <a:stretch>
-              <a:fillRect/>
-            </a:stretch>
-          </p:blipFill>
-          <p:spPr>
-            <a:xfrm>
-              <a:off x="2239645" y="2315591"/>
-              <a:ext cx="5708141" cy="944879"/>
-            </a:xfrm>
-            <a:prstGeom prst="rect">
-              <a:avLst/>
-            </a:prstGeom>
-          </p:spPr>
-        </p:pic>
-        <p:pic>
-          <p:nvPicPr>
-            <p:cNvPr id="4" name="object 4"/>
-            <p:cNvPicPr/>
-            <p:nvPr/>
-          </p:nvPicPr>
-          <p:blipFill>
-            <a:blip r:embed="rId3" cstate="print"/>
-            <a:stretch>
-              <a:fillRect/>
-            </a:stretch>
-          </p:blipFill>
-          <p:spPr>
-            <a:xfrm>
-              <a:off x="2239645" y="3055950"/>
-              <a:ext cx="4055872" cy="945184"/>
-            </a:xfrm>
-            <a:prstGeom prst="rect">
-              <a:avLst/>
-            </a:prstGeom>
-          </p:spPr>
-        </p:pic>
-        <p:pic>
-          <p:nvPicPr>
-            <p:cNvPr id="5" name="object 5"/>
-            <p:cNvPicPr/>
-            <p:nvPr/>
-          </p:nvPicPr>
-          <p:blipFill>
-            <a:blip r:embed="rId4" cstate="print"/>
-            <a:stretch>
-              <a:fillRect/>
-            </a:stretch>
-          </p:blipFill>
-          <p:spPr>
-            <a:xfrm>
-              <a:off x="2239645" y="3797173"/>
-              <a:ext cx="5040883" cy="944880"/>
-            </a:xfrm>
-            <a:prstGeom prst="rect">
-              <a:avLst/>
-            </a:prstGeom>
-          </p:spPr>
-        </p:pic>
-      </p:grpSp>
-    </p:spTree>
-  </p:cSld>
-  <p:clrMapOvr>
-    <a:masterClrMapping/>
-  </p:clrMapOvr>
-</p:sld>
-</file>
-
-<file path=ppt/slides/slide19.xml><?xml version="1.0" encoding="utf-8"?>
 <p:sld xmlns:a="http://schemas.openxmlformats.org/drawingml/2006/main" xmlns:r="http://schemas.openxmlformats.org/officeDocument/2006/relationships" xmlns:p="http://schemas.openxmlformats.org/presentationml/2006/main" showMasterSp="0">
   <p:cSld>
     <p:spTree>
@@ -3598,113 +4036,7 @@
 </p:sld>
 </file>
 
-<file path=ppt/slides/slide2.xml><?xml version="1.0" encoding="utf-8"?>
-<p:sld xmlns:a="http://schemas.openxmlformats.org/drawingml/2006/main" xmlns:r="http://schemas.openxmlformats.org/officeDocument/2006/relationships" xmlns:p="http://schemas.openxmlformats.org/presentationml/2006/main" showMasterSp="0">
-  <p:cSld>
-    <p:spTree>
-      <p:nvGrpSpPr>
-        <p:cNvPr id="1" name=""/>
-        <p:cNvGrpSpPr/>
-        <p:nvPr/>
-      </p:nvGrpSpPr>
-      <p:grpSpPr>
-        <a:xfrm>
-          <a:off x="0" y="0"/>
-          <a:ext cx="0" cy="0"/>
-          <a:chOff x="0" y="0"/>
-          <a:chExt cx="0" cy="0"/>
-        </a:xfrm>
-      </p:grpSpPr>
-      <p:grpSp>
-        <p:nvGrpSpPr>
-          <p:cNvPr id="2" name="object 2"/>
-          <p:cNvGrpSpPr/>
-          <p:nvPr/>
-        </p:nvGrpSpPr>
-        <p:grpSpPr>
-          <a:xfrm>
-            <a:off x="2239645" y="2315591"/>
-            <a:ext cx="5708650" cy="2426970"/>
-            <a:chOff x="2239645" y="2315591"/>
-            <a:chExt cx="5708650" cy="2426970"/>
-          </a:xfrm>
-        </p:grpSpPr>
-        <p:pic>
-          <p:nvPicPr>
-            <p:cNvPr id="3" name="object 3"/>
-            <p:cNvPicPr/>
-            <p:nvPr/>
-          </p:nvPicPr>
-          <p:blipFill>
-            <a:blip r:embed="rId2" cstate="print"/>
-            <a:stretch>
-              <a:fillRect/>
-            </a:stretch>
-          </p:blipFill>
-          <p:spPr>
-            <a:xfrm>
-              <a:off x="2239645" y="2315591"/>
-              <a:ext cx="5708141" cy="944879"/>
-            </a:xfrm>
-            <a:prstGeom prst="rect">
-              <a:avLst/>
-            </a:prstGeom>
-          </p:spPr>
-        </p:pic>
-        <p:pic>
-          <p:nvPicPr>
-            <p:cNvPr id="4" name="object 4"/>
-            <p:cNvPicPr/>
-            <p:nvPr/>
-          </p:nvPicPr>
-          <p:blipFill>
-            <a:blip r:embed="rId3" cstate="print"/>
-            <a:stretch>
-              <a:fillRect/>
-            </a:stretch>
-          </p:blipFill>
-          <p:spPr>
-            <a:xfrm>
-              <a:off x="2239645" y="3055950"/>
-              <a:ext cx="4055872" cy="945184"/>
-            </a:xfrm>
-            <a:prstGeom prst="rect">
-              <a:avLst/>
-            </a:prstGeom>
-          </p:spPr>
-        </p:pic>
-        <p:pic>
-          <p:nvPicPr>
-            <p:cNvPr id="5" name="object 5"/>
-            <p:cNvPicPr/>
-            <p:nvPr/>
-          </p:nvPicPr>
-          <p:blipFill>
-            <a:blip r:embed="rId4" cstate="print"/>
-            <a:stretch>
-              <a:fillRect/>
-            </a:stretch>
-          </p:blipFill>
-          <p:spPr>
-            <a:xfrm>
-              <a:off x="2239645" y="3797173"/>
-              <a:ext cx="4829809" cy="944880"/>
-            </a:xfrm>
-            <a:prstGeom prst="rect">
-              <a:avLst/>
-            </a:prstGeom>
-          </p:spPr>
-        </p:pic>
-      </p:grpSp>
-    </p:spTree>
-  </p:cSld>
-  <p:clrMapOvr>
-    <a:masterClrMapping/>
-  </p:clrMapOvr>
-</p:sld>
-</file>
-
-<file path=ppt/slides/slide20.xml><?xml version="1.0" encoding="utf-8"?>
+<file path=ppt/slides/slide19.xml><?xml version="1.0" encoding="utf-8"?>
 <p:sld xmlns:a="http://schemas.openxmlformats.org/drawingml/2006/main" xmlns:r="http://schemas.openxmlformats.org/officeDocument/2006/relationships" xmlns:p="http://schemas.openxmlformats.org/presentationml/2006/main" showMasterSp="0">
   <p:cSld>
     <p:spTree>
@@ -3743,6 +4075,51 @@
           </a:prstGeom>
         </p:spPr>
       </p:pic>
+      <p:pic>
+        <p:nvPicPr>
+          <p:cNvPr id="1026" name="Picture 2">
+            <a:extLst>
+              <a:ext uri="{FF2B5EF4-FFF2-40B4-BE49-F238E27FC236}">
+                <a16:creationId xmlns:a16="http://schemas.microsoft.com/office/drawing/2014/main" id="{A580B09A-F2B2-23F4-43B0-DD54CAF83236}"/>
+              </a:ext>
+            </a:extLst>
+          </p:cNvPr>
+          <p:cNvPicPr>
+            <a:picLocks noChangeAspect="1" noChangeArrowheads="1"/>
+          </p:cNvPicPr>
+          <p:nvPr/>
+        </p:nvPicPr>
+        <p:blipFill rotWithShape="1">
+          <a:blip r:embed="rId3">
+            <a:extLst>
+              <a:ext uri="{28A0092B-C50C-407E-A947-70E740481C1C}">
+                <a14:useLocalDpi xmlns:a14="http://schemas.microsoft.com/office/drawing/2010/main" val="0"/>
+              </a:ext>
+            </a:extLst>
+          </a:blip>
+          <a:srcRect l="46809" t="14066" r="10638" b="12175"/>
+          <a:stretch/>
+        </p:blipFill>
+        <p:spPr bwMode="auto">
+          <a:xfrm>
+            <a:off x="3695700" y="1088707"/>
+            <a:ext cx="4800600" cy="4680585"/>
+          </a:xfrm>
+          <a:prstGeom prst="rect">
+            <a:avLst/>
+          </a:prstGeom>
+          <a:noFill/>
+          <a:extLst>
+            <a:ext uri="{909E8E84-426E-40DD-AFC4-6F175D3DCCD1}">
+              <a14:hiddenFill xmlns:a14="http://schemas.microsoft.com/office/drawing/2010/main">
+                <a:solidFill>
+                  <a:srgbClr val="FFFFFF"/>
+                </a:solidFill>
+              </a14:hiddenFill>
+            </a:ext>
+          </a:extLst>
+        </p:spPr>
+      </p:pic>
     </p:spTree>
   </p:cSld>
   <p:clrMapOvr>
@@ -3751,7 +4128,113 @@
 </p:sld>
 </file>
 
-<file path=ppt/slides/slide21.xml><?xml version="1.0" encoding="utf-8"?>
+<file path=ppt/slides/slide2.xml><?xml version="1.0" encoding="utf-8"?>
+<p:sld xmlns:a="http://schemas.openxmlformats.org/drawingml/2006/main" xmlns:r="http://schemas.openxmlformats.org/officeDocument/2006/relationships" xmlns:p="http://schemas.openxmlformats.org/presentationml/2006/main" showMasterSp="0">
+  <p:cSld>
+    <p:spTree>
+      <p:nvGrpSpPr>
+        <p:cNvPr id="1" name=""/>
+        <p:cNvGrpSpPr/>
+        <p:nvPr/>
+      </p:nvGrpSpPr>
+      <p:grpSpPr>
+        <a:xfrm>
+          <a:off x="0" y="0"/>
+          <a:ext cx="0" cy="0"/>
+          <a:chOff x="0" y="0"/>
+          <a:chExt cx="0" cy="0"/>
+        </a:xfrm>
+      </p:grpSpPr>
+      <p:grpSp>
+        <p:nvGrpSpPr>
+          <p:cNvPr id="2" name="object 2"/>
+          <p:cNvGrpSpPr/>
+          <p:nvPr/>
+        </p:nvGrpSpPr>
+        <p:grpSpPr>
+          <a:xfrm>
+            <a:off x="2239645" y="2315591"/>
+            <a:ext cx="5708650" cy="2426970"/>
+            <a:chOff x="2239645" y="2315591"/>
+            <a:chExt cx="5708650" cy="2426970"/>
+          </a:xfrm>
+        </p:grpSpPr>
+        <p:pic>
+          <p:nvPicPr>
+            <p:cNvPr id="3" name="object 3"/>
+            <p:cNvPicPr/>
+            <p:nvPr/>
+          </p:nvPicPr>
+          <p:blipFill>
+            <a:blip r:embed="rId2" cstate="print"/>
+            <a:stretch>
+              <a:fillRect/>
+            </a:stretch>
+          </p:blipFill>
+          <p:spPr>
+            <a:xfrm>
+              <a:off x="2239645" y="2315591"/>
+              <a:ext cx="5708141" cy="944879"/>
+            </a:xfrm>
+            <a:prstGeom prst="rect">
+              <a:avLst/>
+            </a:prstGeom>
+          </p:spPr>
+        </p:pic>
+        <p:pic>
+          <p:nvPicPr>
+            <p:cNvPr id="4" name="object 4"/>
+            <p:cNvPicPr/>
+            <p:nvPr/>
+          </p:nvPicPr>
+          <p:blipFill>
+            <a:blip r:embed="rId3" cstate="print"/>
+            <a:stretch>
+              <a:fillRect/>
+            </a:stretch>
+          </p:blipFill>
+          <p:spPr>
+            <a:xfrm>
+              <a:off x="2239645" y="3055950"/>
+              <a:ext cx="4055872" cy="945184"/>
+            </a:xfrm>
+            <a:prstGeom prst="rect">
+              <a:avLst/>
+            </a:prstGeom>
+          </p:spPr>
+        </p:pic>
+        <p:pic>
+          <p:nvPicPr>
+            <p:cNvPr id="5" name="object 5"/>
+            <p:cNvPicPr/>
+            <p:nvPr/>
+          </p:nvPicPr>
+          <p:blipFill>
+            <a:blip r:embed="rId4" cstate="print"/>
+            <a:stretch>
+              <a:fillRect/>
+            </a:stretch>
+          </p:blipFill>
+          <p:spPr>
+            <a:xfrm>
+              <a:off x="2239645" y="3797173"/>
+              <a:ext cx="4829809" cy="944880"/>
+            </a:xfrm>
+            <a:prstGeom prst="rect">
+              <a:avLst/>
+            </a:prstGeom>
+          </p:spPr>
+        </p:pic>
+      </p:grpSp>
+    </p:spTree>
+  </p:cSld>
+  <p:clrMapOvr>
+    <a:masterClrMapping/>
+  </p:clrMapOvr>
+</p:sld>
+</file>
+
+<file path=ppt/slides/slide20.xml><?xml version="1.0" encoding="utf-8"?>
 <p:sld xmlns:a="http://schemas.openxmlformats.org/drawingml/2006/main" xmlns:r="http://schemas.openxmlformats.org/officeDocument/2006/relationships" xmlns:p="http://schemas.openxmlformats.org/presentationml/2006/main" showMasterSp="0">
   <p:cSld>
     <p:spTree>
@@ -3857,7 +4340,7 @@
 </p:sld>
 </file>
 
-<file path=ppt/slides/slide22.xml><?xml version="1.0" encoding="utf-8"?>
+<file path=ppt/slides/slide21.xml><?xml version="1.0" encoding="utf-8"?>
 <p:sld xmlns:a="http://schemas.openxmlformats.org/drawingml/2006/main" xmlns:r="http://schemas.openxmlformats.org/officeDocument/2006/relationships" xmlns:p="http://schemas.openxmlformats.org/presentationml/2006/main" showMasterSp="0">
   <p:cSld>
     <p:spTree>
@@ -3911,10 +4394,12 @@
             <a:off x="916939" y="1712489"/>
             <a:ext cx="6780530" cy="1046480"/>
           </a:xfrm>
-          <a:prstGeom prst="rect"/>
+          <a:prstGeom prst="rect">
+            <a:avLst/>
+          </a:prstGeom>
         </p:spPr>
         <p:txBody>
-          <a:bodyPr wrap="square" lIns="0" tIns="12700" rIns="0" bIns="0" rtlCol="0" vert="horz">
+          <a:bodyPr vert="horz" wrap="square" lIns="0" tIns="12700" rIns="0" bIns="0" rtlCol="0">
             <a:spAutoFit/>
           </a:bodyPr>
           <a:lstStyle/>
@@ -3928,7 +4413,7 @@
               </a:spcBef>
             </a:pPr>
             <a:r>
-              <a:rPr dirty="0" spc="-15">
+              <a:rPr spc="-15" dirty="0">
                 <a:solidFill>
                   <a:srgbClr val="585858"/>
                 </a:solidFill>
@@ -3936,7 +4421,7 @@
               <a:t>Varias </a:t>
             </a:r>
             <a:r>
-              <a:rPr dirty="0" spc="-25" b="1">
+              <a:rPr b="1" spc="-25" dirty="0">
                 <a:solidFill>
                   <a:srgbClr val="585858"/>
                 </a:solidFill>
@@ -3946,7 +4431,7 @@
               <a:t>“metodologías </a:t>
             </a:r>
             <a:r>
-              <a:rPr dirty="0" spc="-50" b="1">
+              <a:rPr b="1" spc="-50" dirty="0">
                 <a:solidFill>
                   <a:srgbClr val="585858"/>
                 </a:solidFill>
@@ -3956,7 +4441,7 @@
               <a:t>ligeras“ </a:t>
             </a:r>
             <a:r>
-              <a:rPr dirty="0" spc="85">
+              <a:rPr spc="85" dirty="0">
                 <a:solidFill>
                   <a:srgbClr val="585858"/>
                 </a:solidFill>
@@ -3964,7 +4449,7 @@
               <a:t>surgieron </a:t>
             </a:r>
             <a:r>
-              <a:rPr dirty="0" spc="-730">
+              <a:rPr spc="-730" dirty="0">
                 <a:solidFill>
                   <a:srgbClr val="585858"/>
                 </a:solidFill>
@@ -3972,7 +4457,7 @@
               <a:t> </a:t>
             </a:r>
             <a:r>
-              <a:rPr dirty="0" spc="80">
+              <a:rPr spc="80" dirty="0">
                 <a:solidFill>
                   <a:srgbClr val="585858"/>
                 </a:solidFill>
@@ -3980,7 +4465,7 @@
               <a:t>en</a:t>
             </a:r>
             <a:r>
-              <a:rPr dirty="0" spc="-25">
+              <a:rPr spc="-25" dirty="0">
                 <a:solidFill>
                   <a:srgbClr val="585858"/>
                 </a:solidFill>
@@ -3988,7 +4473,7 @@
               <a:t> </a:t>
             </a:r>
             <a:r>
-              <a:rPr dirty="0" spc="30">
+              <a:rPr spc="30" dirty="0">
                 <a:solidFill>
                   <a:srgbClr val="585858"/>
                 </a:solidFill>
@@ -3996,7 +4481,7 @@
               <a:t>la</a:t>
             </a:r>
             <a:r>
-              <a:rPr dirty="0" spc="-20">
+              <a:rPr spc="-20" dirty="0">
                 <a:solidFill>
                   <a:srgbClr val="585858"/>
                 </a:solidFill>
@@ -4004,7 +4489,7 @@
               <a:t> </a:t>
             </a:r>
             <a:r>
-              <a:rPr dirty="0" spc="40">
+              <a:rPr spc="40" dirty="0">
                 <a:solidFill>
                   <a:srgbClr val="585858"/>
                 </a:solidFill>
@@ -4012,7 +4497,7 @@
               <a:t>década</a:t>
             </a:r>
             <a:r>
-              <a:rPr dirty="0" spc="-10">
+              <a:rPr spc="-10" dirty="0">
                 <a:solidFill>
                   <a:srgbClr val="585858"/>
                 </a:solidFill>
@@ -4020,7 +4505,7 @@
               <a:t> </a:t>
             </a:r>
             <a:r>
-              <a:rPr dirty="0" spc="85">
+              <a:rPr spc="85" dirty="0">
                 <a:solidFill>
                   <a:srgbClr val="585858"/>
                 </a:solidFill>
@@ -4028,7 +4513,7 @@
               <a:t>de</a:t>
             </a:r>
             <a:r>
-              <a:rPr dirty="0" spc="-15">
+              <a:rPr spc="-15" dirty="0">
                 <a:solidFill>
                   <a:srgbClr val="585858"/>
                 </a:solidFill>
@@ -4036,7 +4521,7 @@
               <a:t> </a:t>
             </a:r>
             <a:r>
-              <a:rPr dirty="0" spc="45">
+              <a:rPr spc="45" dirty="0">
                 <a:solidFill>
                   <a:srgbClr val="585858"/>
                 </a:solidFill>
@@ -4044,7 +4529,7 @@
               <a:t>los</a:t>
             </a:r>
             <a:r>
-              <a:rPr dirty="0" spc="-20">
+              <a:rPr spc="-20" dirty="0">
                 <a:solidFill>
                   <a:srgbClr val="585858"/>
                 </a:solidFill>
@@ -4052,7 +4537,7 @@
               <a:t> </a:t>
             </a:r>
             <a:r>
-              <a:rPr dirty="0" spc="5">
+              <a:rPr spc="5" dirty="0">
                 <a:solidFill>
                   <a:srgbClr val="585858"/>
                 </a:solidFill>
@@ -4078,7 +4563,7 @@
           </a:prstGeom>
         </p:spPr>
         <p:txBody>
-          <a:bodyPr wrap="square" lIns="0" tIns="38100" rIns="0" bIns="0" rtlCol="0" vert="horz">
+          <a:bodyPr vert="horz" wrap="square" lIns="0" tIns="38100" rIns="0" bIns="0" rtlCol="0">
             <a:spAutoFit/>
           </a:bodyPr>
           <a:lstStyle/>
@@ -4097,91 +4582,91 @@
               </a:tabLst>
             </a:pPr>
             <a:r>
-              <a:rPr dirty="0" sz="2400" spc="-50" b="1">
+              <a:rPr sz="2400" b="1" spc="-50" dirty="0">
                 <a:latin typeface="Tahoma"/>
                 <a:cs typeface="Tahoma"/>
               </a:rPr>
               <a:t>“ligero”</a:t>
             </a:r>
             <a:r>
-              <a:rPr dirty="0" sz="2400" spc="-100" b="1">
+              <a:rPr sz="2400" b="1" spc="-100" dirty="0">
                 <a:latin typeface="Tahoma"/>
                 <a:cs typeface="Tahoma"/>
               </a:rPr>
               <a:t> </a:t>
             </a:r>
             <a:r>
-              <a:rPr dirty="0" sz="2400" spc="125">
+              <a:rPr sz="2400" spc="125" dirty="0">
                 <a:latin typeface="Microsoft Sans Serif"/>
                 <a:cs typeface="Microsoft Sans Serif"/>
               </a:rPr>
               <a:t>no</a:t>
             </a:r>
             <a:r>
-              <a:rPr dirty="0" sz="2400" spc="-20">
-                <a:latin typeface="Microsoft Sans Serif"/>
-                <a:cs typeface="Microsoft Sans Serif"/>
-              </a:rPr>
-              <a:t> </a:t>
-            </a:r>
-            <a:r>
-              <a:rPr dirty="0" sz="2400" spc="65">
+              <a:rPr sz="2400" spc="-20" dirty="0">
+                <a:latin typeface="Microsoft Sans Serif"/>
+                <a:cs typeface="Microsoft Sans Serif"/>
+              </a:rPr>
+              <a:t> </a:t>
+            </a:r>
+            <a:r>
+              <a:rPr sz="2400" spc="65" dirty="0">
                 <a:latin typeface="Microsoft Sans Serif"/>
                 <a:cs typeface="Microsoft Sans Serif"/>
               </a:rPr>
               <a:t>representaba</a:t>
             </a:r>
             <a:r>
-              <a:rPr dirty="0" sz="2400" spc="-15">
-                <a:latin typeface="Microsoft Sans Serif"/>
-                <a:cs typeface="Microsoft Sans Serif"/>
-              </a:rPr>
-              <a:t> </a:t>
-            </a:r>
-            <a:r>
-              <a:rPr dirty="0" sz="2400" spc="85">
+              <a:rPr sz="2400" spc="-15" dirty="0">
+                <a:latin typeface="Microsoft Sans Serif"/>
+                <a:cs typeface="Microsoft Sans Serif"/>
+              </a:rPr>
+              <a:t> </a:t>
+            </a:r>
+            <a:r>
+              <a:rPr sz="2400" spc="85" dirty="0">
                 <a:latin typeface="Microsoft Sans Serif"/>
                 <a:cs typeface="Microsoft Sans Serif"/>
               </a:rPr>
               <a:t>lo</a:t>
             </a:r>
             <a:r>
-              <a:rPr dirty="0" sz="2400" spc="-15">
-                <a:latin typeface="Microsoft Sans Serif"/>
-                <a:cs typeface="Microsoft Sans Serif"/>
-              </a:rPr>
-              <a:t> </a:t>
-            </a:r>
-            <a:r>
-              <a:rPr dirty="0" sz="2400" spc="95">
+              <a:rPr sz="2400" spc="-15" dirty="0">
+                <a:latin typeface="Microsoft Sans Serif"/>
+                <a:cs typeface="Microsoft Sans Serif"/>
+              </a:rPr>
+              <a:t> </a:t>
+            </a:r>
+            <a:r>
+              <a:rPr sz="2400" spc="95" dirty="0">
                 <a:latin typeface="Microsoft Sans Serif"/>
                 <a:cs typeface="Microsoft Sans Serif"/>
               </a:rPr>
               <a:t>que</a:t>
             </a:r>
             <a:r>
-              <a:rPr dirty="0" sz="2400" spc="-15">
-                <a:latin typeface="Microsoft Sans Serif"/>
-                <a:cs typeface="Microsoft Sans Serif"/>
-              </a:rPr>
-              <a:t> </a:t>
-            </a:r>
-            <a:r>
-              <a:rPr dirty="0" sz="2400" spc="-25">
+              <a:rPr sz="2400" spc="-15" dirty="0">
+                <a:latin typeface="Microsoft Sans Serif"/>
+                <a:cs typeface="Microsoft Sans Serif"/>
+              </a:rPr>
+              <a:t> </a:t>
+            </a:r>
+            <a:r>
+              <a:rPr sz="2400" spc="-25" dirty="0">
                 <a:latin typeface="Microsoft Sans Serif"/>
                 <a:cs typeface="Microsoft Sans Serif"/>
               </a:rPr>
               <a:t>se</a:t>
             </a:r>
             <a:r>
-              <a:rPr dirty="0" sz="2400" spc="-20">
-                <a:latin typeface="Microsoft Sans Serif"/>
-                <a:cs typeface="Microsoft Sans Serif"/>
-              </a:rPr>
-              <a:t> </a:t>
-            </a:r>
-            <a:r>
-              <a:rPr dirty="0" sz="2400" spc="85">
+              <a:rPr sz="2400" spc="-20" dirty="0">
+                <a:latin typeface="Microsoft Sans Serif"/>
+                <a:cs typeface="Microsoft Sans Serif"/>
+              </a:rPr>
+              <a:t> </a:t>
+            </a:r>
+            <a:r>
+              <a:rPr sz="2400" spc="85" dirty="0">
                 <a:latin typeface="Microsoft Sans Serif"/>
                 <a:cs typeface="Microsoft Sans Serif"/>
               </a:rPr>
@@ -4207,77 +4692,77 @@
               </a:tabLst>
             </a:pPr>
             <a:r>
-              <a:rPr dirty="0" sz="2400" spc="75">
+              <a:rPr sz="2400" spc="75" dirty="0">
                 <a:latin typeface="Microsoft Sans Serif"/>
                 <a:cs typeface="Microsoft Sans Serif"/>
               </a:rPr>
               <a:t>Muchos</a:t>
             </a:r>
             <a:r>
-              <a:rPr dirty="0" sz="2400" spc="-25">
-                <a:latin typeface="Microsoft Sans Serif"/>
-                <a:cs typeface="Microsoft Sans Serif"/>
-              </a:rPr>
-              <a:t> </a:t>
-            </a:r>
-            <a:r>
-              <a:rPr dirty="0" sz="2400" spc="95">
+              <a:rPr sz="2400" spc="-25" dirty="0">
+                <a:latin typeface="Microsoft Sans Serif"/>
+                <a:cs typeface="Microsoft Sans Serif"/>
+              </a:rPr>
+              <a:t> </a:t>
+            </a:r>
+            <a:r>
+              <a:rPr sz="2400" spc="95" dirty="0">
                 <a:latin typeface="Microsoft Sans Serif"/>
                 <a:cs typeface="Microsoft Sans Serif"/>
               </a:rPr>
               <a:t>querían</a:t>
             </a:r>
             <a:r>
-              <a:rPr dirty="0" sz="2400" spc="-20">
-                <a:latin typeface="Microsoft Sans Serif"/>
-                <a:cs typeface="Microsoft Sans Serif"/>
-              </a:rPr>
-              <a:t> </a:t>
-            </a:r>
-            <a:r>
-              <a:rPr dirty="0" sz="2400" spc="100">
+              <a:rPr sz="2400" spc="-20" dirty="0">
+                <a:latin typeface="Microsoft Sans Serif"/>
+                <a:cs typeface="Microsoft Sans Serif"/>
+              </a:rPr>
+              <a:t> </a:t>
+            </a:r>
+            <a:r>
+              <a:rPr sz="2400" spc="100" dirty="0">
                 <a:latin typeface="Microsoft Sans Serif"/>
                 <a:cs typeface="Microsoft Sans Serif"/>
               </a:rPr>
               <a:t>tener</a:t>
             </a:r>
             <a:r>
-              <a:rPr dirty="0" sz="2400" spc="-25">
-                <a:latin typeface="Microsoft Sans Serif"/>
-                <a:cs typeface="Microsoft Sans Serif"/>
-              </a:rPr>
-              <a:t> </a:t>
-            </a:r>
-            <a:r>
-              <a:rPr dirty="0" sz="2400" spc="90">
+              <a:rPr sz="2400" spc="-25" dirty="0">
+                <a:latin typeface="Microsoft Sans Serif"/>
+                <a:cs typeface="Microsoft Sans Serif"/>
+              </a:rPr>
+              <a:t> </a:t>
+            </a:r>
+            <a:r>
+              <a:rPr sz="2400" spc="90" dirty="0">
                 <a:latin typeface="Microsoft Sans Serif"/>
                 <a:cs typeface="Microsoft Sans Serif"/>
               </a:rPr>
               <a:t>una</a:t>
             </a:r>
             <a:r>
-              <a:rPr dirty="0" sz="2400" spc="-20">
-                <a:latin typeface="Microsoft Sans Serif"/>
-                <a:cs typeface="Microsoft Sans Serif"/>
-              </a:rPr>
-              <a:t> </a:t>
-            </a:r>
-            <a:r>
-              <a:rPr dirty="0" sz="2400" spc="114">
+              <a:rPr sz="2400" spc="-20" dirty="0">
+                <a:latin typeface="Microsoft Sans Serif"/>
+                <a:cs typeface="Microsoft Sans Serif"/>
+              </a:rPr>
+              <a:t> </a:t>
+            </a:r>
+            <a:r>
+              <a:rPr sz="2400" spc="114" dirty="0">
                 <a:latin typeface="Microsoft Sans Serif"/>
                 <a:cs typeface="Microsoft Sans Serif"/>
               </a:rPr>
               <a:t>mejor</a:t>
             </a:r>
             <a:r>
-              <a:rPr dirty="0" sz="2400" spc="-20">
-                <a:latin typeface="Microsoft Sans Serif"/>
-                <a:cs typeface="Microsoft Sans Serif"/>
-              </a:rPr>
-              <a:t> </a:t>
-            </a:r>
-            <a:r>
-              <a:rPr dirty="0" sz="2400" spc="60">
+              <a:rPr sz="2400" spc="-20" dirty="0">
+                <a:latin typeface="Microsoft Sans Serif"/>
+                <a:cs typeface="Microsoft Sans Serif"/>
+              </a:rPr>
+              <a:t> </a:t>
+            </a:r>
+            <a:r>
+              <a:rPr sz="2400" spc="60" dirty="0">
                 <a:latin typeface="Microsoft Sans Serif"/>
                 <a:cs typeface="Microsoft Sans Serif"/>
               </a:rPr>
@@ -4303,84 +4788,84 @@
               </a:tabLst>
             </a:pPr>
             <a:r>
-              <a:rPr dirty="0" sz="2400" spc="-75" b="1">
+              <a:rPr sz="2400" b="1" spc="-75" dirty="0">
                 <a:latin typeface="Tahoma"/>
                 <a:cs typeface="Tahoma"/>
               </a:rPr>
               <a:t>“ágil”</a:t>
             </a:r>
             <a:r>
-              <a:rPr dirty="0" sz="2400" spc="-75">
+              <a:rPr sz="2400" spc="-75" dirty="0">
                 <a:latin typeface="Microsoft Sans Serif"/>
                 <a:cs typeface="Microsoft Sans Serif"/>
               </a:rPr>
               <a:t>,</a:t>
             </a:r>
             <a:r>
-              <a:rPr dirty="0" sz="2400" spc="-35">
-                <a:latin typeface="Microsoft Sans Serif"/>
-                <a:cs typeface="Microsoft Sans Serif"/>
-              </a:rPr>
-              <a:t> </a:t>
-            </a:r>
-            <a:r>
-              <a:rPr dirty="0" sz="2400" spc="50">
+              <a:rPr sz="2400" spc="-35" dirty="0">
+                <a:latin typeface="Microsoft Sans Serif"/>
+                <a:cs typeface="Microsoft Sans Serif"/>
+              </a:rPr>
+              <a:t> </a:t>
+            </a:r>
+            <a:r>
+              <a:rPr sz="2400" spc="50" dirty="0">
                 <a:latin typeface="Microsoft Sans Serif"/>
                 <a:cs typeface="Microsoft Sans Serif"/>
               </a:rPr>
               <a:t>“adaptativo”,</a:t>
             </a:r>
             <a:r>
-              <a:rPr dirty="0" sz="2400" spc="-10">
-                <a:latin typeface="Microsoft Sans Serif"/>
-                <a:cs typeface="Microsoft Sans Serif"/>
-              </a:rPr>
-              <a:t> </a:t>
-            </a:r>
-            <a:r>
-              <a:rPr dirty="0" sz="2400" spc="50">
+              <a:rPr sz="2400" spc="-10" dirty="0">
+                <a:latin typeface="Microsoft Sans Serif"/>
+                <a:cs typeface="Microsoft Sans Serif"/>
+              </a:rPr>
+              <a:t> </a:t>
+            </a:r>
+            <a:r>
+              <a:rPr sz="2400" spc="50" dirty="0">
                 <a:latin typeface="Microsoft Sans Serif"/>
                 <a:cs typeface="Microsoft Sans Serif"/>
               </a:rPr>
               <a:t>“colaborativo”</a:t>
             </a:r>
             <a:r>
-              <a:rPr dirty="0" sz="2400" spc="-35">
-                <a:latin typeface="Microsoft Sans Serif"/>
-                <a:cs typeface="Microsoft Sans Serif"/>
-              </a:rPr>
-              <a:t> </a:t>
-            </a:r>
-            <a:r>
-              <a:rPr dirty="0" sz="2400" spc="85">
+              <a:rPr sz="2400" spc="-35" dirty="0">
+                <a:latin typeface="Microsoft Sans Serif"/>
+                <a:cs typeface="Microsoft Sans Serif"/>
+              </a:rPr>
+              <a:t> </a:t>
+            </a:r>
+            <a:r>
+              <a:rPr sz="2400" spc="85" dirty="0">
                 <a:latin typeface="Microsoft Sans Serif"/>
                 <a:cs typeface="Microsoft Sans Serif"/>
               </a:rPr>
               <a:t>lo</a:t>
             </a:r>
             <a:r>
-              <a:rPr dirty="0" sz="2400" spc="-10">
-                <a:latin typeface="Microsoft Sans Serif"/>
-                <a:cs typeface="Microsoft Sans Serif"/>
-              </a:rPr>
-              <a:t> </a:t>
-            </a:r>
-            <a:r>
-              <a:rPr dirty="0" sz="2400" spc="65">
+              <a:rPr sz="2400" spc="-10" dirty="0">
+                <a:latin typeface="Microsoft Sans Serif"/>
+                <a:cs typeface="Microsoft Sans Serif"/>
+              </a:rPr>
+              <a:t> </a:t>
+            </a:r>
+            <a:r>
+              <a:rPr sz="2400" spc="65" dirty="0">
                 <a:latin typeface="Microsoft Sans Serif"/>
                 <a:cs typeface="Microsoft Sans Serif"/>
               </a:rPr>
               <a:t>representaba</a:t>
             </a:r>
             <a:r>
-              <a:rPr dirty="0" sz="2400" spc="-15">
-                <a:latin typeface="Microsoft Sans Serif"/>
-                <a:cs typeface="Microsoft Sans Serif"/>
-              </a:rPr>
-              <a:t> </a:t>
-            </a:r>
-            <a:r>
-              <a:rPr dirty="0" sz="2400" spc="114">
+              <a:rPr sz="2400" spc="-15" dirty="0">
+                <a:latin typeface="Microsoft Sans Serif"/>
+                <a:cs typeface="Microsoft Sans Serif"/>
+              </a:rPr>
+              <a:t> </a:t>
+            </a:r>
+            <a:r>
+              <a:rPr sz="2400" spc="114" dirty="0">
                 <a:latin typeface="Microsoft Sans Serif"/>
                 <a:cs typeface="Microsoft Sans Serif"/>
               </a:rPr>
@@ -4401,7 +4886,7 @@
 </p:sld>
 </file>
 
-<file path=ppt/slides/slide23.xml><?xml version="1.0" encoding="utf-8"?>
+<file path=ppt/slides/slide22.xml><?xml version="1.0" encoding="utf-8"?>
 <p:sld xmlns:a="http://schemas.openxmlformats.org/drawingml/2006/main" xmlns:r="http://schemas.openxmlformats.org/officeDocument/2006/relationships" xmlns:p="http://schemas.openxmlformats.org/presentationml/2006/main" showMasterSp="0">
   <p:cSld>
     <p:spTree>
@@ -4478,7 +4963,7 @@
           </a:prstGeom>
         </p:spPr>
         <p:txBody>
-          <a:bodyPr wrap="square" lIns="0" tIns="12700" rIns="0" bIns="0" rtlCol="0" vert="horz">
+          <a:bodyPr vert="horz" wrap="square" lIns="0" tIns="12700" rIns="0" bIns="0" rtlCol="0">
             <a:spAutoFit/>
           </a:bodyPr>
           <a:lstStyle/>
@@ -4492,7 +4977,7 @@
               </a:spcBef>
             </a:pPr>
             <a:r>
-              <a:rPr dirty="0" u="sng" sz="1800" spc="65">
+              <a:rPr sz="1800" u="sng" spc="65" dirty="0">
                 <a:solidFill>
                   <a:srgbClr val="0462C1"/>
                 </a:solidFill>
@@ -4522,7 +5007,7 @@
 </p:sld>
 </file>
 
-<file path=ppt/slides/slide24.xml><?xml version="1.0" encoding="utf-8"?>
+<file path=ppt/slides/slide23.xml><?xml version="1.0" encoding="utf-8"?>
 <p:sld xmlns:a="http://schemas.openxmlformats.org/drawingml/2006/main" xmlns:r="http://schemas.openxmlformats.org/officeDocument/2006/relationships" xmlns:p="http://schemas.openxmlformats.org/presentationml/2006/main" showMasterSp="0">
   <p:cSld>
     <p:spTree>
@@ -4701,7 +5186,9 @@
           <p:txBody>
             <a:bodyPr wrap="square" lIns="0" tIns="0" rIns="0" bIns="0" rtlCol="0"/>
             <a:lstStyle/>
-            <a:p/>
+            <a:p>
+              <a:endParaRPr/>
+            </a:p>
           </p:txBody>
         </p:sp>
         <p:pic>
@@ -4830,7 +5317,9 @@
           <p:txBody>
             <a:bodyPr wrap="square" lIns="0" tIns="0" rIns="0" bIns="0" rtlCol="0"/>
             <a:lstStyle/>
-            <a:p/>
+            <a:p>
+              <a:endParaRPr/>
+            </a:p>
           </p:txBody>
         </p:sp>
         <p:pic>
@@ -4959,7 +5448,9 @@
           <p:txBody>
             <a:bodyPr wrap="square" lIns="0" tIns="0" rIns="0" bIns="0" rtlCol="0"/>
             <a:lstStyle/>
-            <a:p/>
+            <a:p>
+              <a:endParaRPr/>
+            </a:p>
           </p:txBody>
         </p:sp>
         <p:pic>
@@ -5088,7 +5579,9 @@
           <p:txBody>
             <a:bodyPr wrap="square" lIns="0" tIns="0" rIns="0" bIns="0" rtlCol="0"/>
             <a:lstStyle/>
-            <a:p/>
+            <a:p>
+              <a:endParaRPr/>
+            </a:p>
           </p:txBody>
         </p:sp>
         <p:pic>
@@ -5217,7 +5710,9 @@
           <p:txBody>
             <a:bodyPr wrap="square" lIns="0" tIns="0" rIns="0" bIns="0" rtlCol="0"/>
             <a:lstStyle/>
-            <a:p/>
+            <a:p>
+              <a:endParaRPr/>
+            </a:p>
           </p:txBody>
         </p:sp>
         <p:pic>
@@ -5346,7 +5841,9 @@
           <p:txBody>
             <a:bodyPr wrap="square" lIns="0" tIns="0" rIns="0" bIns="0" rtlCol="0"/>
             <a:lstStyle/>
-            <a:p/>
+            <a:p>
+              <a:endParaRPr/>
+            </a:p>
           </p:txBody>
         </p:sp>
         <p:pic>
@@ -5475,7 +5972,9 @@
           <p:txBody>
             <a:bodyPr wrap="square" lIns="0" tIns="0" rIns="0" bIns="0" rtlCol="0"/>
             <a:lstStyle/>
-            <a:p/>
+            <a:p>
+              <a:endParaRPr/>
+            </a:p>
           </p:txBody>
         </p:sp>
         <p:pic>
@@ -5604,7 +6103,9 @@
           <p:txBody>
             <a:bodyPr wrap="square" lIns="0" tIns="0" rIns="0" bIns="0" rtlCol="0"/>
             <a:lstStyle/>
-            <a:p/>
+            <a:p>
+              <a:endParaRPr/>
+            </a:p>
           </p:txBody>
         </p:sp>
         <p:pic>
@@ -5703,7 +6204,7 @@
           <p:nvPr/>
         </p:nvPicPr>
         <p:blipFill>
-          <a:blip r:embed="rId23" cstate="print"/>
+          <a:blip r:embed="rId21" cstate="print"/>
           <a:stretch>
             <a:fillRect/>
           </a:stretch>
@@ -5726,7 +6227,7 @@
 </p:sld>
 </file>
 
-<file path=ppt/slides/slide25.xml><?xml version="1.0" encoding="utf-8"?>
+<file path=ppt/slides/slide24.xml><?xml version="1.0" encoding="utf-8"?>
 <p:sld xmlns:a="http://schemas.openxmlformats.org/drawingml/2006/main" xmlns:r="http://schemas.openxmlformats.org/officeDocument/2006/relationships" xmlns:p="http://schemas.openxmlformats.org/presentationml/2006/main" showMasterSp="0">
   <p:cSld>
     <p:spTree>
@@ -5890,7 +6391,9 @@
           <p:txBody>
             <a:bodyPr wrap="square" lIns="0" tIns="0" rIns="0" bIns="0" rtlCol="0"/>
             <a:lstStyle/>
-            <a:p/>
+            <a:p>
+              <a:endParaRPr/>
+            </a:p>
           </p:txBody>
         </p:sp>
         <p:pic>
@@ -6092,7 +6595,9 @@
           <p:txBody>
             <a:bodyPr wrap="square" lIns="0" tIns="0" rIns="0" bIns="0" rtlCol="0"/>
             <a:lstStyle/>
-            <a:p/>
+            <a:p>
+              <a:endParaRPr/>
+            </a:p>
           </p:txBody>
         </p:sp>
         <p:pic>
@@ -6338,7 +6843,9 @@
           <p:txBody>
             <a:bodyPr wrap="square" lIns="0" tIns="0" rIns="0" bIns="0" rtlCol="0"/>
             <a:lstStyle/>
-            <a:p/>
+            <a:p>
+              <a:endParaRPr/>
+            </a:p>
           </p:txBody>
         </p:sp>
         <p:pic>
@@ -6540,7 +7047,9 @@
           <p:txBody>
             <a:bodyPr wrap="square" lIns="0" tIns="0" rIns="0" bIns="0" rtlCol="0"/>
             <a:lstStyle/>
-            <a:p/>
+            <a:p>
+              <a:endParaRPr/>
+            </a:p>
           </p:txBody>
         </p:sp>
         <p:pic>
@@ -6720,7 +7229,9 @@
           <p:txBody>
             <a:bodyPr wrap="square" lIns="0" tIns="0" rIns="0" bIns="0" rtlCol="0"/>
             <a:lstStyle/>
-            <a:p/>
+            <a:p>
+              <a:endParaRPr/>
+            </a:p>
           </p:txBody>
         </p:sp>
         <p:pic>
@@ -6922,7 +7433,9 @@
           <p:txBody>
             <a:bodyPr wrap="square" lIns="0" tIns="0" rIns="0" bIns="0" rtlCol="0"/>
             <a:lstStyle/>
-            <a:p/>
+            <a:p>
+              <a:endParaRPr/>
+            </a:p>
           </p:txBody>
         </p:sp>
         <p:pic>
@@ -7124,7 +7637,9 @@
           <p:txBody>
             <a:bodyPr wrap="square" lIns="0" tIns="0" rIns="0" bIns="0" rtlCol="0"/>
             <a:lstStyle/>
-            <a:p/>
+            <a:p>
+              <a:endParaRPr/>
+            </a:p>
           </p:txBody>
         </p:sp>
         <p:pic>
@@ -7260,7 +7775,9 @@
           <p:txBody>
             <a:bodyPr wrap="square" lIns="0" tIns="0" rIns="0" bIns="0" rtlCol="0"/>
             <a:lstStyle/>
-            <a:p/>
+            <a:p>
+              <a:endParaRPr/>
+            </a:p>
           </p:txBody>
         </p:sp>
         <p:pic>
@@ -7543,7 +8060,9 @@
           <p:txBody>
             <a:bodyPr wrap="square" lIns="0" tIns="0" rIns="0" bIns="0" rtlCol="0"/>
             <a:lstStyle/>
-            <a:p/>
+            <a:p>
+              <a:endParaRPr/>
+            </a:p>
           </p:txBody>
         </p:sp>
         <p:pic>
@@ -7701,7 +8220,9 @@
           <p:txBody>
             <a:bodyPr wrap="square" lIns="0" tIns="0" rIns="0" bIns="0" rtlCol="0"/>
             <a:lstStyle/>
-            <a:p/>
+            <a:p>
+              <a:endParaRPr/>
+            </a:p>
           </p:txBody>
         </p:sp>
         <p:pic>
@@ -7969,7 +8490,9 @@
           <p:txBody>
             <a:bodyPr wrap="square" lIns="0" tIns="0" rIns="0" bIns="0" rtlCol="0"/>
             <a:lstStyle/>
-            <a:p/>
+            <a:p>
+              <a:endParaRPr/>
+            </a:p>
           </p:txBody>
         </p:sp>
         <p:pic>
@@ -8193,7 +8716,9 @@
           <p:txBody>
             <a:bodyPr wrap="square" lIns="0" tIns="0" rIns="0" bIns="0" rtlCol="0"/>
             <a:lstStyle/>
-            <a:p/>
+            <a:p>
+              <a:endParaRPr/>
+            </a:p>
           </p:txBody>
         </p:sp>
         <p:pic>
@@ -8579,7 +9104,7 @@
 </p:sld>
 </file>
 
-<file path=ppt/slides/slide26.xml><?xml version="1.0" encoding="utf-8"?>
+<file path=ppt/slides/slide25.xml><?xml version="1.0" encoding="utf-8"?>
 <p:sld xmlns:a="http://schemas.openxmlformats.org/drawingml/2006/main" xmlns:r="http://schemas.openxmlformats.org/officeDocument/2006/relationships" xmlns:p="http://schemas.openxmlformats.org/presentationml/2006/main" showMasterSp="0">
   <p:cSld>
     <p:spTree>
@@ -8626,6 +9151,870 @@
 </p:sld>
 </file>
 
+<file path=ppt/slides/slide26.xml><?xml version="1.0" encoding="utf-8"?>
+<p:sld xmlns:a="http://schemas.openxmlformats.org/drawingml/2006/main" xmlns:r="http://schemas.openxmlformats.org/officeDocument/2006/relationships" xmlns:p="http://schemas.openxmlformats.org/presentationml/2006/main">
+  <p:cSld>
+    <p:spTree>
+      <p:nvGrpSpPr>
+        <p:cNvPr id="1" name=""/>
+        <p:cNvGrpSpPr/>
+        <p:nvPr/>
+      </p:nvGrpSpPr>
+      <p:grpSpPr>
+        <a:xfrm>
+          <a:off x="0" y="0"/>
+          <a:ext cx="0" cy="0"/>
+          <a:chOff x="0" y="0"/>
+          <a:chExt cx="0" cy="0"/>
+        </a:xfrm>
+      </p:grpSpPr>
+      <p:sp>
+        <p:nvSpPr>
+          <p:cNvPr id="2" name="object 2"/>
+          <p:cNvSpPr txBox="1">
+            <a:spLocks noGrp="1"/>
+          </p:cNvSpPr>
+          <p:nvPr>
+            <p:ph type="title"/>
+          </p:nvPr>
+        </p:nvSpPr>
+        <p:spPr>
+          <a:prstGeom prst="rect">
+            <a:avLst/>
+          </a:prstGeom>
+        </p:spPr>
+        <p:txBody>
+          <a:bodyPr vert="horz" wrap="square" lIns="0" tIns="12065" rIns="0" bIns="0" rtlCol="0">
+            <a:spAutoFit/>
+          </a:bodyPr>
+          <a:lstStyle/>
+          <a:p>
+            <a:pPr marL="12700">
+              <a:lnSpc>
+                <a:spcPts val="3025"/>
+              </a:lnSpc>
+              <a:spcBef>
+                <a:spcPts val="95"/>
+              </a:spcBef>
+            </a:pPr>
+            <a:r>
+              <a:rPr spc="15" dirty="0"/>
+              <a:t>Existen</a:t>
+            </a:r>
+            <a:r>
+              <a:rPr spc="-10" dirty="0"/>
+              <a:t> </a:t>
+            </a:r>
+            <a:r>
+              <a:rPr spc="45" dirty="0"/>
+              <a:t>iniciativas</a:t>
+            </a:r>
+            <a:r>
+              <a:rPr spc="10" dirty="0"/>
+              <a:t> </a:t>
+            </a:r>
+            <a:r>
+              <a:rPr spc="75" dirty="0"/>
+              <a:t>para</a:t>
+            </a:r>
+            <a:r>
+              <a:rPr spc="-15" dirty="0"/>
+              <a:t> </a:t>
+            </a:r>
+            <a:r>
+              <a:rPr spc="105" dirty="0"/>
+              <a:t>construir</a:t>
+            </a:r>
+            <a:r>
+              <a:rPr spc="-20" dirty="0"/>
+              <a:t> </a:t>
+            </a:r>
+            <a:r>
+              <a:rPr spc="105" dirty="0"/>
+              <a:t>una</a:t>
+            </a:r>
+            <a:r>
+              <a:rPr spc="-20" dirty="0"/>
+              <a:t> </a:t>
+            </a:r>
+            <a:r>
+              <a:rPr spc="65" dirty="0"/>
+              <a:t>“ingeniería</a:t>
+            </a:r>
+            <a:r>
+              <a:rPr spc="-15" dirty="0"/>
+              <a:t> </a:t>
+            </a:r>
+            <a:r>
+              <a:rPr spc="85" dirty="0"/>
+              <a:t>de</a:t>
+            </a:r>
+            <a:r>
+              <a:rPr spc="-10" dirty="0"/>
+              <a:t> </a:t>
+            </a:r>
+            <a:r>
+              <a:rPr spc="80" dirty="0"/>
+              <a:t>software”</a:t>
+            </a:r>
+          </a:p>
+          <a:p>
+            <a:pPr marL="12700">
+              <a:lnSpc>
+                <a:spcPts val="3025"/>
+              </a:lnSpc>
+            </a:pPr>
+            <a:r>
+              <a:rPr spc="50" dirty="0"/>
+              <a:t>desde</a:t>
+            </a:r>
+            <a:r>
+              <a:rPr spc="-20" dirty="0"/>
+              <a:t> </a:t>
+            </a:r>
+            <a:r>
+              <a:rPr spc="55" dirty="0"/>
+              <a:t>finales</a:t>
+            </a:r>
+            <a:r>
+              <a:rPr dirty="0"/>
+              <a:t> </a:t>
+            </a:r>
+            <a:r>
+              <a:rPr spc="80" dirty="0"/>
+              <a:t>de</a:t>
+            </a:r>
+            <a:r>
+              <a:rPr spc="-20" dirty="0"/>
+              <a:t> </a:t>
+            </a:r>
+            <a:r>
+              <a:rPr spc="40" dirty="0"/>
+              <a:t>los</a:t>
+            </a:r>
+            <a:r>
+              <a:rPr spc="-20" dirty="0"/>
+              <a:t> </a:t>
+            </a:r>
+            <a:r>
+              <a:rPr spc="15" dirty="0"/>
+              <a:t>1960s</a:t>
+            </a:r>
+          </a:p>
+        </p:txBody>
+      </p:sp>
+      <p:sp>
+        <p:nvSpPr>
+          <p:cNvPr id="3" name="object 3"/>
+          <p:cNvSpPr txBox="1"/>
+          <p:nvPr/>
+        </p:nvSpPr>
+        <p:spPr>
+          <a:xfrm>
+            <a:off x="916939" y="3086227"/>
+            <a:ext cx="9732645" cy="2266950"/>
+          </a:xfrm>
+          <a:prstGeom prst="rect">
+            <a:avLst/>
+          </a:prstGeom>
+        </p:spPr>
+        <p:txBody>
+          <a:bodyPr vert="horz" wrap="square" lIns="0" tIns="12700" rIns="0" bIns="0" rtlCol="0">
+            <a:spAutoFit/>
+          </a:bodyPr>
+          <a:lstStyle/>
+          <a:p>
+            <a:pPr marL="698500" indent="-229235">
+              <a:lnSpc>
+                <a:spcPts val="2845"/>
+              </a:lnSpc>
+              <a:spcBef>
+                <a:spcPts val="100"/>
+              </a:spcBef>
+              <a:buFont typeface="Arial MT"/>
+              <a:buChar char="•"/>
+              <a:tabLst>
+                <a:tab pos="699135" algn="l"/>
+              </a:tabLst>
+            </a:pPr>
+            <a:r>
+              <a:rPr sz="2400" spc="95" dirty="0">
+                <a:latin typeface="Microsoft Sans Serif"/>
+                <a:cs typeface="Microsoft Sans Serif"/>
+              </a:rPr>
+              <a:t>Mejorar</a:t>
+            </a:r>
+            <a:r>
+              <a:rPr sz="2400" spc="-30" dirty="0">
+                <a:latin typeface="Microsoft Sans Serif"/>
+                <a:cs typeface="Microsoft Sans Serif"/>
+              </a:rPr>
+              <a:t> </a:t>
+            </a:r>
+            <a:r>
+              <a:rPr sz="2400" dirty="0">
+                <a:latin typeface="Microsoft Sans Serif"/>
+                <a:cs typeface="Microsoft Sans Serif"/>
+              </a:rPr>
+              <a:t>las</a:t>
+            </a:r>
+            <a:r>
+              <a:rPr sz="2400" spc="-15" dirty="0">
+                <a:latin typeface="Microsoft Sans Serif"/>
+                <a:cs typeface="Microsoft Sans Serif"/>
+              </a:rPr>
+              <a:t> </a:t>
+            </a:r>
+            <a:r>
+              <a:rPr sz="2400" spc="35" dirty="0">
+                <a:latin typeface="Microsoft Sans Serif"/>
+                <a:cs typeface="Microsoft Sans Serif"/>
+              </a:rPr>
+              <a:t>prácticas</a:t>
+            </a:r>
+            <a:r>
+              <a:rPr sz="2400" spc="-15" dirty="0">
+                <a:latin typeface="Microsoft Sans Serif"/>
+                <a:cs typeface="Microsoft Sans Serif"/>
+              </a:rPr>
+              <a:t> </a:t>
+            </a:r>
+            <a:r>
+              <a:rPr sz="2400" spc="75" dirty="0">
+                <a:latin typeface="Microsoft Sans Serif"/>
+                <a:cs typeface="Microsoft Sans Serif"/>
+              </a:rPr>
+              <a:t>de</a:t>
+            </a:r>
+            <a:r>
+              <a:rPr sz="2400" spc="-20" dirty="0">
+                <a:latin typeface="Microsoft Sans Serif"/>
+                <a:cs typeface="Microsoft Sans Serif"/>
+              </a:rPr>
+              <a:t> </a:t>
+            </a:r>
+            <a:r>
+              <a:rPr sz="2400" spc="70" dirty="0">
+                <a:latin typeface="Microsoft Sans Serif"/>
+                <a:cs typeface="Microsoft Sans Serif"/>
+              </a:rPr>
+              <a:t>desarrollo</a:t>
+            </a:r>
+            <a:r>
+              <a:rPr sz="2400" spc="-15" dirty="0">
+                <a:latin typeface="Microsoft Sans Serif"/>
+                <a:cs typeface="Microsoft Sans Serif"/>
+              </a:rPr>
+              <a:t> </a:t>
+            </a:r>
+            <a:r>
+              <a:rPr sz="2400" spc="70" dirty="0">
+                <a:latin typeface="Microsoft Sans Serif"/>
+                <a:cs typeface="Microsoft Sans Serif"/>
+              </a:rPr>
+              <a:t>de</a:t>
+            </a:r>
+            <a:r>
+              <a:rPr sz="2400" spc="-5" dirty="0">
+                <a:latin typeface="Microsoft Sans Serif"/>
+                <a:cs typeface="Microsoft Sans Serif"/>
+              </a:rPr>
+              <a:t> </a:t>
+            </a:r>
+            <a:r>
+              <a:rPr sz="2400" spc="80" dirty="0">
+                <a:latin typeface="Microsoft Sans Serif"/>
+                <a:cs typeface="Microsoft Sans Serif"/>
+              </a:rPr>
+              <a:t>software</a:t>
+            </a:r>
+            <a:endParaRPr sz="2400">
+              <a:latin typeface="Microsoft Sans Serif"/>
+              <a:cs typeface="Microsoft Sans Serif"/>
+            </a:endParaRPr>
+          </a:p>
+          <a:p>
+            <a:pPr marL="698500" indent="-229235">
+              <a:lnSpc>
+                <a:spcPts val="2800"/>
+              </a:lnSpc>
+              <a:buFont typeface="Arial MT"/>
+              <a:buChar char="•"/>
+              <a:tabLst>
+                <a:tab pos="699135" algn="l"/>
+              </a:tabLst>
+            </a:pPr>
+            <a:r>
+              <a:rPr sz="2400" spc="95" dirty="0">
+                <a:latin typeface="Microsoft Sans Serif"/>
+                <a:cs typeface="Microsoft Sans Serif"/>
+              </a:rPr>
+              <a:t>Mejorar</a:t>
+            </a:r>
+            <a:r>
+              <a:rPr sz="2400" spc="-30" dirty="0">
+                <a:latin typeface="Microsoft Sans Serif"/>
+                <a:cs typeface="Microsoft Sans Serif"/>
+              </a:rPr>
+              <a:t> </a:t>
+            </a:r>
+            <a:r>
+              <a:rPr sz="2400" spc="25" dirty="0">
+                <a:latin typeface="Microsoft Sans Serif"/>
+                <a:cs typeface="Microsoft Sans Serif"/>
+              </a:rPr>
+              <a:t>la</a:t>
+            </a:r>
+            <a:r>
+              <a:rPr sz="2400" spc="-15" dirty="0">
+                <a:latin typeface="Microsoft Sans Serif"/>
+                <a:cs typeface="Microsoft Sans Serif"/>
+              </a:rPr>
+              <a:t> </a:t>
+            </a:r>
+            <a:r>
+              <a:rPr sz="2400" spc="45" dirty="0">
+                <a:latin typeface="Microsoft Sans Serif"/>
+                <a:cs typeface="Microsoft Sans Serif"/>
+              </a:rPr>
+              <a:t>calidad</a:t>
+            </a:r>
+            <a:r>
+              <a:rPr sz="2400" spc="-5" dirty="0">
+                <a:latin typeface="Microsoft Sans Serif"/>
+                <a:cs typeface="Microsoft Sans Serif"/>
+              </a:rPr>
+              <a:t> </a:t>
+            </a:r>
+            <a:r>
+              <a:rPr sz="2400" spc="70" dirty="0">
+                <a:latin typeface="Microsoft Sans Serif"/>
+                <a:cs typeface="Microsoft Sans Serif"/>
+              </a:rPr>
+              <a:t>de</a:t>
+            </a:r>
+            <a:r>
+              <a:rPr sz="2400" spc="-15" dirty="0">
+                <a:latin typeface="Microsoft Sans Serif"/>
+                <a:cs typeface="Microsoft Sans Serif"/>
+              </a:rPr>
+              <a:t> </a:t>
+            </a:r>
+            <a:r>
+              <a:rPr sz="2400" spc="40" dirty="0">
+                <a:latin typeface="Microsoft Sans Serif"/>
+                <a:cs typeface="Microsoft Sans Serif"/>
+              </a:rPr>
+              <a:t>los</a:t>
+            </a:r>
+            <a:r>
+              <a:rPr sz="2400" spc="-10" dirty="0">
+                <a:latin typeface="Microsoft Sans Serif"/>
+                <a:cs typeface="Microsoft Sans Serif"/>
+              </a:rPr>
+              <a:t> </a:t>
+            </a:r>
+            <a:r>
+              <a:rPr sz="2400" spc="90" dirty="0">
+                <a:latin typeface="Microsoft Sans Serif"/>
+                <a:cs typeface="Microsoft Sans Serif"/>
+              </a:rPr>
+              <a:t>productos</a:t>
+            </a:r>
+            <a:r>
+              <a:rPr sz="2400" spc="-40" dirty="0">
+                <a:latin typeface="Microsoft Sans Serif"/>
+                <a:cs typeface="Microsoft Sans Serif"/>
+              </a:rPr>
+              <a:t> </a:t>
+            </a:r>
+            <a:r>
+              <a:rPr sz="2400" spc="70" dirty="0">
+                <a:latin typeface="Microsoft Sans Serif"/>
+                <a:cs typeface="Microsoft Sans Serif"/>
+              </a:rPr>
+              <a:t>de</a:t>
+            </a:r>
+            <a:r>
+              <a:rPr sz="2400" spc="-5" dirty="0">
+                <a:latin typeface="Microsoft Sans Serif"/>
+                <a:cs typeface="Microsoft Sans Serif"/>
+              </a:rPr>
+              <a:t> </a:t>
+            </a:r>
+            <a:r>
+              <a:rPr sz="2400" spc="80" dirty="0">
+                <a:latin typeface="Microsoft Sans Serif"/>
+                <a:cs typeface="Microsoft Sans Serif"/>
+              </a:rPr>
+              <a:t>software</a:t>
+            </a:r>
+            <a:endParaRPr sz="2400">
+              <a:latin typeface="Microsoft Sans Serif"/>
+              <a:cs typeface="Microsoft Sans Serif"/>
+            </a:endParaRPr>
+          </a:p>
+          <a:p>
+            <a:pPr marL="698500" indent="-229235">
+              <a:lnSpc>
+                <a:spcPts val="2840"/>
+              </a:lnSpc>
+              <a:buFont typeface="Arial MT"/>
+              <a:buChar char="•"/>
+              <a:tabLst>
+                <a:tab pos="699135" algn="l"/>
+              </a:tabLst>
+            </a:pPr>
+            <a:r>
+              <a:rPr sz="2400" spc="95" dirty="0">
+                <a:latin typeface="Microsoft Sans Serif"/>
+                <a:cs typeface="Microsoft Sans Serif"/>
+              </a:rPr>
+              <a:t>Mejorar</a:t>
+            </a:r>
+            <a:r>
+              <a:rPr sz="2400" spc="-30" dirty="0">
+                <a:latin typeface="Microsoft Sans Serif"/>
+                <a:cs typeface="Microsoft Sans Serif"/>
+              </a:rPr>
+              <a:t> </a:t>
+            </a:r>
+            <a:r>
+              <a:rPr sz="2400" spc="30" dirty="0">
+                <a:latin typeface="Microsoft Sans Serif"/>
+                <a:cs typeface="Microsoft Sans Serif"/>
+              </a:rPr>
+              <a:t>la</a:t>
+            </a:r>
+            <a:r>
+              <a:rPr sz="2400" spc="-15" dirty="0">
+                <a:latin typeface="Microsoft Sans Serif"/>
+                <a:cs typeface="Microsoft Sans Serif"/>
+              </a:rPr>
+              <a:t> </a:t>
+            </a:r>
+            <a:r>
+              <a:rPr sz="2400" spc="30" dirty="0">
+                <a:latin typeface="Microsoft Sans Serif"/>
+                <a:cs typeface="Microsoft Sans Serif"/>
+              </a:rPr>
+              <a:t>eficiencia</a:t>
+            </a:r>
+            <a:r>
+              <a:rPr sz="2400" spc="-10" dirty="0">
+                <a:latin typeface="Microsoft Sans Serif"/>
+                <a:cs typeface="Microsoft Sans Serif"/>
+              </a:rPr>
+              <a:t> </a:t>
+            </a:r>
+            <a:r>
+              <a:rPr sz="2400" spc="215" dirty="0">
+                <a:latin typeface="Microsoft Sans Serif"/>
+                <a:cs typeface="Microsoft Sans Serif"/>
+              </a:rPr>
+              <a:t>/</a:t>
+            </a:r>
+            <a:r>
+              <a:rPr sz="2400" spc="-15" dirty="0">
+                <a:latin typeface="Microsoft Sans Serif"/>
+                <a:cs typeface="Microsoft Sans Serif"/>
+              </a:rPr>
+              <a:t> </a:t>
+            </a:r>
+            <a:r>
+              <a:rPr sz="2400" spc="85" dirty="0">
+                <a:latin typeface="Microsoft Sans Serif"/>
+                <a:cs typeface="Microsoft Sans Serif"/>
+              </a:rPr>
+              <a:t>rentabilidad</a:t>
+            </a:r>
+            <a:r>
+              <a:rPr sz="2400" spc="-5" dirty="0">
+                <a:latin typeface="Microsoft Sans Serif"/>
+                <a:cs typeface="Microsoft Sans Serif"/>
+              </a:rPr>
+              <a:t> </a:t>
+            </a:r>
+            <a:r>
+              <a:rPr sz="2400" spc="75" dirty="0">
+                <a:latin typeface="Microsoft Sans Serif"/>
+                <a:cs typeface="Microsoft Sans Serif"/>
+              </a:rPr>
+              <a:t>de</a:t>
+            </a:r>
+            <a:r>
+              <a:rPr sz="2400" spc="-15" dirty="0">
+                <a:latin typeface="Microsoft Sans Serif"/>
+                <a:cs typeface="Microsoft Sans Serif"/>
+              </a:rPr>
+              <a:t> </a:t>
+            </a:r>
+            <a:r>
+              <a:rPr sz="2400" spc="45" dirty="0">
+                <a:latin typeface="Microsoft Sans Serif"/>
+                <a:cs typeface="Microsoft Sans Serif"/>
+              </a:rPr>
+              <a:t>empresas</a:t>
+            </a:r>
+            <a:r>
+              <a:rPr sz="2400" spc="15" dirty="0">
+                <a:latin typeface="Microsoft Sans Serif"/>
+                <a:cs typeface="Microsoft Sans Serif"/>
+              </a:rPr>
+              <a:t> </a:t>
+            </a:r>
+            <a:r>
+              <a:rPr sz="2400" spc="75" dirty="0">
+                <a:latin typeface="Microsoft Sans Serif"/>
+                <a:cs typeface="Microsoft Sans Serif"/>
+              </a:rPr>
+              <a:t>de</a:t>
+            </a:r>
+            <a:r>
+              <a:rPr sz="2400" spc="-15" dirty="0">
+                <a:latin typeface="Microsoft Sans Serif"/>
+                <a:cs typeface="Microsoft Sans Serif"/>
+              </a:rPr>
+              <a:t> </a:t>
+            </a:r>
+            <a:r>
+              <a:rPr sz="2400" spc="80" dirty="0">
+                <a:latin typeface="Microsoft Sans Serif"/>
+                <a:cs typeface="Microsoft Sans Serif"/>
+              </a:rPr>
+              <a:t>software</a:t>
+            </a:r>
+            <a:endParaRPr sz="2400">
+              <a:latin typeface="Microsoft Sans Serif"/>
+              <a:cs typeface="Microsoft Sans Serif"/>
+            </a:endParaRPr>
+          </a:p>
+          <a:p>
+            <a:pPr>
+              <a:lnSpc>
+                <a:spcPct val="100000"/>
+              </a:lnSpc>
+              <a:spcBef>
+                <a:spcPts val="30"/>
+              </a:spcBef>
+            </a:pPr>
+            <a:endParaRPr sz="3300">
+              <a:latin typeface="Microsoft Sans Serif"/>
+              <a:cs typeface="Microsoft Sans Serif"/>
+            </a:endParaRPr>
+          </a:p>
+          <a:p>
+            <a:pPr marL="12700" marR="5080">
+              <a:lnSpc>
+                <a:spcPts val="2690"/>
+              </a:lnSpc>
+            </a:pPr>
+            <a:r>
+              <a:rPr sz="2800" spc="-100" dirty="0">
+                <a:latin typeface="Microsoft Sans Serif"/>
+                <a:cs typeface="Microsoft Sans Serif"/>
+              </a:rPr>
+              <a:t>A</a:t>
+            </a:r>
+            <a:r>
+              <a:rPr sz="2800" spc="-20" dirty="0">
+                <a:latin typeface="Microsoft Sans Serif"/>
+                <a:cs typeface="Microsoft Sans Serif"/>
+              </a:rPr>
+              <a:t> </a:t>
+            </a:r>
+            <a:r>
+              <a:rPr sz="2800" spc="60" dirty="0">
+                <a:latin typeface="Microsoft Sans Serif"/>
+                <a:cs typeface="Microsoft Sans Serif"/>
+              </a:rPr>
+              <a:t>pesar</a:t>
+            </a:r>
+            <a:r>
+              <a:rPr sz="2800" spc="-15" dirty="0">
+                <a:latin typeface="Microsoft Sans Serif"/>
+                <a:cs typeface="Microsoft Sans Serif"/>
+              </a:rPr>
+              <a:t> </a:t>
+            </a:r>
+            <a:r>
+              <a:rPr sz="2800" spc="80" dirty="0">
+                <a:latin typeface="Microsoft Sans Serif"/>
+                <a:cs typeface="Microsoft Sans Serif"/>
+              </a:rPr>
+              <a:t>de</a:t>
+            </a:r>
+            <a:r>
+              <a:rPr sz="2800" spc="-10" dirty="0">
+                <a:latin typeface="Microsoft Sans Serif"/>
+                <a:cs typeface="Microsoft Sans Serif"/>
+              </a:rPr>
+              <a:t> </a:t>
+            </a:r>
+            <a:r>
+              <a:rPr sz="2800" dirty="0">
+                <a:latin typeface="Microsoft Sans Serif"/>
+                <a:cs typeface="Microsoft Sans Serif"/>
+              </a:rPr>
+              <a:t>las</a:t>
+            </a:r>
+            <a:r>
+              <a:rPr sz="2800" spc="-20" dirty="0">
+                <a:latin typeface="Microsoft Sans Serif"/>
+                <a:cs typeface="Microsoft Sans Serif"/>
+              </a:rPr>
+              <a:t> </a:t>
+            </a:r>
+            <a:r>
+              <a:rPr sz="2800" spc="30" dirty="0">
+                <a:latin typeface="Microsoft Sans Serif"/>
+                <a:cs typeface="Microsoft Sans Serif"/>
+              </a:rPr>
+              <a:t>iniciativas,</a:t>
+            </a:r>
+            <a:r>
+              <a:rPr sz="2800" spc="15" dirty="0">
+                <a:latin typeface="Microsoft Sans Serif"/>
+                <a:cs typeface="Microsoft Sans Serif"/>
+              </a:rPr>
+              <a:t> </a:t>
+            </a:r>
+            <a:r>
+              <a:rPr sz="2800" spc="40" dirty="0">
+                <a:latin typeface="Microsoft Sans Serif"/>
+                <a:cs typeface="Microsoft Sans Serif"/>
+              </a:rPr>
+              <a:t>Hoy</a:t>
+            </a:r>
+            <a:r>
+              <a:rPr sz="2800" spc="-15" dirty="0">
+                <a:latin typeface="Microsoft Sans Serif"/>
+                <a:cs typeface="Microsoft Sans Serif"/>
+              </a:rPr>
+              <a:t> </a:t>
+            </a:r>
+            <a:r>
+              <a:rPr sz="2800" spc="55" dirty="0">
+                <a:latin typeface="Microsoft Sans Serif"/>
+                <a:cs typeface="Microsoft Sans Serif"/>
+              </a:rPr>
+              <a:t>seguimos</a:t>
+            </a:r>
+            <a:r>
+              <a:rPr sz="2800" spc="-15" dirty="0">
+                <a:latin typeface="Microsoft Sans Serif"/>
+                <a:cs typeface="Microsoft Sans Serif"/>
+              </a:rPr>
+              <a:t> </a:t>
+            </a:r>
+            <a:r>
+              <a:rPr sz="2800" spc="70" dirty="0">
+                <a:latin typeface="Microsoft Sans Serif"/>
+                <a:cs typeface="Microsoft Sans Serif"/>
+              </a:rPr>
+              <a:t>con</a:t>
+            </a:r>
+            <a:r>
+              <a:rPr sz="2800" spc="-20" dirty="0">
+                <a:latin typeface="Microsoft Sans Serif"/>
+                <a:cs typeface="Microsoft Sans Serif"/>
+              </a:rPr>
+              <a:t> </a:t>
+            </a:r>
+            <a:r>
+              <a:rPr sz="2800" spc="90" dirty="0">
+                <a:latin typeface="Microsoft Sans Serif"/>
+                <a:cs typeface="Microsoft Sans Serif"/>
+              </a:rPr>
+              <a:t>muchos</a:t>
+            </a:r>
+            <a:r>
+              <a:rPr sz="2800" spc="-15" dirty="0">
+                <a:latin typeface="Microsoft Sans Serif"/>
+                <a:cs typeface="Microsoft Sans Serif"/>
+              </a:rPr>
+              <a:t> </a:t>
+            </a:r>
+            <a:r>
+              <a:rPr sz="2800" spc="80" dirty="0">
+                <a:latin typeface="Microsoft Sans Serif"/>
+                <a:cs typeface="Microsoft Sans Serif"/>
+              </a:rPr>
+              <a:t>de</a:t>
+            </a:r>
+            <a:r>
+              <a:rPr sz="2800" spc="-5" dirty="0">
+                <a:latin typeface="Microsoft Sans Serif"/>
+                <a:cs typeface="Microsoft Sans Serif"/>
+              </a:rPr>
+              <a:t> </a:t>
+            </a:r>
+            <a:r>
+              <a:rPr sz="2800" spc="40" dirty="0">
+                <a:latin typeface="Microsoft Sans Serif"/>
+                <a:cs typeface="Microsoft Sans Serif"/>
+              </a:rPr>
+              <a:t>los </a:t>
+            </a:r>
+            <a:r>
+              <a:rPr sz="2800" spc="-730" dirty="0">
+                <a:latin typeface="Microsoft Sans Serif"/>
+                <a:cs typeface="Microsoft Sans Serif"/>
+              </a:rPr>
+              <a:t> </a:t>
+            </a:r>
+            <a:r>
+              <a:rPr sz="2800" spc="95" dirty="0">
+                <a:latin typeface="Microsoft Sans Serif"/>
+                <a:cs typeface="Microsoft Sans Serif"/>
+              </a:rPr>
+              <a:t>problemas</a:t>
+            </a:r>
+            <a:r>
+              <a:rPr sz="2800" spc="-25" dirty="0">
+                <a:latin typeface="Microsoft Sans Serif"/>
+                <a:cs typeface="Microsoft Sans Serif"/>
+              </a:rPr>
+              <a:t> </a:t>
+            </a:r>
+            <a:r>
+              <a:rPr sz="2800" spc="110" dirty="0">
+                <a:latin typeface="Microsoft Sans Serif"/>
+                <a:cs typeface="Microsoft Sans Serif"/>
+              </a:rPr>
+              <a:t>que</a:t>
+            </a:r>
+            <a:r>
+              <a:rPr sz="2800" spc="-15" dirty="0">
+                <a:latin typeface="Microsoft Sans Serif"/>
+                <a:cs typeface="Microsoft Sans Serif"/>
+              </a:rPr>
+              <a:t> </a:t>
+            </a:r>
+            <a:r>
+              <a:rPr sz="2800" spc="-30" dirty="0">
+                <a:latin typeface="Microsoft Sans Serif"/>
+                <a:cs typeface="Microsoft Sans Serif"/>
+              </a:rPr>
+              <a:t>se</a:t>
+            </a:r>
+            <a:r>
+              <a:rPr sz="2800" spc="-20" dirty="0">
+                <a:latin typeface="Microsoft Sans Serif"/>
+                <a:cs typeface="Microsoft Sans Serif"/>
+              </a:rPr>
+              <a:t> </a:t>
+            </a:r>
+            <a:r>
+              <a:rPr sz="2800" spc="95" dirty="0">
+                <a:latin typeface="Microsoft Sans Serif"/>
+                <a:cs typeface="Microsoft Sans Serif"/>
+              </a:rPr>
+              <a:t>tenían</a:t>
+            </a:r>
+            <a:r>
+              <a:rPr sz="2800" spc="-20" dirty="0">
+                <a:latin typeface="Microsoft Sans Serif"/>
+                <a:cs typeface="Microsoft Sans Serif"/>
+              </a:rPr>
+              <a:t> </a:t>
+            </a:r>
+            <a:r>
+              <a:rPr sz="2800" spc="80" dirty="0">
+                <a:latin typeface="Microsoft Sans Serif"/>
+                <a:cs typeface="Microsoft Sans Serif"/>
+              </a:rPr>
+              <a:t>en</a:t>
+            </a:r>
+            <a:r>
+              <a:rPr sz="2800" spc="-20" dirty="0">
+                <a:latin typeface="Microsoft Sans Serif"/>
+                <a:cs typeface="Microsoft Sans Serif"/>
+              </a:rPr>
+              <a:t> </a:t>
+            </a:r>
+            <a:r>
+              <a:rPr sz="2800" spc="-25" dirty="0">
+                <a:latin typeface="Microsoft Sans Serif"/>
+                <a:cs typeface="Microsoft Sans Serif"/>
+              </a:rPr>
+              <a:t>esa</a:t>
+            </a:r>
+            <a:r>
+              <a:rPr sz="2800" spc="-20" dirty="0">
+                <a:latin typeface="Microsoft Sans Serif"/>
+                <a:cs typeface="Microsoft Sans Serif"/>
+              </a:rPr>
+              <a:t> </a:t>
+            </a:r>
+            <a:r>
+              <a:rPr sz="2800" spc="30" dirty="0">
+                <a:latin typeface="Microsoft Sans Serif"/>
+                <a:cs typeface="Microsoft Sans Serif"/>
+              </a:rPr>
+              <a:t>época.</a:t>
+            </a:r>
+            <a:endParaRPr sz="2800">
+              <a:latin typeface="Microsoft Sans Serif"/>
+              <a:cs typeface="Microsoft Sans Serif"/>
+            </a:endParaRPr>
+          </a:p>
+        </p:txBody>
+      </p:sp>
+      <p:sp>
+        <p:nvSpPr>
+          <p:cNvPr id="4" name="object 4"/>
+          <p:cNvSpPr txBox="1"/>
+          <p:nvPr/>
+        </p:nvSpPr>
+        <p:spPr>
+          <a:xfrm>
+            <a:off x="11093957" y="6427114"/>
+            <a:ext cx="181610" cy="208279"/>
+          </a:xfrm>
+          <a:prstGeom prst="rect">
+            <a:avLst/>
+          </a:prstGeom>
+        </p:spPr>
+        <p:txBody>
+          <a:bodyPr vert="horz" wrap="square" lIns="0" tIns="12700" rIns="0" bIns="0" rtlCol="0">
+            <a:spAutoFit/>
+          </a:bodyPr>
+          <a:lstStyle/>
+          <a:p>
+            <a:pPr marL="12700">
+              <a:lnSpc>
+                <a:spcPct val="100000"/>
+              </a:lnSpc>
+              <a:spcBef>
+                <a:spcPts val="100"/>
+              </a:spcBef>
+            </a:pPr>
+            <a:r>
+              <a:rPr sz="1200" spc="5" dirty="0">
+                <a:solidFill>
+                  <a:srgbClr val="888888"/>
+                </a:solidFill>
+                <a:latin typeface="Calibri"/>
+                <a:cs typeface="Calibri"/>
+              </a:rPr>
+              <a:t>27</a:t>
+            </a:r>
+            <a:endParaRPr sz="1200">
+              <a:latin typeface="Calibri"/>
+              <a:cs typeface="Calibri"/>
+            </a:endParaRPr>
+          </a:p>
+        </p:txBody>
+      </p:sp>
+    </p:spTree>
+  </p:cSld>
+  <p:clrMapOvr>
+    <a:masterClrMapping/>
+  </p:clrMapOvr>
+</p:sld>
+</file>
+
 <file path=ppt/slides/slide27.xml><?xml version="1.0" encoding="utf-8"?>
 <p:sld xmlns:a="http://schemas.openxmlformats.org/drawingml/2006/main" xmlns:r="http://schemas.openxmlformats.org/officeDocument/2006/relationships" xmlns:p="http://schemas.openxmlformats.org/presentationml/2006/main">
   <p:cSld>
@@ -8654,124 +10043,131 @@
           </p:nvPr>
         </p:nvSpPr>
         <p:spPr>
-          <a:prstGeom prst="rect"/>
+          <a:prstGeom prst="rect">
+            <a:avLst/>
+          </a:prstGeom>
         </p:spPr>
         <p:txBody>
-          <a:bodyPr wrap="square" lIns="0" tIns="12065" rIns="0" bIns="0" rtlCol="0" vert="horz">
+          <a:bodyPr vert="horz" wrap="square" lIns="0" tIns="60325" rIns="0" bIns="0" rtlCol="0">
             <a:spAutoFit/>
           </a:bodyPr>
           <a:lstStyle/>
           <a:p>
-            <a:pPr marL="12700">
+            <a:pPr marL="12700" marR="5080">
               <a:lnSpc>
-                <a:spcPts val="3025"/>
+                <a:spcPts val="3030"/>
               </a:lnSpc>
               <a:spcBef>
-                <a:spcPts val="95"/>
+                <a:spcPts val="475"/>
               </a:spcBef>
             </a:pPr>
             <a:r>
-              <a:rPr dirty="0" spc="15"/>
+              <a:rPr spc="15" dirty="0"/>
               <a:t>Existen</a:t>
             </a:r>
             <a:r>
-              <a:rPr dirty="0" spc="-10"/>
-              <a:t> </a:t>
-            </a:r>
-            <a:r>
-              <a:rPr dirty="0" spc="45"/>
-              <a:t>iniciativas</a:t>
-            </a:r>
-            <a:r>
-              <a:rPr dirty="0" spc="10"/>
-              <a:t> </a:t>
-            </a:r>
-            <a:r>
-              <a:rPr dirty="0" spc="75"/>
-              <a:t>para</a:t>
-            </a:r>
-            <a:r>
-              <a:rPr dirty="0" spc="-15"/>
-              <a:t> </a:t>
-            </a:r>
-            <a:r>
-              <a:rPr dirty="0" spc="105"/>
-              <a:t>construir</a:t>
-            </a:r>
-            <a:r>
-              <a:rPr dirty="0" spc="-20"/>
-              <a:t> </a:t>
-            </a:r>
-            <a:r>
-              <a:rPr dirty="0" spc="105"/>
-              <a:t>una</a:t>
-            </a:r>
-            <a:r>
-              <a:rPr dirty="0" spc="-20"/>
-              <a:t> </a:t>
-            </a:r>
-            <a:r>
-              <a:rPr dirty="0" spc="65"/>
+              <a:rPr spc="-10" dirty="0"/>
+              <a:t> </a:t>
+            </a:r>
+            <a:r>
+              <a:rPr spc="55" dirty="0"/>
+              <a:t>diferencias</a:t>
+            </a:r>
+            <a:r>
+              <a:rPr spc="-5" dirty="0"/>
+              <a:t> </a:t>
+            </a:r>
+            <a:r>
+              <a:rPr spc="105" dirty="0"/>
+              <a:t>entre</a:t>
+            </a:r>
+            <a:r>
+              <a:rPr spc="-20" dirty="0"/>
+              <a:t> </a:t>
+            </a:r>
+            <a:r>
+              <a:rPr dirty="0"/>
+              <a:t>las</a:t>
+            </a:r>
+            <a:r>
+              <a:rPr spc="-10" dirty="0"/>
+              <a:t> </a:t>
+            </a:r>
+            <a:r>
+              <a:rPr spc="45" dirty="0"/>
+              <a:t>tareas</a:t>
+            </a:r>
+            <a:r>
+              <a:rPr dirty="0"/>
+              <a:t> </a:t>
+            </a:r>
+            <a:r>
+              <a:rPr spc="85" dirty="0"/>
+              <a:t>de</a:t>
+            </a:r>
+            <a:r>
+              <a:rPr spc="-15" dirty="0"/>
+              <a:t> </a:t>
+            </a:r>
+            <a:r>
+              <a:rPr spc="75" dirty="0"/>
+              <a:t>“programación”</a:t>
+            </a:r>
+            <a:r>
+              <a:rPr spc="-35" dirty="0"/>
+              <a:t> </a:t>
+            </a:r>
+            <a:r>
+              <a:rPr spc="10" dirty="0"/>
+              <a:t>y</a:t>
+            </a:r>
+            <a:r>
+              <a:rPr spc="-20" dirty="0"/>
+              <a:t> </a:t>
+            </a:r>
+            <a:r>
+              <a:rPr dirty="0"/>
+              <a:t>las </a:t>
+            </a:r>
+            <a:r>
+              <a:rPr spc="-725" dirty="0"/>
+              <a:t> </a:t>
+            </a:r>
+            <a:r>
+              <a:rPr spc="45" dirty="0"/>
+              <a:t>tareas</a:t>
+            </a:r>
+            <a:r>
+              <a:rPr spc="-10" dirty="0"/>
+              <a:t> </a:t>
+            </a:r>
+            <a:r>
+              <a:rPr spc="80" dirty="0"/>
+              <a:t>de</a:t>
+            </a:r>
+            <a:r>
+              <a:rPr spc="-20" dirty="0"/>
+              <a:t> </a:t>
+            </a:r>
+            <a:r>
+              <a:rPr spc="65" dirty="0"/>
               <a:t>“ingeniería</a:t>
             </a:r>
             <a:r>
-              <a:rPr dirty="0" spc="-15"/>
-              <a:t> </a:t>
-            </a:r>
-            <a:r>
-              <a:rPr dirty="0" spc="85"/>
+              <a:rPr spc="-15" dirty="0"/>
+              <a:t> </a:t>
+            </a:r>
+            <a:r>
+              <a:rPr spc="80" dirty="0"/>
               <a:t>de</a:t>
             </a:r>
             <a:r>
-              <a:rPr dirty="0" spc="-10"/>
-              <a:t> </a:t>
-            </a:r>
-            <a:r>
-              <a:rPr dirty="0" spc="80"/>
+              <a:rPr spc="-10" dirty="0"/>
+              <a:t> </a:t>
+            </a:r>
+            <a:r>
+              <a:rPr spc="80" dirty="0"/>
               <a:t>software”</a:t>
-            </a:r>
-          </a:p>
-          <a:p>
-            <a:pPr marL="12700">
-              <a:lnSpc>
-                <a:spcPts val="3025"/>
-              </a:lnSpc>
-            </a:pPr>
-            <a:r>
-              <a:rPr dirty="0" spc="50"/>
-              <a:t>desde</a:t>
-            </a:r>
-            <a:r>
-              <a:rPr dirty="0" spc="-20"/>
-              <a:t> </a:t>
-            </a:r>
-            <a:r>
-              <a:rPr dirty="0" spc="55"/>
-              <a:t>finales</a:t>
-            </a:r>
-            <a:r>
-              <a:rPr dirty="0"/>
-              <a:t> </a:t>
-            </a:r>
-            <a:r>
-              <a:rPr dirty="0" spc="80"/>
-              <a:t>de</a:t>
-            </a:r>
-            <a:r>
-              <a:rPr dirty="0" spc="-20"/>
-              <a:t> </a:t>
-            </a:r>
-            <a:r>
-              <a:rPr dirty="0" spc="40"/>
-              <a:t>los</a:t>
-            </a:r>
-            <a:r>
-              <a:rPr dirty="0" spc="-20"/>
-              <a:t> </a:t>
-            </a:r>
-            <a:r>
-              <a:rPr dirty="0" spc="15"/>
-              <a:t>1960s</a:t>
             </a:r>
           </a:p>
         </p:txBody>
@@ -8784,122 +10180,94 @@
         </p:nvSpPr>
         <p:spPr>
           <a:xfrm>
-            <a:off x="916939" y="3086227"/>
-            <a:ext cx="9732645" cy="2266950"/>
+            <a:off x="1374394" y="3119754"/>
+            <a:ext cx="7482840" cy="1597025"/>
           </a:xfrm>
           <a:prstGeom prst="rect">
             <a:avLst/>
           </a:prstGeom>
         </p:spPr>
         <p:txBody>
-          <a:bodyPr wrap="square" lIns="0" tIns="12700" rIns="0" bIns="0" rtlCol="0" vert="horz">
+          <a:bodyPr vert="horz" wrap="square" lIns="0" tIns="40005" rIns="0" bIns="0" rtlCol="0">
             <a:spAutoFit/>
           </a:bodyPr>
           <a:lstStyle/>
           <a:p>
-            <a:pPr marL="698500" indent="-229235">
+            <a:pPr marL="241300" indent="-228600">
               <a:lnSpc>
-                <a:spcPts val="2845"/>
+                <a:spcPct val="100000"/>
               </a:lnSpc>
               <a:spcBef>
-                <a:spcPts val="100"/>
+                <a:spcPts val="315"/>
               </a:spcBef>
               <a:buFont typeface="Arial MT"/>
               <a:buChar char="•"/>
               <a:tabLst>
-                <a:tab pos="699135" algn="l"/>
+                <a:tab pos="241300" algn="l"/>
               </a:tabLst>
             </a:pPr>
             <a:r>
-              <a:rPr dirty="0" sz="2400" spc="95">
-                <a:latin typeface="Microsoft Sans Serif"/>
-                <a:cs typeface="Microsoft Sans Serif"/>
-              </a:rPr>
-              <a:t>Mejorar</a:t>
-            </a:r>
-            <a:r>
-              <a:rPr dirty="0" sz="2400" spc="-30">
-                <a:latin typeface="Microsoft Sans Serif"/>
-                <a:cs typeface="Microsoft Sans Serif"/>
-              </a:rPr>
-              <a:t> </a:t>
-            </a:r>
-            <a:r>
-              <a:rPr dirty="0" sz="2400">
-                <a:latin typeface="Microsoft Sans Serif"/>
-                <a:cs typeface="Microsoft Sans Serif"/>
-              </a:rPr>
-              <a:t>las</a:t>
-            </a:r>
-            <a:r>
-              <a:rPr dirty="0" sz="2400" spc="-15">
-                <a:latin typeface="Microsoft Sans Serif"/>
-                <a:cs typeface="Microsoft Sans Serif"/>
-              </a:rPr>
-              <a:t> </a:t>
-            </a:r>
-            <a:r>
-              <a:rPr dirty="0" sz="2400" spc="35">
-                <a:latin typeface="Microsoft Sans Serif"/>
-                <a:cs typeface="Microsoft Sans Serif"/>
-              </a:rPr>
-              <a:t>prácticas</a:t>
-            </a:r>
-            <a:r>
-              <a:rPr dirty="0" sz="2400" spc="-15">
-                <a:latin typeface="Microsoft Sans Serif"/>
-                <a:cs typeface="Microsoft Sans Serif"/>
-              </a:rPr>
-              <a:t> </a:t>
-            </a:r>
-            <a:r>
-              <a:rPr dirty="0" sz="2400" spc="75">
-                <a:latin typeface="Microsoft Sans Serif"/>
-                <a:cs typeface="Microsoft Sans Serif"/>
-              </a:rPr>
-              <a:t>de</a:t>
-            </a:r>
-            <a:r>
-              <a:rPr dirty="0" sz="2400" spc="-20">
-                <a:latin typeface="Microsoft Sans Serif"/>
-                <a:cs typeface="Microsoft Sans Serif"/>
-              </a:rPr>
-              <a:t> </a:t>
-            </a:r>
-            <a:r>
-              <a:rPr dirty="0" sz="2400" spc="70">
-                <a:latin typeface="Microsoft Sans Serif"/>
-                <a:cs typeface="Microsoft Sans Serif"/>
-              </a:rPr>
-              <a:t>desarrollo</a:t>
-            </a:r>
-            <a:r>
-              <a:rPr dirty="0" sz="2400" spc="-15">
-                <a:latin typeface="Microsoft Sans Serif"/>
-                <a:cs typeface="Microsoft Sans Serif"/>
-              </a:rPr>
-              <a:t> </a:t>
-            </a:r>
-            <a:r>
-              <a:rPr dirty="0" sz="2400" spc="70">
-                <a:latin typeface="Microsoft Sans Serif"/>
-                <a:cs typeface="Microsoft Sans Serif"/>
-              </a:rPr>
-              <a:t>de</a:t>
-            </a:r>
-            <a:r>
-              <a:rPr dirty="0" sz="2400" spc="-5">
-                <a:latin typeface="Microsoft Sans Serif"/>
-                <a:cs typeface="Microsoft Sans Serif"/>
-              </a:rPr>
-              <a:t> </a:t>
-            </a:r>
-            <a:r>
-              <a:rPr dirty="0" sz="2400" spc="80">
-                <a:latin typeface="Microsoft Sans Serif"/>
-                <a:cs typeface="Microsoft Sans Serif"/>
-              </a:rPr>
-              <a:t>software</a:t>
+              <a:rPr sz="2400" spc="70" dirty="0">
+                <a:latin typeface="Microsoft Sans Serif"/>
+                <a:cs typeface="Microsoft Sans Serif"/>
+              </a:rPr>
+              <a:t>programas</a:t>
+            </a:r>
+            <a:r>
+              <a:rPr sz="2400" spc="-30" dirty="0">
+                <a:latin typeface="Microsoft Sans Serif"/>
+                <a:cs typeface="Microsoft Sans Serif"/>
+              </a:rPr>
+              <a:t> </a:t>
+            </a:r>
+            <a:r>
+              <a:rPr sz="2400" spc="55" dirty="0">
+                <a:latin typeface="Microsoft Sans Serif"/>
+                <a:cs typeface="Microsoft Sans Serif"/>
+              </a:rPr>
+              <a:t>más</a:t>
+            </a:r>
+            <a:r>
+              <a:rPr sz="2400" dirty="0">
+                <a:latin typeface="Microsoft Sans Serif"/>
+                <a:cs typeface="Microsoft Sans Serif"/>
+              </a:rPr>
+              <a:t> </a:t>
+            </a:r>
+            <a:r>
+              <a:rPr sz="2400" spc="30" dirty="0">
+                <a:latin typeface="Microsoft Sans Serif"/>
+                <a:cs typeface="Microsoft Sans Serif"/>
+              </a:rPr>
+              <a:t>grandes,</a:t>
+            </a:r>
+            <a:r>
+              <a:rPr sz="2400" spc="-15" dirty="0">
+                <a:latin typeface="Microsoft Sans Serif"/>
+                <a:cs typeface="Microsoft Sans Serif"/>
+              </a:rPr>
+              <a:t> </a:t>
+            </a:r>
+            <a:r>
+              <a:rPr sz="2400" spc="55" dirty="0">
+                <a:latin typeface="Microsoft Sans Serif"/>
+                <a:cs typeface="Microsoft Sans Serif"/>
+              </a:rPr>
+              <a:t>más</a:t>
+            </a:r>
+            <a:r>
+              <a:rPr sz="2400" spc="-5" dirty="0">
+                <a:latin typeface="Microsoft Sans Serif"/>
+                <a:cs typeface="Microsoft Sans Serif"/>
+              </a:rPr>
+              <a:t> </a:t>
+            </a:r>
+            <a:r>
+              <a:rPr sz="2400" spc="60" dirty="0">
+                <a:latin typeface="Microsoft Sans Serif"/>
+                <a:cs typeface="Microsoft Sans Serif"/>
+              </a:rPr>
+              <a:t>complejos</a:t>
             </a:r>
             <a:endParaRPr sz="2400">
               <a:latin typeface="Microsoft Sans Serif"/>
@@ -8907,120 +10275,109 @@
             </a:endParaRPr>
           </a:p>
           <a:p>
-            <a:pPr marL="698500" indent="-229235">
+            <a:pPr marL="241300" indent="-228600">
               <a:lnSpc>
-                <a:spcPts val="2800"/>
+                <a:spcPct val="100000"/>
               </a:lnSpc>
+              <a:spcBef>
+                <a:spcPts val="215"/>
+              </a:spcBef>
               <a:buFont typeface="Arial MT"/>
               <a:buChar char="•"/>
               <a:tabLst>
-                <a:tab pos="699135" algn="l"/>
+                <a:tab pos="241300" algn="l"/>
               </a:tabLst>
             </a:pPr>
             <a:r>
-              <a:rPr dirty="0" sz="2400" spc="95">
-                <a:latin typeface="Microsoft Sans Serif"/>
-                <a:cs typeface="Microsoft Sans Serif"/>
-              </a:rPr>
-              <a:t>Mejorar</a:t>
-            </a:r>
-            <a:r>
-              <a:rPr dirty="0" sz="2400" spc="-30">
-                <a:latin typeface="Microsoft Sans Serif"/>
-                <a:cs typeface="Microsoft Sans Serif"/>
-              </a:rPr>
-              <a:t> </a:t>
-            </a:r>
-            <a:r>
-              <a:rPr dirty="0" sz="2400" spc="25">
-                <a:latin typeface="Microsoft Sans Serif"/>
-                <a:cs typeface="Microsoft Sans Serif"/>
-              </a:rPr>
-              <a:t>la</a:t>
-            </a:r>
-            <a:r>
-              <a:rPr dirty="0" sz="2400" spc="-15">
-                <a:latin typeface="Microsoft Sans Serif"/>
-                <a:cs typeface="Microsoft Sans Serif"/>
-              </a:rPr>
-              <a:t> </a:t>
-            </a:r>
-            <a:r>
-              <a:rPr dirty="0" sz="2400" spc="45">
-                <a:latin typeface="Microsoft Sans Serif"/>
-                <a:cs typeface="Microsoft Sans Serif"/>
-              </a:rPr>
-              <a:t>calidad</a:t>
-            </a:r>
-            <a:r>
-              <a:rPr dirty="0" sz="2400" spc="-5">
-                <a:latin typeface="Microsoft Sans Serif"/>
-                <a:cs typeface="Microsoft Sans Serif"/>
-              </a:rPr>
-              <a:t> </a:t>
-            </a:r>
-            <a:r>
-              <a:rPr dirty="0" sz="2400" spc="70">
+              <a:rPr sz="2400" spc="75" dirty="0">
+                <a:latin typeface="Microsoft Sans Serif"/>
+                <a:cs typeface="Microsoft Sans Serif"/>
+              </a:rPr>
+              <a:t>equipos</a:t>
+            </a:r>
+            <a:r>
+              <a:rPr sz="2400" spc="-20" dirty="0">
+                <a:latin typeface="Microsoft Sans Serif"/>
+                <a:cs typeface="Microsoft Sans Serif"/>
+              </a:rPr>
+              <a:t> </a:t>
+            </a:r>
+            <a:r>
+              <a:rPr sz="2400" spc="70" dirty="0">
                 <a:latin typeface="Microsoft Sans Serif"/>
                 <a:cs typeface="Microsoft Sans Serif"/>
               </a:rPr>
               <a:t>de</a:t>
             </a:r>
             <a:r>
-              <a:rPr dirty="0" sz="2400" spc="-15">
-                <a:latin typeface="Microsoft Sans Serif"/>
-                <a:cs typeface="Microsoft Sans Serif"/>
-              </a:rPr>
-              <a:t> </a:t>
-            </a:r>
-            <a:r>
-              <a:rPr dirty="0" sz="2400" spc="40">
-                <a:latin typeface="Microsoft Sans Serif"/>
-                <a:cs typeface="Microsoft Sans Serif"/>
-              </a:rPr>
-              <a:t>los</a:t>
-            </a:r>
-            <a:r>
-              <a:rPr dirty="0" sz="2400" spc="-10">
-                <a:latin typeface="Microsoft Sans Serif"/>
-                <a:cs typeface="Microsoft Sans Serif"/>
-              </a:rPr>
-              <a:t> </a:t>
-            </a:r>
-            <a:r>
-              <a:rPr dirty="0" sz="2400" spc="90">
-                <a:latin typeface="Microsoft Sans Serif"/>
-                <a:cs typeface="Microsoft Sans Serif"/>
-              </a:rPr>
-              <a:t>productos</a:t>
-            </a:r>
-            <a:r>
-              <a:rPr dirty="0" sz="2400" spc="-40">
-                <a:latin typeface="Microsoft Sans Serif"/>
-                <a:cs typeface="Microsoft Sans Serif"/>
-              </a:rPr>
-              <a:t> </a:t>
-            </a:r>
-            <a:r>
-              <a:rPr dirty="0" sz="2400" spc="70">
-                <a:latin typeface="Microsoft Sans Serif"/>
-                <a:cs typeface="Microsoft Sans Serif"/>
-              </a:rPr>
-              <a:t>de</a:t>
-            </a:r>
-            <a:r>
-              <a:rPr dirty="0" sz="2400" spc="-5">
-                <a:latin typeface="Microsoft Sans Serif"/>
-                <a:cs typeface="Microsoft Sans Serif"/>
-              </a:rPr>
-              <a:t> </a:t>
-            </a:r>
-            <a:r>
-              <a:rPr dirty="0" sz="2400" spc="80">
-                <a:latin typeface="Microsoft Sans Serif"/>
-                <a:cs typeface="Microsoft Sans Serif"/>
-              </a:rPr>
-              <a:t>software</a:t>
+              <a:rPr sz="2400" spc="-15" dirty="0">
+                <a:latin typeface="Microsoft Sans Serif"/>
+                <a:cs typeface="Microsoft Sans Serif"/>
+              </a:rPr>
+              <a:t> </a:t>
+            </a:r>
+            <a:r>
+              <a:rPr sz="2400" spc="75" dirty="0">
+                <a:latin typeface="Microsoft Sans Serif"/>
+                <a:cs typeface="Microsoft Sans Serif"/>
+              </a:rPr>
+              <a:t>desarrollo</a:t>
+            </a:r>
+            <a:r>
+              <a:rPr sz="2400" spc="-20" dirty="0">
+                <a:latin typeface="Microsoft Sans Serif"/>
+                <a:cs typeface="Microsoft Sans Serif"/>
+              </a:rPr>
+              <a:t> </a:t>
+            </a:r>
+            <a:r>
+              <a:rPr sz="2400" spc="55" dirty="0">
+                <a:latin typeface="Microsoft Sans Serif"/>
+                <a:cs typeface="Microsoft Sans Serif"/>
+              </a:rPr>
+              <a:t>más</a:t>
+            </a:r>
+            <a:r>
+              <a:rPr sz="2400" spc="-25" dirty="0">
+                <a:latin typeface="Microsoft Sans Serif"/>
+                <a:cs typeface="Microsoft Sans Serif"/>
+              </a:rPr>
+              <a:t> </a:t>
+            </a:r>
+            <a:r>
+              <a:rPr sz="2400" spc="30" dirty="0">
+                <a:latin typeface="Microsoft Sans Serif"/>
+                <a:cs typeface="Microsoft Sans Serif"/>
+              </a:rPr>
+              <a:t>grandes,</a:t>
+            </a:r>
+            <a:r>
+              <a:rPr sz="2400" spc="-20" dirty="0">
+                <a:latin typeface="Microsoft Sans Serif"/>
+                <a:cs typeface="Microsoft Sans Serif"/>
+              </a:rPr>
+              <a:t> </a:t>
+            </a:r>
+            <a:r>
+              <a:rPr sz="2400" spc="50" dirty="0">
+                <a:latin typeface="Microsoft Sans Serif"/>
+                <a:cs typeface="Microsoft Sans Serif"/>
+              </a:rPr>
+              <a:t>varios</a:t>
+            </a:r>
+            <a:r>
+              <a:rPr sz="2400" spc="-25" dirty="0">
+                <a:latin typeface="Microsoft Sans Serif"/>
+                <a:cs typeface="Microsoft Sans Serif"/>
+              </a:rPr>
+              <a:t> </a:t>
+            </a:r>
+            <a:r>
+              <a:rPr sz="2400" spc="75" dirty="0">
+                <a:latin typeface="Microsoft Sans Serif"/>
+                <a:cs typeface="Microsoft Sans Serif"/>
+              </a:rPr>
+              <a:t>equipos</a:t>
             </a:r>
             <a:endParaRPr sz="2400">
               <a:latin typeface="Microsoft Sans Serif"/>
@@ -9028,134 +10385,74 @@
             </a:endParaRPr>
           </a:p>
           <a:p>
-            <a:pPr marL="698500" indent="-229235">
+            <a:pPr marL="241300" indent="-228600">
               <a:lnSpc>
-                <a:spcPts val="2840"/>
+                <a:spcPct val="100000"/>
               </a:lnSpc>
+              <a:spcBef>
+                <a:spcPts val="220"/>
+              </a:spcBef>
               <a:buFont typeface="Arial MT"/>
               <a:buChar char="•"/>
               <a:tabLst>
-                <a:tab pos="699135" algn="l"/>
+                <a:tab pos="241300" algn="l"/>
               </a:tabLst>
             </a:pPr>
             <a:r>
-              <a:rPr dirty="0" sz="2400" spc="95">
-                <a:latin typeface="Microsoft Sans Serif"/>
-                <a:cs typeface="Microsoft Sans Serif"/>
-              </a:rPr>
-              <a:t>Mejorar</a:t>
-            </a:r>
-            <a:r>
-              <a:rPr dirty="0" sz="2400" spc="-30">
-                <a:latin typeface="Microsoft Sans Serif"/>
-                <a:cs typeface="Microsoft Sans Serif"/>
-              </a:rPr>
-              <a:t> </a:t>
-            </a:r>
-            <a:r>
-              <a:rPr dirty="0" sz="2400" spc="30">
-                <a:latin typeface="Microsoft Sans Serif"/>
-                <a:cs typeface="Microsoft Sans Serif"/>
-              </a:rPr>
-              <a:t>la</a:t>
-            </a:r>
-            <a:r>
-              <a:rPr dirty="0" sz="2400" spc="-15">
-                <a:latin typeface="Microsoft Sans Serif"/>
-                <a:cs typeface="Microsoft Sans Serif"/>
-              </a:rPr>
-              <a:t> </a:t>
-            </a:r>
-            <a:r>
-              <a:rPr dirty="0" sz="2400" spc="30">
-                <a:latin typeface="Microsoft Sans Serif"/>
-                <a:cs typeface="Microsoft Sans Serif"/>
-              </a:rPr>
-              <a:t>eficiencia</a:t>
-            </a:r>
-            <a:r>
-              <a:rPr dirty="0" sz="2400" spc="-10">
-                <a:latin typeface="Microsoft Sans Serif"/>
-                <a:cs typeface="Microsoft Sans Serif"/>
-              </a:rPr>
-              <a:t> </a:t>
-            </a:r>
-            <a:r>
-              <a:rPr dirty="0" sz="2400" spc="215">
-                <a:latin typeface="Microsoft Sans Serif"/>
-                <a:cs typeface="Microsoft Sans Serif"/>
-              </a:rPr>
-              <a:t>/</a:t>
-            </a:r>
-            <a:r>
-              <a:rPr dirty="0" sz="2400" spc="-15">
-                <a:latin typeface="Microsoft Sans Serif"/>
-                <a:cs typeface="Microsoft Sans Serif"/>
-              </a:rPr>
-              <a:t> </a:t>
-            </a:r>
-            <a:r>
-              <a:rPr dirty="0" sz="2400" spc="85">
-                <a:latin typeface="Microsoft Sans Serif"/>
-                <a:cs typeface="Microsoft Sans Serif"/>
-              </a:rPr>
-              <a:t>rentabilidad</a:t>
-            </a:r>
-            <a:r>
-              <a:rPr dirty="0" sz="2400" spc="-5">
-                <a:latin typeface="Microsoft Sans Serif"/>
-                <a:cs typeface="Microsoft Sans Serif"/>
-              </a:rPr>
-              <a:t> </a:t>
-            </a:r>
-            <a:r>
-              <a:rPr dirty="0" sz="2400" spc="75">
-                <a:latin typeface="Microsoft Sans Serif"/>
-                <a:cs typeface="Microsoft Sans Serif"/>
-              </a:rPr>
-              <a:t>de</a:t>
-            </a:r>
-            <a:r>
-              <a:rPr dirty="0" sz="2400" spc="-15">
-                <a:latin typeface="Microsoft Sans Serif"/>
-                <a:cs typeface="Microsoft Sans Serif"/>
-              </a:rPr>
-              <a:t> </a:t>
-            </a:r>
-            <a:r>
-              <a:rPr dirty="0" sz="2400" spc="45">
-                <a:latin typeface="Microsoft Sans Serif"/>
-                <a:cs typeface="Microsoft Sans Serif"/>
-              </a:rPr>
-              <a:t>empresas</a:t>
-            </a:r>
-            <a:r>
-              <a:rPr dirty="0" sz="2400" spc="15">
-                <a:latin typeface="Microsoft Sans Serif"/>
-                <a:cs typeface="Microsoft Sans Serif"/>
-              </a:rPr>
-              <a:t> </a:t>
-            </a:r>
-            <a:r>
-              <a:rPr dirty="0" sz="2400" spc="75">
-                <a:latin typeface="Microsoft Sans Serif"/>
-                <a:cs typeface="Microsoft Sans Serif"/>
-              </a:rPr>
-              <a:t>de</a:t>
-            </a:r>
-            <a:r>
-              <a:rPr dirty="0" sz="2400" spc="-15">
-                <a:latin typeface="Microsoft Sans Serif"/>
-                <a:cs typeface="Microsoft Sans Serif"/>
-              </a:rPr>
-              <a:t> </a:t>
-            </a:r>
-            <a:r>
-              <a:rPr dirty="0" sz="2400" spc="80">
-                <a:latin typeface="Microsoft Sans Serif"/>
-                <a:cs typeface="Microsoft Sans Serif"/>
-              </a:rPr>
-              <a:t>software</a:t>
+              <a:rPr sz="2400" spc="80" dirty="0">
+                <a:latin typeface="Microsoft Sans Serif"/>
+                <a:cs typeface="Microsoft Sans Serif"/>
+              </a:rPr>
+              <a:t>muchos</a:t>
+            </a:r>
+            <a:r>
+              <a:rPr sz="2400" spc="-20" dirty="0">
+                <a:latin typeface="Microsoft Sans Serif"/>
+                <a:cs typeface="Microsoft Sans Serif"/>
+              </a:rPr>
+              <a:t> </a:t>
+            </a:r>
+            <a:r>
+              <a:rPr sz="2400" spc="25" dirty="0">
+                <a:latin typeface="Microsoft Sans Serif"/>
+                <a:cs typeface="Microsoft Sans Serif"/>
+              </a:rPr>
+              <a:t>clientes,</a:t>
+            </a:r>
+            <a:r>
+              <a:rPr sz="2400" spc="-25" dirty="0">
+                <a:latin typeface="Microsoft Sans Serif"/>
+                <a:cs typeface="Microsoft Sans Serif"/>
+              </a:rPr>
+              <a:t> </a:t>
+            </a:r>
+            <a:r>
+              <a:rPr sz="2400" spc="80" dirty="0">
+                <a:latin typeface="Microsoft Sans Serif"/>
+                <a:cs typeface="Microsoft Sans Serif"/>
+              </a:rPr>
+              <a:t>muchos</a:t>
+            </a:r>
+            <a:r>
+              <a:rPr sz="2400" spc="5" dirty="0">
+                <a:latin typeface="Microsoft Sans Serif"/>
+                <a:cs typeface="Microsoft Sans Serif"/>
+              </a:rPr>
+              <a:t> </a:t>
+            </a:r>
+            <a:r>
+              <a:rPr sz="2400" i="1" spc="-25" dirty="0">
+                <a:latin typeface="Arial"/>
+                <a:cs typeface="Arial"/>
+              </a:rPr>
+              <a:t>stakeholders</a:t>
+            </a:r>
+            <a:r>
+              <a:rPr sz="2400" spc="-25" dirty="0">
+                <a:latin typeface="Microsoft Sans Serif"/>
+                <a:cs typeface="Microsoft Sans Serif"/>
+              </a:rPr>
+              <a:t>.</a:t>
             </a:r>
             <a:endParaRPr sz="2400">
               <a:latin typeface="Microsoft Sans Serif"/>
@@ -9163,271 +10460,111 @@
             </a:endParaRPr>
           </a:p>
           <a:p>
-            <a:pPr>
+            <a:pPr marL="241300" indent="-228600">
               <a:lnSpc>
                 <a:spcPct val="100000"/>
               </a:lnSpc>
               <a:spcBef>
-                <a:spcPts val="30"/>
+                <a:spcPts val="204"/>
               </a:spcBef>
+              <a:buFont typeface="Arial MT"/>
+              <a:buChar char="•"/>
+              <a:tabLst>
+                <a:tab pos="241300" algn="l"/>
+              </a:tabLst>
             </a:pPr>
-            <a:endParaRPr sz="3300">
-              <a:latin typeface="Microsoft Sans Serif"/>
-              <a:cs typeface="Microsoft Sans Serif"/>
-            </a:endParaRPr>
-          </a:p>
-          <a:p>
-            <a:pPr marL="12700" marR="5080">
-              <a:lnSpc>
-                <a:spcPts val="2690"/>
-              </a:lnSpc>
-            </a:pPr>
-            <a:r>
-              <a:rPr dirty="0" sz="2800" spc="-100">
-                <a:latin typeface="Microsoft Sans Serif"/>
-                <a:cs typeface="Microsoft Sans Serif"/>
-              </a:rPr>
-              <a:t>A</a:t>
-            </a:r>
-            <a:r>
-              <a:rPr dirty="0" sz="2800" spc="-20">
-                <a:latin typeface="Microsoft Sans Serif"/>
-                <a:cs typeface="Microsoft Sans Serif"/>
-              </a:rPr>
-              <a:t> </a:t>
-            </a:r>
-            <a:r>
-              <a:rPr dirty="0" sz="2800" spc="60">
-                <a:latin typeface="Microsoft Sans Serif"/>
-                <a:cs typeface="Microsoft Sans Serif"/>
-              </a:rPr>
-              <a:t>pesar</a:t>
-            </a:r>
-            <a:r>
-              <a:rPr dirty="0" sz="2800" spc="-15">
-                <a:latin typeface="Microsoft Sans Serif"/>
-                <a:cs typeface="Microsoft Sans Serif"/>
-              </a:rPr>
-              <a:t> </a:t>
-            </a:r>
-            <a:r>
-              <a:rPr dirty="0" sz="2800" spc="80">
+            <a:r>
+              <a:rPr sz="2400" spc="30" dirty="0">
+                <a:latin typeface="Microsoft Sans Serif"/>
+                <a:cs typeface="Microsoft Sans Serif"/>
+              </a:rPr>
+              <a:t>énfasis</a:t>
+            </a:r>
+            <a:r>
+              <a:rPr sz="2400" spc="-5" dirty="0">
+                <a:latin typeface="Microsoft Sans Serif"/>
+                <a:cs typeface="Microsoft Sans Serif"/>
+              </a:rPr>
+              <a:t> </a:t>
+            </a:r>
+            <a:r>
+              <a:rPr sz="2400" spc="70" dirty="0">
+                <a:latin typeface="Microsoft Sans Serif"/>
+                <a:cs typeface="Microsoft Sans Serif"/>
+              </a:rPr>
+              <a:t>en</a:t>
+            </a:r>
+            <a:r>
+              <a:rPr sz="2400" spc="-5" dirty="0">
+                <a:latin typeface="Microsoft Sans Serif"/>
+                <a:cs typeface="Microsoft Sans Serif"/>
+              </a:rPr>
+              <a:t> </a:t>
+            </a:r>
+            <a:r>
+              <a:rPr sz="2400" spc="30" dirty="0">
+                <a:latin typeface="Microsoft Sans Serif"/>
+                <a:cs typeface="Microsoft Sans Serif"/>
+              </a:rPr>
+              <a:t>el</a:t>
+            </a:r>
+            <a:r>
+              <a:rPr sz="2400" spc="-5" dirty="0">
+                <a:latin typeface="Microsoft Sans Serif"/>
+                <a:cs typeface="Microsoft Sans Serif"/>
+              </a:rPr>
+              <a:t> </a:t>
+            </a:r>
+            <a:r>
+              <a:rPr sz="2400" spc="110" dirty="0">
+                <a:latin typeface="Microsoft Sans Serif"/>
+                <a:cs typeface="Microsoft Sans Serif"/>
+              </a:rPr>
+              <a:t>mantenimiento</a:t>
+            </a:r>
+            <a:r>
+              <a:rPr sz="2400" spc="-5" dirty="0">
+                <a:latin typeface="Microsoft Sans Serif"/>
+                <a:cs typeface="Microsoft Sans Serif"/>
+              </a:rPr>
+              <a:t> </a:t>
+            </a:r>
+            <a:r>
+              <a:rPr sz="2400" spc="70" dirty="0">
                 <a:latin typeface="Microsoft Sans Serif"/>
                 <a:cs typeface="Microsoft Sans Serif"/>
               </a:rPr>
               <a:t>de</a:t>
             </a:r>
             <a:r>
-              <a:rPr dirty="0" sz="2800" spc="-10">
-                <a:latin typeface="Microsoft Sans Serif"/>
-                <a:cs typeface="Microsoft Sans Serif"/>
-              </a:rPr>
-              <a:t> </a:t>
-            </a:r>
-            <a:r>
-              <a:rPr dirty="0" sz="2800">
+              <a:rPr sz="2400" spc="-5" dirty="0">
+                <a:latin typeface="Microsoft Sans Serif"/>
+                <a:cs typeface="Microsoft Sans Serif"/>
+              </a:rPr>
+              <a:t> </a:t>
+            </a:r>
+            <a:r>
+              <a:rPr sz="2400" dirty="0">
                 <a:latin typeface="Microsoft Sans Serif"/>
                 <a:cs typeface="Microsoft Sans Serif"/>
               </a:rPr>
               <a:t>las</a:t>
             </a:r>
             <a:r>
-              <a:rPr dirty="0" sz="2800" spc="-20">
-                <a:latin typeface="Microsoft Sans Serif"/>
-                <a:cs typeface="Microsoft Sans Serif"/>
-              </a:rPr>
-              <a:t> </a:t>
-            </a:r>
-            <a:r>
-              <a:rPr dirty="0" sz="2800" spc="30">
-                <a:latin typeface="Microsoft Sans Serif"/>
-                <a:cs typeface="Microsoft Sans Serif"/>
-              </a:rPr>
-              <a:t>iniciativas,</a:t>
-            </a:r>
-            <a:r>
-              <a:rPr dirty="0" sz="2800" spc="15">
-                <a:latin typeface="Microsoft Sans Serif"/>
-                <a:cs typeface="Microsoft Sans Serif"/>
-              </a:rPr>
-              <a:t> </a:t>
-            </a:r>
-            <a:r>
-              <a:rPr dirty="0" sz="2800" spc="40">
-                <a:latin typeface="Microsoft Sans Serif"/>
-                <a:cs typeface="Microsoft Sans Serif"/>
-              </a:rPr>
-              <a:t>Hoy</a:t>
-            </a:r>
-            <a:r>
-              <a:rPr dirty="0" sz="2800" spc="-15">
-                <a:latin typeface="Microsoft Sans Serif"/>
-                <a:cs typeface="Microsoft Sans Serif"/>
-              </a:rPr>
-              <a:t> </a:t>
-            </a:r>
-            <a:r>
-              <a:rPr dirty="0" sz="2800" spc="55">
-                <a:latin typeface="Microsoft Sans Serif"/>
-                <a:cs typeface="Microsoft Sans Serif"/>
-              </a:rPr>
-              <a:t>seguimos</a:t>
-            </a:r>
-            <a:r>
-              <a:rPr dirty="0" sz="2800" spc="-15">
-                <a:latin typeface="Microsoft Sans Serif"/>
-                <a:cs typeface="Microsoft Sans Serif"/>
-              </a:rPr>
-              <a:t> </a:t>
-            </a:r>
-            <a:r>
-              <a:rPr dirty="0" sz="2800" spc="70">
-                <a:latin typeface="Microsoft Sans Serif"/>
-                <a:cs typeface="Microsoft Sans Serif"/>
-              </a:rPr>
-              <a:t>con</a:t>
-            </a:r>
-            <a:r>
-              <a:rPr dirty="0" sz="2800" spc="-20">
-                <a:latin typeface="Microsoft Sans Serif"/>
-                <a:cs typeface="Microsoft Sans Serif"/>
-              </a:rPr>
-              <a:t> </a:t>
-            </a:r>
-            <a:r>
-              <a:rPr dirty="0" sz="2800" spc="90">
-                <a:latin typeface="Microsoft Sans Serif"/>
-                <a:cs typeface="Microsoft Sans Serif"/>
-              </a:rPr>
-              <a:t>muchos</a:t>
-            </a:r>
-            <a:r>
-              <a:rPr dirty="0" sz="2800" spc="-15">
-                <a:latin typeface="Microsoft Sans Serif"/>
-                <a:cs typeface="Microsoft Sans Serif"/>
-              </a:rPr>
-              <a:t> </a:t>
-            </a:r>
-            <a:r>
-              <a:rPr dirty="0" sz="2800" spc="80">
-                <a:latin typeface="Microsoft Sans Serif"/>
-                <a:cs typeface="Microsoft Sans Serif"/>
-              </a:rPr>
-              <a:t>de</a:t>
-            </a:r>
-            <a:r>
-              <a:rPr dirty="0" sz="2800" spc="-5">
-                <a:latin typeface="Microsoft Sans Serif"/>
-                <a:cs typeface="Microsoft Sans Serif"/>
-              </a:rPr>
-              <a:t> </a:t>
-            </a:r>
-            <a:r>
-              <a:rPr dirty="0" sz="2800" spc="40">
-                <a:latin typeface="Microsoft Sans Serif"/>
-                <a:cs typeface="Microsoft Sans Serif"/>
-              </a:rPr>
-              <a:t>los </a:t>
-            </a:r>
-            <a:r>
-              <a:rPr dirty="0" sz="2800" spc="-730">
-                <a:latin typeface="Microsoft Sans Serif"/>
-                <a:cs typeface="Microsoft Sans Serif"/>
-              </a:rPr>
-              <a:t> </a:t>
-            </a:r>
-            <a:r>
-              <a:rPr dirty="0" sz="2800" spc="95">
-                <a:latin typeface="Microsoft Sans Serif"/>
-                <a:cs typeface="Microsoft Sans Serif"/>
-              </a:rPr>
-              <a:t>problemas</a:t>
-            </a:r>
-            <a:r>
-              <a:rPr dirty="0" sz="2800" spc="-25">
-                <a:latin typeface="Microsoft Sans Serif"/>
-                <a:cs typeface="Microsoft Sans Serif"/>
-              </a:rPr>
-              <a:t> </a:t>
-            </a:r>
-            <a:r>
-              <a:rPr dirty="0" sz="2800" spc="110">
-                <a:latin typeface="Microsoft Sans Serif"/>
-                <a:cs typeface="Microsoft Sans Serif"/>
-              </a:rPr>
-              <a:t>que</a:t>
-            </a:r>
-            <a:r>
-              <a:rPr dirty="0" sz="2800" spc="-15">
-                <a:latin typeface="Microsoft Sans Serif"/>
-                <a:cs typeface="Microsoft Sans Serif"/>
-              </a:rPr>
-              <a:t> </a:t>
-            </a:r>
-            <a:r>
-              <a:rPr dirty="0" sz="2800" spc="-30">
-                <a:latin typeface="Microsoft Sans Serif"/>
-                <a:cs typeface="Microsoft Sans Serif"/>
-              </a:rPr>
-              <a:t>se</a:t>
-            </a:r>
-            <a:r>
-              <a:rPr dirty="0" sz="2800" spc="-20">
-                <a:latin typeface="Microsoft Sans Serif"/>
-                <a:cs typeface="Microsoft Sans Serif"/>
-              </a:rPr>
-              <a:t> </a:t>
-            </a:r>
-            <a:r>
-              <a:rPr dirty="0" sz="2800" spc="95">
-                <a:latin typeface="Microsoft Sans Serif"/>
-                <a:cs typeface="Microsoft Sans Serif"/>
-              </a:rPr>
-              <a:t>tenían</a:t>
-            </a:r>
-            <a:r>
-              <a:rPr dirty="0" sz="2800" spc="-20">
-                <a:latin typeface="Microsoft Sans Serif"/>
-                <a:cs typeface="Microsoft Sans Serif"/>
-              </a:rPr>
-              <a:t> </a:t>
-            </a:r>
-            <a:r>
-              <a:rPr dirty="0" sz="2800" spc="80">
-                <a:latin typeface="Microsoft Sans Serif"/>
-                <a:cs typeface="Microsoft Sans Serif"/>
-              </a:rPr>
-              <a:t>en</a:t>
-            </a:r>
-            <a:r>
-              <a:rPr dirty="0" sz="2800" spc="-20">
-                <a:latin typeface="Microsoft Sans Serif"/>
-                <a:cs typeface="Microsoft Sans Serif"/>
-              </a:rPr>
-              <a:t> </a:t>
-            </a:r>
-            <a:r>
-              <a:rPr dirty="0" sz="2800" spc="-25">
-                <a:latin typeface="Microsoft Sans Serif"/>
-                <a:cs typeface="Microsoft Sans Serif"/>
-              </a:rPr>
-              <a:t>esa</a:t>
-            </a:r>
-            <a:r>
-              <a:rPr dirty="0" sz="2800" spc="-20">
-                <a:latin typeface="Microsoft Sans Serif"/>
-                <a:cs typeface="Microsoft Sans Serif"/>
-              </a:rPr>
-              <a:t> </a:t>
-            </a:r>
-            <a:r>
-              <a:rPr dirty="0" sz="2800" spc="30">
-                <a:latin typeface="Microsoft Sans Serif"/>
-                <a:cs typeface="Microsoft Sans Serif"/>
-              </a:rPr>
-              <a:t>época.</a:t>
-            </a:r>
-            <a:endParaRPr sz="2800">
+              <a:rPr sz="2400" spc="-10" dirty="0">
+                <a:latin typeface="Microsoft Sans Serif"/>
+                <a:cs typeface="Microsoft Sans Serif"/>
+              </a:rPr>
+              <a:t> </a:t>
+            </a:r>
+            <a:r>
+              <a:rPr sz="2400" spc="30" dirty="0">
+                <a:latin typeface="Microsoft Sans Serif"/>
+                <a:cs typeface="Microsoft Sans Serif"/>
+              </a:rPr>
+              <a:t>aplicaciones</a:t>
+            </a:r>
+            <a:endParaRPr sz="2400">
               <a:latin typeface="Microsoft Sans Serif"/>
               <a:cs typeface="Microsoft Sans Serif"/>
             </a:endParaRPr>
@@ -9450,7 +10587,7 @@
           </a:prstGeom>
         </p:spPr>
         <p:txBody>
-          <a:bodyPr wrap="square" lIns="0" tIns="12700" rIns="0" bIns="0" rtlCol="0" vert="horz">
+          <a:bodyPr vert="horz" wrap="square" lIns="0" tIns="12700" rIns="0" bIns="0" rtlCol="0">
             <a:spAutoFit/>
           </a:bodyPr>
           <a:lstStyle/>
@@ -9464,14 +10601,14 @@
               </a:spcBef>
             </a:pPr>
             <a:r>
-              <a:rPr dirty="0" sz="1200" spc="5">
+              <a:rPr sz="1200" spc="5" dirty="0">
                 <a:solidFill>
                   <a:srgbClr val="888888"/>
                 </a:solidFill>
                 <a:latin typeface="Calibri"/>
                 <a:cs typeface="Calibri"/>
               </a:rPr>
-              <a:t>27</a:t>
+              <a:t>28</a:t>
             </a:r>
             <a:endParaRPr sz="1200">
               <a:latin typeface="Calibri"/>
@@ -9516,129 +10653,95 @@
           </p:nvPr>
         </p:nvSpPr>
         <p:spPr>
-          <a:prstGeom prst="rect"/>
+          <a:xfrm>
+            <a:off x="916939" y="2306777"/>
+            <a:ext cx="8963025" cy="452120"/>
+          </a:xfrm>
+          <a:prstGeom prst="rect">
+            <a:avLst/>
+          </a:prstGeom>
         </p:spPr>
         <p:txBody>
-          <a:bodyPr wrap="square" lIns="0" tIns="60325" rIns="0" bIns="0" rtlCol="0" vert="horz">
+          <a:bodyPr vert="horz" wrap="square" lIns="0" tIns="12065" rIns="0" bIns="0" rtlCol="0">
             <a:spAutoFit/>
           </a:bodyPr>
           <a:lstStyle/>
           <a:p>
-            <a:pPr marL="12700" marR="5080">
+            <a:pPr marL="12700">
               <a:lnSpc>
-                <a:spcPts val="3030"/>
+                <a:spcPct val="100000"/>
               </a:lnSpc>
               <a:spcBef>
-                <a:spcPts val="475"/>
+                <a:spcPts val="95"/>
               </a:spcBef>
             </a:pPr>
             <a:r>
-              <a:rPr dirty="0" spc="15"/>
-              <a:t>Existen</a:t>
-            </a:r>
-            <a:r>
-              <a:rPr dirty="0" spc="-10"/>
-              <a:t> </a:t>
-            </a:r>
-            <a:r>
-              <a:rPr dirty="0" spc="55"/>
-              <a:t>diferencias</a:t>
-            </a:r>
-            <a:r>
-              <a:rPr dirty="0" spc="-5"/>
-              <a:t> </a:t>
-            </a:r>
-            <a:r>
-              <a:rPr dirty="0" spc="105"/>
-              <a:t>entre</a:t>
-            </a:r>
-            <a:r>
-              <a:rPr dirty="0" spc="-20"/>
-              <a:t> </a:t>
+              <a:rPr spc="-80" dirty="0"/>
+              <a:t>En</a:t>
+            </a:r>
+            <a:r>
+              <a:rPr spc="-15" dirty="0"/>
+              <a:t> </a:t>
+            </a:r>
+            <a:r>
+              <a:rPr spc="30" dirty="0"/>
+              <a:t>la</a:t>
+            </a:r>
+            <a:r>
+              <a:rPr spc="-15" dirty="0"/>
+              <a:t> </a:t>
+            </a:r>
+            <a:r>
+              <a:rPr spc="55" dirty="0"/>
+              <a:t>actualidad,</a:t>
             </a:r>
             <a:r>
               <a:rPr dirty="0"/>
-              <a:t>las</a:t>
-            </a:r>
-            <a:r>
-              <a:rPr dirty="0" spc="-10"/>
-              <a:t> </a:t>
-            </a:r>
-            <a:r>
-              <a:rPr dirty="0" spc="45"/>
-              <a:t>tareas</a:t>
+              <a:t> </a:t>
+            </a:r>
+            <a:r>
+              <a:rPr spc="30" dirty="0"/>
+              <a:t>la</a:t>
+            </a:r>
+            <a:r>
+              <a:rPr spc="-10" dirty="0"/>
+              <a:t> </a:t>
+            </a:r>
+            <a:r>
+              <a:rPr spc="70" dirty="0"/>
+              <a:t>tendencia</a:t>
             </a:r>
             <a:r>
               <a:rPr dirty="0"/>
               <a:t> </a:t>
             </a:r>
             <a:r>
-              <a:rPr dirty="0" spc="85"/>
-              <a:t>de</a:t>
-            </a:r>
-            <a:r>
-              <a:rPr dirty="0" spc="-15"/>
-              <a:t> </a:t>
-            </a:r>
-            <a:r>
-              <a:rPr dirty="0" spc="75"/>
-              <a:t>“programación”</a:t>
-            </a:r>
-            <a:r>
-              <a:rPr dirty="0" spc="-35"/>
-              <a:t> </a:t>
-            </a:r>
-            <a:r>
-              <a:rPr dirty="0" spc="10"/>
-              <a:t>y</a:t>
-            </a:r>
-            <a:r>
-              <a:rPr dirty="0" spc="-20"/>
-              <a:t> </a:t>
-            </a:r>
-            <a:r>
-              <a:rPr dirty="0"/>
-              <a:t>las </a:t>
-            </a:r>
-            <a:r>
-              <a:rPr dirty="0" spc="-725"/>
-              <a:t> </a:t>
-            </a:r>
-            <a:r>
-              <a:rPr dirty="0" spc="45"/>
-              <a:t>tareas</a:t>
-            </a:r>
-            <a:r>
-              <a:rPr dirty="0" spc="-10"/>
-              <a:t> </a:t>
-            </a:r>
-            <a:r>
-              <a:rPr dirty="0" spc="80"/>
-              <a:t>de</a:t>
-            </a:r>
-            <a:r>
-              <a:rPr dirty="0" spc="-20"/>
-              <a:t> </a:t>
-            </a:r>
-            <a:r>
-              <a:rPr dirty="0" spc="65"/>
-              <a:t>“ingeniería</a:t>
-            </a:r>
-            <a:r>
-              <a:rPr dirty="0" spc="-15"/>
-              <a:t> </a:t>
-            </a:r>
-            <a:r>
-              <a:rPr dirty="0" spc="80"/>
-              <a:t>de</a:t>
-            </a:r>
-            <a:r>
-              <a:rPr dirty="0" spc="-10"/>
-              <a:t> </a:t>
-            </a:r>
-            <a:r>
-              <a:rPr dirty="0" spc="80"/>
-              <a:t>software”</a:t>
+              <a:rPr spc="35" dirty="0"/>
+              <a:t>está</a:t>
+            </a:r>
+            <a:r>
+              <a:rPr spc="-15" dirty="0"/>
+              <a:t> </a:t>
+            </a:r>
+            <a:r>
+              <a:rPr spc="80" dirty="0"/>
+              <a:t>en</a:t>
+            </a:r>
+            <a:r>
+              <a:rPr spc="-15" dirty="0"/>
+              <a:t> </a:t>
+            </a:r>
+            <a:r>
+              <a:rPr spc="95" dirty="0"/>
+              <a:t>“métodos</a:t>
+            </a:r>
+            <a:r>
+              <a:rPr spc="-30" dirty="0"/>
+              <a:t> </a:t>
+            </a:r>
+            <a:r>
+              <a:rPr spc="10" dirty="0"/>
+              <a:t>ágiles”</a:t>
             </a:r>
           </a:p>
         </p:txBody>
@@ -9646,20 +10749,20 @@
       <p:sp>
         <p:nvSpPr>
           <p:cNvPr id="3" name="object 3"/>
-          <p:cNvSpPr txBox="1"/>
-          <p:nvPr/>
+          <p:cNvSpPr txBox="1">
+            <a:spLocks noGrp="1"/>
+          </p:cNvSpPr>
+          <p:nvPr>
+            <p:ph type="body" idx="1"/>
+          </p:nvPr>
         </p:nvSpPr>
         <p:spPr>
-          <a:xfrm>
-            <a:off x="1374394" y="3119754"/>
-            <a:ext cx="7482840" cy="1597025"/>
-          </a:xfrm>
           <a:prstGeom prst="rect">
             <a:avLst/>
           </a:prstGeom>
         </p:spPr>
         <p:txBody>
-          <a:bodyPr wrap="square" lIns="0" tIns="40005" rIns="0" bIns="0" rtlCol="0" vert="horz">
+          <a:bodyPr vert="horz" wrap="square" lIns="0" tIns="40005" rIns="0" bIns="0" rtlCol="0">
             <a:spAutoFit/>
           </a:bodyPr>
           <a:lstStyle/>
@@ -9678,72 +10781,65 @@
               </a:tabLst>
             </a:pPr>
             <a:r>
-              <a:rPr dirty="0" sz="2400" spc="70">
-                <a:latin typeface="Microsoft Sans Serif"/>
-                <a:cs typeface="Microsoft Sans Serif"/>
-              </a:rPr>
-              <a:t>programas</a:t>
-            </a:r>
-            <a:r>
-              <a:rPr dirty="0" sz="2400" spc="-30">
-                <a:latin typeface="Microsoft Sans Serif"/>
-                <a:cs typeface="Microsoft Sans Serif"/>
-              </a:rPr>
-              <a:t> </a:t>
-            </a:r>
-            <a:r>
-              <a:rPr dirty="0" sz="2400" spc="55">
-                <a:latin typeface="Microsoft Sans Serif"/>
-                <a:cs typeface="Microsoft Sans Serif"/>
-              </a:rPr>
-              <a:t>más</a:t>
-            </a:r>
-            <a:r>
-              <a:rPr dirty="0" sz="2400">
-                <a:latin typeface="Microsoft Sans Serif"/>
-                <a:cs typeface="Microsoft Sans Serif"/>
-              </a:rPr>
-              <a:t> </a:t>
-            </a:r>
-            <a:r>
-              <a:rPr dirty="0" sz="2400" spc="30">
-                <a:latin typeface="Microsoft Sans Serif"/>
-                <a:cs typeface="Microsoft Sans Serif"/>
-              </a:rPr>
-              <a:t>grandes,</a:t>
-            </a:r>
-            <a:r>
-              <a:rPr dirty="0" sz="2400" spc="-15">
-                <a:latin typeface="Microsoft Sans Serif"/>
-                <a:cs typeface="Microsoft Sans Serif"/>
-              </a:rPr>
-              <a:t> </a:t>
-            </a:r>
-            <a:r>
-              <a:rPr dirty="0" sz="2400" spc="55">
-                <a:latin typeface="Microsoft Sans Serif"/>
-                <a:cs typeface="Microsoft Sans Serif"/>
-              </a:rPr>
-              <a:t>más</a:t>
-            </a:r>
-            <a:r>
-              <a:rPr dirty="0" sz="2400" spc="-5">
-                <a:latin typeface="Microsoft Sans Serif"/>
-                <a:cs typeface="Microsoft Sans Serif"/>
-              </a:rPr>
-              <a:t> </a:t>
-            </a:r>
-            <a:r>
-              <a:rPr dirty="0" sz="2400" spc="60">
-                <a:latin typeface="Microsoft Sans Serif"/>
-                <a:cs typeface="Microsoft Sans Serif"/>
-              </a:rPr>
-              <a:t>complejos</a:t>
-            </a:r>
-            <a:endParaRPr sz="2400">
-              <a:latin typeface="Microsoft Sans Serif"/>
-              <a:cs typeface="Microsoft Sans Serif"/>
-            </a:endParaRPr>
+              <a:rPr spc="-10" dirty="0"/>
+              <a:t>Énfasis</a:t>
+            </a:r>
+            <a:r>
+              <a:rPr spc="-5" dirty="0"/>
+              <a:t> </a:t>
+            </a:r>
+            <a:r>
+              <a:rPr spc="70" dirty="0"/>
+              <a:t>en</a:t>
+            </a:r>
+            <a:r>
+              <a:rPr spc="-10" dirty="0"/>
+              <a:t> </a:t>
+            </a:r>
+            <a:r>
+              <a:rPr spc="30" dirty="0"/>
+              <a:t>el</a:t>
+            </a:r>
+            <a:r>
+              <a:rPr spc="-20" dirty="0"/>
+              <a:t> </a:t>
+            </a:r>
+            <a:r>
+              <a:rPr spc="110" dirty="0"/>
+              <a:t>producto</a:t>
+            </a:r>
+            <a:r>
+              <a:rPr spc="-30" dirty="0"/>
+              <a:t> </a:t>
+            </a:r>
+            <a:r>
+              <a:rPr spc="5" dirty="0"/>
+              <a:t>y</a:t>
+            </a:r>
+            <a:r>
+              <a:rPr spc="-20" dirty="0"/>
+              <a:t> </a:t>
+            </a:r>
+            <a:r>
+              <a:rPr spc="125" dirty="0"/>
+              <a:t>no</a:t>
+            </a:r>
+            <a:r>
+              <a:rPr spc="-15" dirty="0"/>
+              <a:t> </a:t>
+            </a:r>
+            <a:r>
+              <a:rPr spc="70" dirty="0"/>
+              <a:t>en</a:t>
+            </a:r>
+            <a:r>
+              <a:rPr spc="-20" dirty="0"/>
+              <a:t> </a:t>
+            </a:r>
+            <a:r>
+              <a:rPr spc="60" dirty="0"/>
+              <a:t>proyectos</a:t>
+            </a:r>
           </a:p>
           <a:p>
             <a:pPr marL="241300" indent="-228600">
@@ -9760,100 +10856,41 @@
               </a:tabLst>
             </a:pPr>
             <a:r>
-              <a:rPr dirty="0" sz="2400" spc="75">
-                <a:latin typeface="Microsoft Sans Serif"/>
-                <a:cs typeface="Microsoft Sans Serif"/>
-              </a:rPr>
-              <a:t>equipos</a:t>
-            </a:r>
-            <a:r>
-              <a:rPr dirty="0" sz="2400" spc="-20">
-                <a:latin typeface="Microsoft Sans Serif"/>
-                <a:cs typeface="Microsoft Sans Serif"/>
-              </a:rPr>
-              <a:t> </a:t>
-            </a:r>
-            <a:r>
-              <a:rPr dirty="0" sz="2400" spc="70">
-                <a:latin typeface="Microsoft Sans Serif"/>
-                <a:cs typeface="Microsoft Sans Serif"/>
-              </a:rPr>
+              <a:rPr spc="-20" dirty="0"/>
+              <a:t>Ciclos</a:t>
+            </a:r>
+            <a:r>
+              <a:rPr spc="-15" dirty="0"/>
+              <a:t> </a:t>
+            </a:r>
+            <a:r>
+              <a:rPr spc="70" dirty="0"/>
               <a:t>de</a:t>
             </a:r>
             <a:r>
-              <a:rPr dirty="0" sz="2400" spc="-15">
-                <a:latin typeface="Microsoft Sans Serif"/>
-                <a:cs typeface="Microsoft Sans Serif"/>
-              </a:rPr>
-              <a:t> </a:t>
-            </a:r>
-            <a:r>
-              <a:rPr dirty="0" sz="2400" spc="75">
-                <a:latin typeface="Microsoft Sans Serif"/>
-                <a:cs typeface="Microsoft Sans Serif"/>
-              </a:rPr>
+              <a:rPr spc="-15" dirty="0"/>
+              <a:t> </a:t>
+            </a:r>
+            <a:r>
+              <a:rPr spc="70" dirty="0"/>
               <a:t>desarrollo</a:t>
             </a:r>
             <a:r>
-              <a:rPr dirty="0" sz="2400" spc="-20">
-                <a:latin typeface="Microsoft Sans Serif"/>
-                <a:cs typeface="Microsoft Sans Serif"/>
-              </a:rPr>
-              <a:t> </a:t>
-            </a:r>
-            <a:r>
-              <a:rPr dirty="0" sz="2400" spc="55">
-                <a:latin typeface="Microsoft Sans Serif"/>
-                <a:cs typeface="Microsoft Sans Serif"/>
-              </a:rPr>
+              <a:rPr spc="-10" dirty="0"/>
+              <a:t> </a:t>
+            </a:r>
+            <a:r>
+              <a:rPr spc="55" dirty="0"/>
               <a:t>más</a:t>
             </a:r>
             <a:r>
-              <a:rPr dirty="0" sz="2400" spc="-25">
-                <a:latin typeface="Microsoft Sans Serif"/>
-                <a:cs typeface="Microsoft Sans Serif"/>
-              </a:rPr>
-              <a:t> </a:t>
-            </a:r>
-            <a:r>
-              <a:rPr dirty="0" sz="2400" spc="30">
-                <a:latin typeface="Microsoft Sans Serif"/>
-                <a:cs typeface="Microsoft Sans Serif"/>
-              </a:rPr>
-              <a:t>grandes,</a:t>
-            </a:r>
-            <a:r>
-              <a:rPr dirty="0" sz="2400" spc="-20">
-                <a:latin typeface="Microsoft Sans Serif"/>
-                <a:cs typeface="Microsoft Sans Serif"/>
-              </a:rPr>
-              <a:t> </a:t>
-            </a:r>
-            <a:r>
-              <a:rPr dirty="0" sz="2400" spc="50">
-                <a:latin typeface="Microsoft Sans Serif"/>
-                <a:cs typeface="Microsoft Sans Serif"/>
-              </a:rPr>
-              <a:t>varios</a:t>
-            </a:r>
-            <a:r>
-              <a:rPr dirty="0" sz="2400" spc="-25">
-                <a:latin typeface="Microsoft Sans Serif"/>
-                <a:cs typeface="Microsoft Sans Serif"/>
-              </a:rPr>
-              <a:t> </a:t>
-            </a:r>
-            <a:r>
-              <a:rPr dirty="0" sz="2400" spc="75">
-                <a:latin typeface="Microsoft Sans Serif"/>
-                <a:cs typeface="Microsoft Sans Serif"/>
-              </a:rPr>
-              <a:t>equipos</a:t>
-            </a:r>
-            <a:endParaRPr sz="2400">
-              <a:latin typeface="Microsoft Sans Serif"/>
-              <a:cs typeface="Microsoft Sans Serif"/>
-            </a:endParaRPr>
+              <a:rPr dirty="0"/>
+              <a:t> </a:t>
+            </a:r>
+            <a:r>
+              <a:rPr spc="75" dirty="0"/>
+              <a:t>cortos</a:t>
+            </a:r>
           </a:p>
           <a:p>
             <a:pPr marL="241300" indent="-228600">
@@ -9861,7 +10898,7 @@
                 <a:spcPct val="100000"/>
               </a:lnSpc>
               <a:spcBef>
-                <a:spcPts val="220"/>
+                <a:spcPts val="215"/>
               </a:spcBef>
               <a:buFont typeface="Arial MT"/>
               <a:buChar char="•"/>
@@ -9870,65 +10907,57 @@
               </a:tabLst>
             </a:pPr>
             <a:r>
-              <a:rPr dirty="0" sz="2400" spc="80">
-                <a:latin typeface="Microsoft Sans Serif"/>
-                <a:cs typeface="Microsoft Sans Serif"/>
-              </a:rPr>
-              <a:t>muchos</a:t>
-            </a:r>
-            <a:r>
-              <a:rPr dirty="0" sz="2400" spc="-20">
-                <a:latin typeface="Microsoft Sans Serif"/>
-                <a:cs typeface="Microsoft Sans Serif"/>
-              </a:rPr>
-              <a:t> </a:t>
-            </a:r>
-            <a:r>
-              <a:rPr dirty="0" sz="2400" spc="25">
-                <a:latin typeface="Microsoft Sans Serif"/>
-                <a:cs typeface="Microsoft Sans Serif"/>
-              </a:rPr>
-              <a:t>clientes,</a:t>
-            </a:r>
-            <a:r>
-              <a:rPr dirty="0" sz="2400" spc="-25">
-                <a:latin typeface="Microsoft Sans Serif"/>
-                <a:cs typeface="Microsoft Sans Serif"/>
-              </a:rPr>
-              <a:t> </a:t>
-            </a:r>
-            <a:r>
-              <a:rPr dirty="0" sz="2400" spc="80">
-                <a:latin typeface="Microsoft Sans Serif"/>
-                <a:cs typeface="Microsoft Sans Serif"/>
-              </a:rPr>
-              <a:t>muchos</a:t>
-            </a:r>
-            <a:r>
-              <a:rPr dirty="0" sz="2400" spc="5">
-                <a:latin typeface="Microsoft Sans Serif"/>
-                <a:cs typeface="Microsoft Sans Serif"/>
-              </a:rPr>
-              <a:t> </a:t>
-            </a:r>
-            <a:r>
-              <a:rPr dirty="0" sz="2400" spc="-25" i="1">
-                <a:latin typeface="Arial"/>
-                <a:cs typeface="Arial"/>
-              </a:rPr>
-              <a:t>stakeholders</a:t>
-            </a:r>
-            <a:r>
-              <a:rPr dirty="0" sz="2400" spc="-25">
-                <a:latin typeface="Microsoft Sans Serif"/>
-                <a:cs typeface="Microsoft Sans Serif"/>
-              </a:rPr>
-              <a:t>.</a:t>
-            </a:r>
-            <a:endParaRPr sz="2400">
-              <a:latin typeface="Microsoft Sans Serif"/>
-              <a:cs typeface="Microsoft Sans Serif"/>
-            </a:endParaRPr>
+              <a:rPr spc="35" dirty="0"/>
+              <a:t>Equipos</a:t>
+            </a:r>
+            <a:r>
+              <a:rPr spc="-10" dirty="0"/>
+              <a:t> </a:t>
+            </a:r>
+            <a:r>
+              <a:rPr spc="105" dirty="0"/>
+              <a:t>autónomos</a:t>
+            </a:r>
+            <a:r>
+              <a:rPr spc="-10" dirty="0"/>
+              <a:t> </a:t>
+            </a:r>
+            <a:r>
+              <a:rPr spc="210" dirty="0"/>
+              <a:t>/</a:t>
+            </a:r>
+            <a:r>
+              <a:rPr spc="-10" dirty="0"/>
+              <a:t> </a:t>
+            </a:r>
+            <a:r>
+              <a:rPr spc="70" dirty="0"/>
+              <a:t>multidisciplinares</a:t>
+            </a:r>
+            <a:r>
+              <a:rPr dirty="0"/>
+              <a:t> </a:t>
+            </a:r>
+            <a:r>
+              <a:rPr spc="210" dirty="0"/>
+              <a:t>/</a:t>
+            </a:r>
+            <a:r>
+              <a:rPr spc="-10" dirty="0"/>
+              <a:t> </a:t>
+            </a:r>
+            <a:r>
+              <a:rPr spc="120" dirty="0"/>
+              <a:t>muy</a:t>
+            </a:r>
+            <a:r>
+              <a:rPr dirty="0"/>
+              <a:t> </a:t>
+            </a:r>
+            <a:r>
+              <a:rPr spc="35" dirty="0"/>
+              <a:t>técnicos</a:t>
+            </a:r>
           </a:p>
           <a:p>
             <a:pPr marL="241300" indent="-228600">
@@ -9945,548 +10974,52 @@
               </a:tabLst>
             </a:pPr>
             <a:r>
-              <a:rPr dirty="0" sz="2400" spc="30">
-                <a:latin typeface="Microsoft Sans Serif"/>
-                <a:cs typeface="Microsoft Sans Serif"/>
-              </a:rPr>
-              <a:t>énfasis</a:t>
-            </a:r>
-            <a:r>
-              <a:rPr dirty="0" sz="2400" spc="-5">
-                <a:latin typeface="Microsoft Sans Serif"/>
-                <a:cs typeface="Microsoft Sans Serif"/>
-              </a:rPr>
-              <a:t> </a:t>
-            </a:r>
-            <a:r>
-              <a:rPr dirty="0" sz="2400" spc="70">
-                <a:latin typeface="Microsoft Sans Serif"/>
-                <a:cs typeface="Microsoft Sans Serif"/>
-              </a:rPr>
-              <a:t>en</a:t>
-            </a:r>
-            <a:r>
-              <a:rPr dirty="0" sz="2400" spc="-5">
-                <a:latin typeface="Microsoft Sans Serif"/>
-                <a:cs typeface="Microsoft Sans Serif"/>
-              </a:rPr>
-              <a:t> </a:t>
-            </a:r>
-            <a:r>
-              <a:rPr dirty="0" sz="2400" spc="30">
-                <a:latin typeface="Microsoft Sans Serif"/>
-                <a:cs typeface="Microsoft Sans Serif"/>
-              </a:rPr>
-              <a:t>el</a:t>
-            </a:r>
-            <a:r>
-              <a:rPr dirty="0" sz="2400" spc="-5">
-                <a:latin typeface="Microsoft Sans Serif"/>
-                <a:cs typeface="Microsoft Sans Serif"/>
-              </a:rPr>
-              <a:t> </a:t>
-            </a:r>
-            <a:r>
-              <a:rPr dirty="0" sz="2400" spc="110">
-                <a:latin typeface="Microsoft Sans Serif"/>
-                <a:cs typeface="Microsoft Sans Serif"/>
-              </a:rPr>
-              <a:t>mantenimiento</a:t>
-            </a:r>
-            <a:r>
-              <a:rPr dirty="0" sz="2400" spc="-5">
-                <a:latin typeface="Microsoft Sans Serif"/>
-                <a:cs typeface="Microsoft Sans Serif"/>
-              </a:rPr>
-              <a:t> </a:t>
-            </a:r>
-            <a:r>
-              <a:rPr dirty="0" sz="2400" spc="70">
-                <a:latin typeface="Microsoft Sans Serif"/>
-                <a:cs typeface="Microsoft Sans Serif"/>
-              </a:rPr>
+              <a:rPr spc="10" dirty="0"/>
+              <a:t>Estrategias</a:t>
+            </a:r>
+            <a:r>
+              <a:rPr dirty="0"/>
+              <a:t> </a:t>
+            </a:r>
+            <a:r>
+              <a:rPr spc="70" dirty="0"/>
+              <a:t>“modernas”</a:t>
+            </a:r>
+            <a:r>
+              <a:rPr spc="-5" dirty="0"/>
+              <a:t> </a:t>
+            </a:r>
+            <a:r>
+              <a:rPr spc="70" dirty="0"/>
               <a:t>de</a:t>
             </a:r>
             <a:r>
-              <a:rPr dirty="0" sz="2400" spc="-5">
-                <a:latin typeface="Microsoft Sans Serif"/>
-                <a:cs typeface="Microsoft Sans Serif"/>
-              </a:rPr>
-              <a:t> </a:t>
-            </a:r>
-            <a:r>
-              <a:rPr dirty="0" sz="2400">
-                <a:latin typeface="Microsoft Sans Serif"/>
-                <a:cs typeface="Microsoft Sans Serif"/>
-              </a:rPr>
-              <a:t>las</a:t>
-            </a:r>
-            <a:r>
-              <a:rPr dirty="0" sz="2400" spc="-10">
-                <a:latin typeface="Microsoft Sans Serif"/>
-                <a:cs typeface="Microsoft Sans Serif"/>
-              </a:rPr>
-              <a:t> </a:t>
-            </a:r>
-            <a:r>
-              <a:rPr dirty="0" sz="2400" spc="30">
-                <a:latin typeface="Microsoft Sans Serif"/>
-                <a:cs typeface="Microsoft Sans Serif"/>
-              </a:rPr>
-              <a:t>aplicaciones</a:t>
-            </a:r>
-            <a:endParaRPr sz="2400">
-              <a:latin typeface="Microsoft Sans Serif"/>
-              <a:cs typeface="Microsoft Sans Serif"/>
-            </a:endParaRPr>
-          </a:p>
-        </p:txBody>
-      </p:sp>
-      <p:sp>
-        <p:nvSpPr>
-          <p:cNvPr id="4" name="object 4"/>
-          <p:cNvSpPr txBox="1"/>
-          <p:nvPr/>
-        </p:nvSpPr>
-        <p:spPr>
-          <a:xfrm>
-            <a:off x="11093957" y="6427114"/>
-            <a:ext cx="181610" cy="208279"/>
-          </a:xfrm>
-          <a:prstGeom prst="rect">
-            <a:avLst/>
-          </a:prstGeom>
-        </p:spPr>
-        <p:txBody>
-          <a:bodyPr wrap="square" lIns="0" tIns="12700" rIns="0" bIns="0" rtlCol="0" vert="horz">
-            <a:spAutoFit/>
-          </a:bodyPr>
-          <a:lstStyle/>
-          <a:p>
-            <a:pPr marL="12700">
-              <a:lnSpc>
-                <a:spcPct val="100000"/>
-              </a:lnSpc>
-              <a:spcBef>
-                <a:spcPts val="100"/>
-              </a:spcBef>
-            </a:pPr>
-            <a:r>
-              <a:rPr dirty="0" sz="1200" spc="5">
-                <a:solidFill>
-                  <a:srgbClr val="888888"/>
-                </a:solidFill>
-                <a:latin typeface="Calibri"/>
-                <a:cs typeface="Calibri"/>
-              </a:rPr>
-              <a:t>28</a:t>
-            </a:r>
-            <a:endParaRPr sz="1200">
-              <a:latin typeface="Calibri"/>
-              <a:cs typeface="Calibri"/>
-            </a:endParaRPr>
-          </a:p>
-        </p:txBody>
-      </p:sp>
-    </p:spTree>
-  </p:cSld>
-  <p:clrMapOvr>
-    <a:masterClrMapping/>
-  </p:clrMapOvr>
-</p:sld>
-</file>
-
-<file path=ppt/slides/slide29.xml><?xml version="1.0" encoding="utf-8"?>
-<p:sld xmlns:a="http://schemas.openxmlformats.org/drawingml/2006/main" xmlns:r="http://schemas.openxmlformats.org/officeDocument/2006/relationships" xmlns:p="http://schemas.openxmlformats.org/presentationml/2006/main">
-  <p:cSld>
-    <p:spTree>
-      <p:nvGrpSpPr>
-        <p:cNvPr id="1" name=""/>
-        <p:cNvGrpSpPr/>
-        <p:nvPr/>
-      </p:nvGrpSpPr>
-      <p:grpSpPr>
-        <a:xfrm>
-          <a:off x="0" y="0"/>
-          <a:ext cx="0" cy="0"/>
-          <a:chOff x="0" y="0"/>
-          <a:chExt cx="0" cy="0"/>
-        </a:xfrm>
-      </p:grpSpPr>
-      <p:sp>
-        <p:nvSpPr>
-          <p:cNvPr id="2" name="object 2"/>
-          <p:cNvSpPr txBox="1">
-            <a:spLocks noGrp="1"/>
-          </p:cNvSpPr>
-          <p:nvPr>
-            <p:ph type="title"/>
-          </p:nvPr>
-        </p:nvSpPr>
-        <p:spPr>
-          <a:xfrm>
-            <a:off x="916939" y="2306777"/>
-            <a:ext cx="8963025" cy="452120"/>
-          </a:xfrm>
-          <a:prstGeom prst="rect"/>
-        </p:spPr>
-        <p:txBody>
-          <a:bodyPr wrap="square" lIns="0" tIns="12065" rIns="0" bIns="0" rtlCol="0" vert="horz">
-            <a:spAutoFit/>
-          </a:bodyPr>
-          <a:lstStyle/>
-          <a:p>
-            <a:pPr marL="12700">
-              <a:lnSpc>
-                <a:spcPct val="100000"/>
-              </a:lnSpc>
-              <a:spcBef>
-                <a:spcPts val="95"/>
-              </a:spcBef>
-            </a:pPr>
-            <a:r>
-              <a:rPr dirty="0" spc="-80"/>
-              <a:t>En</a:t>
-            </a:r>
-            <a:r>
-              <a:rPr dirty="0" spc="-15"/>
-              <a:t> </a:t>
-            </a:r>
-            <a:r>
-              <a:rPr dirty="0" spc="30"/>
-              <a:t>la</a:t>
-            </a:r>
-            <a:r>
-              <a:rPr dirty="0" spc="-15"/>
-              <a:t> </a:t>
-            </a:r>
-            <a:r>
-              <a:rPr dirty="0" spc="55"/>
-              <a:t>actualidad,</a:t>
+              <a:rPr spc="-10" dirty="0"/>
+              <a:t> </a:t>
             </a:r>
             <a:r>
               <a:rPr dirty="0"/>
-              <a:t> </a:t>
-            </a:r>
-            <a:r>
-              <a:rPr dirty="0" spc="30"/>
-              <a:t>la</a:t>
-            </a:r>
-            <a:r>
-              <a:rPr dirty="0" spc="-10"/>
-              <a:t> </a:t>
-            </a:r>
-            <a:r>
-              <a:rPr dirty="0" spc="70"/>
-              <a:t>tendencia</a:t>
+              <a:t>Fábricas</a:t>
+            </a:r>
+            <a:r>
+              <a:rPr spc="-5" dirty="0"/>
+              <a:t> </a:t>
+            </a:r>
+            <a:r>
+              <a:rPr spc="70" dirty="0"/>
+              <a:t>de</a:t>
             </a:r>
             <a:r>
               <a:rPr dirty="0"/>
               <a:t> </a:t>
             </a:r>
             <a:r>
-              <a:rPr dirty="0" spc="35"/>
-              <a:t>está</a:t>
-            </a:r>
-            <a:r>
-              <a:rPr dirty="0" spc="-15"/>
-              <a:t> </a:t>
-            </a:r>
-            <a:r>
-              <a:rPr dirty="0" spc="80"/>
-              <a:t>en</a:t>
-            </a:r>
-            <a:r>
-              <a:rPr dirty="0" spc="-15"/>
-              <a:t> </a:t>
-            </a:r>
-            <a:r>
-              <a:rPr dirty="0" spc="95"/>
-              <a:t>“métodos</a:t>
-            </a:r>
-            <a:r>
-              <a:rPr dirty="0" spc="-30"/>
-              <a:t> </a:t>
-            </a:r>
-            <a:r>
-              <a:rPr dirty="0" spc="10"/>
-              <a:t>ágiles”</a:t>
-            </a:r>
-          </a:p>
-        </p:txBody>
-      </p:sp>
-      <p:sp>
-        <p:nvSpPr>
-          <p:cNvPr id="3" name="object 3"/>
-          <p:cNvSpPr txBox="1">
-            <a:spLocks noGrp="1"/>
-          </p:cNvSpPr>
-          <p:nvPr>
-            <p:ph type="body" idx="1"/>
-          </p:nvPr>
-        </p:nvSpPr>
-        <p:spPr>
-          <a:prstGeom prst="rect"/>
-        </p:spPr>
-        <p:txBody>
-          <a:bodyPr wrap="square" lIns="0" tIns="40005" rIns="0" bIns="0" rtlCol="0" vert="horz">
-            <a:spAutoFit/>
-          </a:bodyPr>
-          <a:lstStyle/>
-          <a:p>
-            <a:pPr marL="241300" indent="-228600">
-              <a:lnSpc>
-                <a:spcPct val="100000"/>
-              </a:lnSpc>
-              <a:spcBef>
-                <a:spcPts val="315"/>
-              </a:spcBef>
-              <a:buFont typeface="Arial MT"/>
-              <a:buChar char="•"/>
-              <a:tabLst>
-                <a:tab pos="241300" algn="l"/>
-              </a:tabLst>
-            </a:pPr>
-            <a:r>
-              <a:rPr dirty="0" spc="-10"/>
-              <a:t>Énfasis</a:t>
-            </a:r>
-            <a:r>
-              <a:rPr dirty="0" spc="-5"/>
-              <a:t> </a:t>
-            </a:r>
-            <a:r>
-              <a:rPr dirty="0" spc="70"/>
-              <a:t>en</a:t>
-            </a:r>
-            <a:r>
-              <a:rPr dirty="0" spc="-10"/>
-              <a:t> </a:t>
-            </a:r>
-            <a:r>
-              <a:rPr dirty="0" spc="30"/>
-              <a:t>el</a:t>
-            </a:r>
-            <a:r>
-              <a:rPr dirty="0" spc="-20"/>
-              <a:t> </a:t>
-            </a:r>
-            <a:r>
-              <a:rPr dirty="0" spc="110"/>
-              <a:t>producto</a:t>
-            </a:r>
-            <a:r>
-              <a:rPr dirty="0" spc="-30"/>
-              <a:t> </a:t>
-            </a:r>
-            <a:r>
-              <a:rPr dirty="0" spc="5"/>
-              <a:t>y</a:t>
-            </a:r>
-            <a:r>
-              <a:rPr dirty="0" spc="-20"/>
-              <a:t> </a:t>
-            </a:r>
-            <a:r>
-              <a:rPr dirty="0" spc="125"/>
-              <a:t>no</a:t>
-            </a:r>
-            <a:r>
-              <a:rPr dirty="0" spc="-15"/>
-              <a:t> </a:t>
-            </a:r>
-            <a:r>
-              <a:rPr dirty="0" spc="70"/>
-              <a:t>en</a:t>
-            </a:r>
-            <a:r>
-              <a:rPr dirty="0" spc="-20"/>
-              <a:t> </a:t>
-            </a:r>
-            <a:r>
-              <a:rPr dirty="0" spc="60"/>
-              <a:t>proyectos</a:t>
+              <a:rPr spc="50" dirty="0"/>
+              <a:t>Software</a:t>
             </a:r>
           </a:p>
           <a:p>
-            <a:pPr marL="241300" indent="-228600">
-              <a:lnSpc>
-                <a:spcPct val="100000"/>
-              </a:lnSpc>
-              <a:spcBef>
-                <a:spcPts val="215"/>
-              </a:spcBef>
-              <a:buFont typeface="Arial MT"/>
-              <a:buChar char="•"/>
-              <a:tabLst>
-                <a:tab pos="241300" algn="l"/>
-              </a:tabLst>
-            </a:pPr>
-            <a:r>
-              <a:rPr dirty="0" spc="-20"/>
-              <a:t>Ciclos</a:t>
-            </a:r>
-            <a:r>
-              <a:rPr dirty="0" spc="-15"/>
-              <a:t> </a:t>
-            </a:r>
-            <a:r>
-              <a:rPr dirty="0" spc="70"/>
-              <a:t>de</a:t>
-            </a:r>
-            <a:r>
-              <a:rPr dirty="0" spc="-15"/>
-              <a:t> </a:t>
-            </a:r>
-            <a:r>
-              <a:rPr dirty="0" spc="70"/>
-              <a:t>desarrollo</a:t>
-            </a:r>
-            <a:r>
-              <a:rPr dirty="0" spc="-10"/>
-              <a:t> </a:t>
-            </a:r>
-            <a:r>
-              <a:rPr dirty="0" spc="55"/>
-              <a:t>más</a:t>
-            </a:r>
-            <a:r>
-              <a:rPr dirty="0"/>
-              <a:t> </a:t>
-            </a:r>
-            <a:r>
-              <a:rPr dirty="0" spc="75"/>
-              <a:t>cortos</a:t>
-            </a:r>
-          </a:p>
-          <a:p>
-            <a:pPr marL="241300" indent="-228600">
-              <a:lnSpc>
-                <a:spcPct val="100000"/>
-              </a:lnSpc>
-              <a:spcBef>
-                <a:spcPts val="215"/>
-              </a:spcBef>
-              <a:buFont typeface="Arial MT"/>
-              <a:buChar char="•"/>
-              <a:tabLst>
-                <a:tab pos="241300" algn="l"/>
-              </a:tabLst>
-            </a:pPr>
-            <a:r>
-              <a:rPr dirty="0" spc="35"/>
-              <a:t>Equipos</a:t>
-            </a:r>
-            <a:r>
-              <a:rPr dirty="0" spc="-10"/>
-              <a:t> </a:t>
-            </a:r>
-            <a:r>
-              <a:rPr dirty="0" spc="105"/>
-              <a:t>autónomos</a:t>
-            </a:r>
-            <a:r>
-              <a:rPr dirty="0" spc="-10"/>
-              <a:t> </a:t>
-            </a:r>
-            <a:r>
-              <a:rPr dirty="0" spc="210"/>
-              <a:t>/</a:t>
-            </a:r>
-            <a:r>
-              <a:rPr dirty="0" spc="-10"/>
-              <a:t> </a:t>
-            </a:r>
-            <a:r>
-              <a:rPr dirty="0" spc="70"/>
-              <a:t>multidisciplinares</a:t>
-            </a:r>
-            <a:r>
-              <a:rPr dirty="0"/>
-              <a:t> </a:t>
-            </a:r>
-            <a:r>
-              <a:rPr dirty="0" spc="210"/>
-              <a:t>/</a:t>
-            </a:r>
-            <a:r>
-              <a:rPr dirty="0" spc="-10"/>
-              <a:t> </a:t>
-            </a:r>
-            <a:r>
-              <a:rPr dirty="0" spc="120"/>
-              <a:t>muy</a:t>
-            </a:r>
-            <a:r>
-              <a:rPr dirty="0"/>
-              <a:t> </a:t>
-            </a:r>
-            <a:r>
-              <a:rPr dirty="0" spc="35"/>
-              <a:t>técnicos</a:t>
-            </a:r>
-          </a:p>
-          <a:p>
-            <a:pPr marL="241300" indent="-228600">
-              <a:lnSpc>
-                <a:spcPct val="100000"/>
-              </a:lnSpc>
-              <a:spcBef>
-                <a:spcPts val="204"/>
-              </a:spcBef>
-              <a:buFont typeface="Arial MT"/>
-              <a:buChar char="•"/>
-              <a:tabLst>
-                <a:tab pos="241300" algn="l"/>
-              </a:tabLst>
-            </a:pPr>
-            <a:r>
-              <a:rPr dirty="0" spc="10"/>
-              <a:t>Estrategias</a:t>
-            </a:r>
-            <a:r>
-              <a:rPr dirty="0"/>
-              <a:t> </a:t>
-            </a:r>
-            <a:r>
-              <a:rPr dirty="0" spc="70"/>
-              <a:t>“modernas”</a:t>
-            </a:r>
-            <a:r>
-              <a:rPr dirty="0" spc="-5"/>
-              <a:t> </a:t>
-            </a:r>
-            <a:r>
-              <a:rPr dirty="0" spc="70"/>
-              <a:t>de</a:t>
-            </a:r>
-            <a:r>
-              <a:rPr dirty="0" spc="-10"/>
-              <a:t> </a:t>
-            </a:r>
-            <a:r>
-              <a:rPr dirty="0"/>
-              <a:t>Fábricas</a:t>
-            </a:r>
-            <a:r>
-              <a:rPr dirty="0" spc="-5"/>
-              <a:t> </a:t>
-            </a:r>
-            <a:r>
-              <a:rPr dirty="0" spc="70"/>
-              <a:t>de</a:t>
-            </a:r>
-            <a:r>
-              <a:rPr dirty="0"/>
-              <a:t> </a:t>
-            </a:r>
-            <a:r>
-              <a:rPr dirty="0" spc="50"/>
-              <a:t>Software</a:t>
-            </a:r>
-          </a:p>
-          <a:p>
-            <a:pPr lvl="1" marL="698500" indent="-228600">
+            <a:pPr marL="698500" lvl="1" indent="-228600">
               <a:lnSpc>
                 <a:spcPct val="100000"/>
               </a:lnSpc>
@@ -10501,63 +11034,63 @@
               </a:tabLst>
             </a:pPr>
             <a:r>
-              <a:rPr dirty="0" sz="2000" spc="-15">
+              <a:rPr sz="2000" spc="-15" dirty="0">
                 <a:latin typeface="Microsoft Sans Serif"/>
                 <a:cs typeface="Microsoft Sans Serif"/>
               </a:rPr>
               <a:t>Reuso:</a:t>
             </a:r>
             <a:r>
-              <a:rPr dirty="0" sz="2000" spc="-20">
-                <a:latin typeface="Microsoft Sans Serif"/>
-                <a:cs typeface="Microsoft Sans Serif"/>
-              </a:rPr>
-              <a:t> </a:t>
-            </a:r>
-            <a:r>
-              <a:rPr dirty="0" sz="2000" spc="35">
+              <a:rPr sz="2000" spc="-20" dirty="0">
+                <a:latin typeface="Microsoft Sans Serif"/>
+                <a:cs typeface="Microsoft Sans Serif"/>
+              </a:rPr>
+              <a:t> </a:t>
+            </a:r>
+            <a:r>
+              <a:rPr sz="2000" spc="35" dirty="0">
                 <a:latin typeface="Microsoft Sans Serif"/>
                 <a:cs typeface="Microsoft Sans Serif"/>
               </a:rPr>
               <a:t>Frameworks,</a:t>
             </a:r>
             <a:r>
-              <a:rPr dirty="0" sz="2000" spc="-50">
-                <a:latin typeface="Microsoft Sans Serif"/>
-                <a:cs typeface="Microsoft Sans Serif"/>
-              </a:rPr>
-              <a:t> </a:t>
-            </a:r>
-            <a:r>
-              <a:rPr dirty="0" sz="2000" spc="5">
+              <a:rPr sz="2000" spc="-50" dirty="0">
+                <a:latin typeface="Microsoft Sans Serif"/>
+                <a:cs typeface="Microsoft Sans Serif"/>
+              </a:rPr>
+              <a:t> </a:t>
+            </a:r>
+            <a:r>
+              <a:rPr sz="2000" spc="5" dirty="0">
                 <a:latin typeface="Microsoft Sans Serif"/>
                 <a:cs typeface="Microsoft Sans Serif"/>
               </a:rPr>
               <a:t>Líneas</a:t>
             </a:r>
             <a:r>
-              <a:rPr dirty="0" sz="2000" spc="-40">
-                <a:latin typeface="Microsoft Sans Serif"/>
-                <a:cs typeface="Microsoft Sans Serif"/>
-              </a:rPr>
-              <a:t> </a:t>
-            </a:r>
-            <a:r>
-              <a:rPr dirty="0" sz="2000" spc="60">
+              <a:rPr sz="2000" spc="-40" dirty="0">
+                <a:latin typeface="Microsoft Sans Serif"/>
+                <a:cs typeface="Microsoft Sans Serif"/>
+              </a:rPr>
+              <a:t> </a:t>
+            </a:r>
+            <a:r>
+              <a:rPr sz="2000" spc="60" dirty="0">
                 <a:latin typeface="Microsoft Sans Serif"/>
                 <a:cs typeface="Microsoft Sans Serif"/>
               </a:rPr>
               <a:t>de</a:t>
             </a:r>
             <a:r>
-              <a:rPr dirty="0" sz="2000" spc="-20">
-                <a:latin typeface="Microsoft Sans Serif"/>
-                <a:cs typeface="Microsoft Sans Serif"/>
-              </a:rPr>
-              <a:t> </a:t>
-            </a:r>
-            <a:r>
-              <a:rPr dirty="0" sz="2000" spc="75">
+              <a:rPr sz="2000" spc="-20" dirty="0">
+                <a:latin typeface="Microsoft Sans Serif"/>
+                <a:cs typeface="Microsoft Sans Serif"/>
+              </a:rPr>
+              <a:t> </a:t>
+            </a:r>
+            <a:r>
+              <a:rPr sz="2000" spc="75" dirty="0">
                 <a:latin typeface="Microsoft Sans Serif"/>
                 <a:cs typeface="Microsoft Sans Serif"/>
               </a:rPr>
@@ -10569,7 +11102,7 @@
             </a:endParaRPr>
           </a:p>
           <a:p>
-            <a:pPr lvl="1" marL="698500" indent="-228600">
+            <a:pPr marL="698500" lvl="1" indent="-228600">
               <a:lnSpc>
                 <a:spcPct val="100000"/>
               </a:lnSpc>
@@ -10584,49 +11117,49 @@
               </a:tabLst>
             </a:pPr>
             <a:r>
-              <a:rPr dirty="0" sz="2000" spc="50">
+              <a:rPr sz="2000" spc="50" dirty="0">
                 <a:latin typeface="Microsoft Sans Serif"/>
                 <a:cs typeface="Microsoft Sans Serif"/>
               </a:rPr>
               <a:t>Automatización:</a:t>
             </a:r>
             <a:r>
-              <a:rPr dirty="0" sz="2000" spc="-45">
-                <a:latin typeface="Microsoft Sans Serif"/>
-                <a:cs typeface="Microsoft Sans Serif"/>
-              </a:rPr>
-              <a:t> </a:t>
-            </a:r>
-            <a:r>
-              <a:rPr dirty="0" sz="2000">
+              <a:rPr sz="2000" spc="-45" dirty="0">
+                <a:latin typeface="Microsoft Sans Serif"/>
+                <a:cs typeface="Microsoft Sans Serif"/>
+              </a:rPr>
+              <a:t> </a:t>
+            </a:r>
+            <a:r>
+              <a:rPr sz="2000" dirty="0">
                 <a:latin typeface="Microsoft Sans Serif"/>
                 <a:cs typeface="Microsoft Sans Serif"/>
               </a:rPr>
               <a:t>a</a:t>
             </a:r>
             <a:r>
-              <a:rPr dirty="0" sz="2000" spc="-20">
-                <a:latin typeface="Microsoft Sans Serif"/>
-                <a:cs typeface="Microsoft Sans Serif"/>
-              </a:rPr>
-              <a:t> </a:t>
-            </a:r>
-            <a:r>
-              <a:rPr dirty="0" sz="2000" spc="110">
+              <a:rPr sz="2000" spc="-20" dirty="0">
+                <a:latin typeface="Microsoft Sans Serif"/>
+                <a:cs typeface="Microsoft Sans Serif"/>
+              </a:rPr>
+              <a:t> </a:t>
+            </a:r>
+            <a:r>
+              <a:rPr sz="2000" spc="110" dirty="0">
                 <a:latin typeface="Microsoft Sans Serif"/>
                 <a:cs typeface="Microsoft Sans Serif"/>
               </a:rPr>
               <a:t>todo</a:t>
             </a:r>
             <a:r>
-              <a:rPr dirty="0" sz="2000" spc="-20">
-                <a:latin typeface="Microsoft Sans Serif"/>
-                <a:cs typeface="Microsoft Sans Serif"/>
-              </a:rPr>
-              <a:t> </a:t>
-            </a:r>
-            <a:r>
-              <a:rPr dirty="0" sz="2000" spc="45">
+              <a:rPr sz="2000" spc="-20" dirty="0">
+                <a:latin typeface="Microsoft Sans Serif"/>
+                <a:cs typeface="Microsoft Sans Serif"/>
+              </a:rPr>
+              <a:t> </a:t>
+            </a:r>
+            <a:r>
+              <a:rPr sz="2000" spc="45" dirty="0">
                 <a:latin typeface="Microsoft Sans Serif"/>
                 <a:cs typeface="Microsoft Sans Serif"/>
               </a:rPr>
@@ -10655,7 +11188,7 @@
           </a:prstGeom>
         </p:spPr>
         <p:txBody>
-          <a:bodyPr wrap="square" lIns="0" tIns="12700" rIns="0" bIns="0" rtlCol="0" vert="horz">
+          <a:bodyPr vert="horz" wrap="square" lIns="0" tIns="12700" rIns="0" bIns="0" rtlCol="0">
             <a:spAutoFit/>
           </a:bodyPr>
           <a:lstStyle/>
@@ -10669,7 +11202,7 @@
               </a:spcBef>
             </a:pPr>
             <a:r>
-              <a:rPr dirty="0" sz="1200" spc="5">
+              <a:rPr sz="1200" spc="5" dirty="0">
                 <a:solidFill>
                   <a:srgbClr val="888888"/>
                 </a:solidFill>
@@ -10770,7 +11303,7 @@
           </a:prstGeom>
         </p:spPr>
         <p:txBody>
-          <a:bodyPr wrap="square" lIns="0" tIns="40005" rIns="0" bIns="0" rtlCol="0" vert="horz">
+          <a:bodyPr vert="horz" wrap="square" lIns="0" tIns="40005" rIns="0" bIns="0" rtlCol="0">
             <a:spAutoFit/>
           </a:bodyPr>
           <a:lstStyle/>
@@ -10789,139 +11322,139 @@
               </a:tabLst>
             </a:pPr>
             <a:r>
-              <a:rPr dirty="0" sz="2400" spc="-55">
+              <a:rPr sz="2400" spc="-55" dirty="0">
                 <a:latin typeface="Microsoft Sans Serif"/>
                 <a:cs typeface="Microsoft Sans Serif"/>
               </a:rPr>
               <a:t>Las</a:t>
             </a:r>
             <a:r>
-              <a:rPr dirty="0" sz="2400">
-                <a:latin typeface="Microsoft Sans Serif"/>
-                <a:cs typeface="Microsoft Sans Serif"/>
-              </a:rPr>
-              <a:t> </a:t>
-            </a:r>
-            <a:r>
-              <a:rPr dirty="0" sz="2400" spc="45">
+              <a:rPr sz="2400" dirty="0">
+                <a:latin typeface="Microsoft Sans Serif"/>
+                <a:cs typeface="Microsoft Sans Serif"/>
+              </a:rPr>
+              <a:t> </a:t>
+            </a:r>
+            <a:r>
+              <a:rPr sz="2400" spc="45" dirty="0">
                 <a:latin typeface="Microsoft Sans Serif"/>
                 <a:cs typeface="Microsoft Sans Serif"/>
               </a:rPr>
               <a:t>empresas</a:t>
             </a:r>
             <a:r>
-              <a:rPr dirty="0" sz="2400">
-                <a:latin typeface="Microsoft Sans Serif"/>
-                <a:cs typeface="Microsoft Sans Serif"/>
-              </a:rPr>
-              <a:t> </a:t>
-            </a:r>
-            <a:r>
-              <a:rPr dirty="0" sz="2400" spc="210">
+              <a:rPr sz="2400" dirty="0">
+                <a:latin typeface="Microsoft Sans Serif"/>
+                <a:cs typeface="Microsoft Sans Serif"/>
+              </a:rPr>
+              <a:t> </a:t>
+            </a:r>
+            <a:r>
+              <a:rPr sz="2400" spc="210" dirty="0">
                 <a:latin typeface="Microsoft Sans Serif"/>
                 <a:cs typeface="Microsoft Sans Serif"/>
               </a:rPr>
               <a:t>/</a:t>
             </a:r>
             <a:r>
-              <a:rPr dirty="0" sz="2400" spc="-10">
-                <a:latin typeface="Microsoft Sans Serif"/>
-                <a:cs typeface="Microsoft Sans Serif"/>
-              </a:rPr>
-              <a:t> </a:t>
-            </a:r>
-            <a:r>
-              <a:rPr dirty="0" sz="2400" spc="75">
+              <a:rPr sz="2400" spc="-10" dirty="0">
+                <a:latin typeface="Microsoft Sans Serif"/>
+                <a:cs typeface="Microsoft Sans Serif"/>
+              </a:rPr>
+              <a:t> </a:t>
+            </a:r>
+            <a:r>
+              <a:rPr sz="2400" spc="75" dirty="0">
                 <a:latin typeface="Microsoft Sans Serif"/>
                 <a:cs typeface="Microsoft Sans Serif"/>
               </a:rPr>
               <a:t>gobiernos</a:t>
             </a:r>
             <a:r>
-              <a:rPr dirty="0" sz="2400" spc="-15">
-                <a:latin typeface="Microsoft Sans Serif"/>
-                <a:cs typeface="Microsoft Sans Serif"/>
-              </a:rPr>
-              <a:t> </a:t>
-            </a:r>
-            <a:r>
-              <a:rPr dirty="0" sz="2400" spc="85">
+              <a:rPr sz="2400" spc="-15" dirty="0">
+                <a:latin typeface="Microsoft Sans Serif"/>
+                <a:cs typeface="Microsoft Sans Serif"/>
+              </a:rPr>
+              <a:t> </a:t>
+            </a:r>
+            <a:r>
+              <a:rPr sz="2400" spc="85" dirty="0">
                 <a:latin typeface="Microsoft Sans Serif"/>
                 <a:cs typeface="Microsoft Sans Serif"/>
               </a:rPr>
               <a:t>dependen</a:t>
             </a:r>
             <a:r>
-              <a:rPr dirty="0" sz="2400" spc="5">
-                <a:latin typeface="Microsoft Sans Serif"/>
-                <a:cs typeface="Microsoft Sans Serif"/>
-              </a:rPr>
-              <a:t> </a:t>
-            </a:r>
-            <a:r>
-              <a:rPr dirty="0" sz="2400" spc="15">
+              <a:rPr sz="2400" spc="5" dirty="0">
+                <a:latin typeface="Microsoft Sans Serif"/>
+                <a:cs typeface="Microsoft Sans Serif"/>
+              </a:rPr>
+              <a:t> </a:t>
+            </a:r>
+            <a:r>
+              <a:rPr sz="2400" spc="15" dirty="0">
                 <a:latin typeface="Microsoft Sans Serif"/>
                 <a:cs typeface="Microsoft Sans Serif"/>
               </a:rPr>
               <a:t>cada</a:t>
             </a:r>
             <a:r>
-              <a:rPr dirty="0" sz="2400" spc="-10">
-                <a:latin typeface="Microsoft Sans Serif"/>
-                <a:cs typeface="Microsoft Sans Serif"/>
-              </a:rPr>
-              <a:t> </a:t>
-            </a:r>
-            <a:r>
-              <a:rPr dirty="0" sz="2400" spc="-35">
+              <a:rPr sz="2400" spc="-10" dirty="0">
+                <a:latin typeface="Microsoft Sans Serif"/>
+                <a:cs typeface="Microsoft Sans Serif"/>
+              </a:rPr>
+              <a:t> </a:t>
+            </a:r>
+            <a:r>
+              <a:rPr sz="2400" spc="-35" dirty="0">
                 <a:latin typeface="Microsoft Sans Serif"/>
                 <a:cs typeface="Microsoft Sans Serif"/>
               </a:rPr>
               <a:t>vez</a:t>
             </a:r>
             <a:r>
-              <a:rPr dirty="0" sz="2400" spc="-15">
-                <a:latin typeface="Microsoft Sans Serif"/>
-                <a:cs typeface="Microsoft Sans Serif"/>
-              </a:rPr>
-              <a:t> </a:t>
-            </a:r>
-            <a:r>
-              <a:rPr dirty="0" sz="2400" spc="55">
+              <a:rPr sz="2400" spc="-15" dirty="0">
+                <a:latin typeface="Microsoft Sans Serif"/>
+                <a:cs typeface="Microsoft Sans Serif"/>
+              </a:rPr>
+              <a:t> </a:t>
+            </a:r>
+            <a:r>
+              <a:rPr sz="2400" spc="55" dirty="0">
                 <a:latin typeface="Microsoft Sans Serif"/>
                 <a:cs typeface="Microsoft Sans Serif"/>
               </a:rPr>
               <a:t>más</a:t>
             </a:r>
             <a:r>
-              <a:rPr dirty="0" sz="2400">
-                <a:latin typeface="Microsoft Sans Serif"/>
-                <a:cs typeface="Microsoft Sans Serif"/>
-              </a:rPr>
-              <a:t> </a:t>
-            </a:r>
-            <a:r>
-              <a:rPr dirty="0" sz="2400" spc="65">
+              <a:rPr sz="2400" dirty="0">
+                <a:latin typeface="Microsoft Sans Serif"/>
+                <a:cs typeface="Microsoft Sans Serif"/>
+              </a:rPr>
+              <a:t> </a:t>
+            </a:r>
+            <a:r>
+              <a:rPr sz="2400" spc="65" dirty="0">
                 <a:latin typeface="Microsoft Sans Serif"/>
                 <a:cs typeface="Microsoft Sans Serif"/>
               </a:rPr>
               <a:t>del</a:t>
             </a:r>
             <a:r>
-              <a:rPr dirty="0" sz="2400" spc="5">
-                <a:latin typeface="Microsoft Sans Serif"/>
-                <a:cs typeface="Microsoft Sans Serif"/>
-              </a:rPr>
-              <a:t> </a:t>
-            </a:r>
-            <a:r>
-              <a:rPr dirty="0" sz="2400" spc="80">
+              <a:rPr sz="2400" spc="5" dirty="0">
+                <a:latin typeface="Microsoft Sans Serif"/>
+                <a:cs typeface="Microsoft Sans Serif"/>
+              </a:rPr>
+              <a:t> </a:t>
+            </a:r>
+            <a:r>
+              <a:rPr sz="2400" spc="80" dirty="0">
                 <a:latin typeface="Microsoft Sans Serif"/>
                 <a:cs typeface="Microsoft Sans Serif"/>
               </a:rPr>
               <a:t>software</a:t>
             </a:r>
-            <a:endParaRPr sz="2400">
+            <a:endParaRPr sz="2400" dirty="0">
               <a:latin typeface="Microsoft Sans Serif"/>
               <a:cs typeface="Microsoft Sans Serif"/>
             </a:endParaRPr>
@@ -10941,181 +11474,181 @@
               </a:tabLst>
             </a:pPr>
             <a:r>
-              <a:rPr dirty="0" sz="2400" spc="-110">
+              <a:rPr sz="2400" spc="-110" dirty="0">
                 <a:latin typeface="Microsoft Sans Serif"/>
                 <a:cs typeface="Microsoft Sans Serif"/>
               </a:rPr>
               <a:t>El</a:t>
             </a:r>
             <a:r>
-              <a:rPr dirty="0" sz="2400" spc="-10">
-                <a:latin typeface="Microsoft Sans Serif"/>
-                <a:cs typeface="Microsoft Sans Serif"/>
-              </a:rPr>
-              <a:t> </a:t>
-            </a:r>
-            <a:r>
-              <a:rPr dirty="0" sz="2400" spc="80">
+              <a:rPr sz="2400" spc="-10" dirty="0">
+                <a:latin typeface="Microsoft Sans Serif"/>
+                <a:cs typeface="Microsoft Sans Serif"/>
+              </a:rPr>
+              <a:t> </a:t>
+            </a:r>
+            <a:r>
+              <a:rPr sz="2400" spc="80" dirty="0">
                 <a:latin typeface="Microsoft Sans Serif"/>
                 <a:cs typeface="Microsoft Sans Serif"/>
               </a:rPr>
               <a:t>software</a:t>
             </a:r>
             <a:r>
-              <a:rPr dirty="0" sz="2400" spc="-30">
-                <a:latin typeface="Microsoft Sans Serif"/>
-                <a:cs typeface="Microsoft Sans Serif"/>
-              </a:rPr>
-              <a:t> </a:t>
-            </a:r>
-            <a:r>
-              <a:rPr dirty="0" sz="2400" spc="-25">
+              <a:rPr sz="2400" spc="-30" dirty="0">
+                <a:latin typeface="Microsoft Sans Serif"/>
+                <a:cs typeface="Microsoft Sans Serif"/>
+              </a:rPr>
+              <a:t> </a:t>
+            </a:r>
+            <a:r>
+              <a:rPr sz="2400" spc="-25" dirty="0">
                 <a:latin typeface="Microsoft Sans Serif"/>
                 <a:cs typeface="Microsoft Sans Serif"/>
               </a:rPr>
               <a:t>es</a:t>
             </a:r>
             <a:r>
-              <a:rPr dirty="0" sz="2400" spc="-5">
-                <a:latin typeface="Microsoft Sans Serif"/>
-                <a:cs typeface="Microsoft Sans Serif"/>
-              </a:rPr>
-              <a:t> </a:t>
-            </a:r>
-            <a:r>
-              <a:rPr dirty="0" sz="2400" spc="15">
+              <a:rPr sz="2400" spc="-5" dirty="0">
+                <a:latin typeface="Microsoft Sans Serif"/>
+                <a:cs typeface="Microsoft Sans Serif"/>
+              </a:rPr>
+              <a:t> </a:t>
+            </a:r>
+            <a:r>
+              <a:rPr sz="2400" spc="15" dirty="0">
                 <a:latin typeface="Microsoft Sans Serif"/>
                 <a:cs typeface="Microsoft Sans Serif"/>
               </a:rPr>
               <a:t>cada</a:t>
             </a:r>
             <a:r>
-              <a:rPr dirty="0" sz="2400" spc="-15">
-                <a:latin typeface="Microsoft Sans Serif"/>
-                <a:cs typeface="Microsoft Sans Serif"/>
-              </a:rPr>
-              <a:t> </a:t>
-            </a:r>
-            <a:r>
-              <a:rPr dirty="0" sz="2400" spc="-35">
+              <a:rPr sz="2400" spc="-15" dirty="0">
+                <a:latin typeface="Microsoft Sans Serif"/>
+                <a:cs typeface="Microsoft Sans Serif"/>
+              </a:rPr>
+              <a:t> </a:t>
+            </a:r>
+            <a:r>
+              <a:rPr sz="2400" spc="-35" dirty="0">
                 <a:latin typeface="Microsoft Sans Serif"/>
                 <a:cs typeface="Microsoft Sans Serif"/>
               </a:rPr>
               <a:t>vez</a:t>
             </a:r>
             <a:r>
-              <a:rPr dirty="0" sz="2400">
-                <a:latin typeface="Microsoft Sans Serif"/>
-                <a:cs typeface="Microsoft Sans Serif"/>
-              </a:rPr>
-              <a:t> </a:t>
-            </a:r>
-            <a:r>
-              <a:rPr dirty="0" sz="2400" spc="55">
+              <a:rPr sz="2400" dirty="0">
+                <a:latin typeface="Microsoft Sans Serif"/>
+                <a:cs typeface="Microsoft Sans Serif"/>
+              </a:rPr>
+              <a:t> </a:t>
+            </a:r>
+            <a:r>
+              <a:rPr sz="2400" spc="55" dirty="0">
                 <a:latin typeface="Microsoft Sans Serif"/>
                 <a:cs typeface="Microsoft Sans Serif"/>
               </a:rPr>
               <a:t>más</a:t>
             </a:r>
             <a:r>
-              <a:rPr dirty="0" sz="2400" spc="-5">
-                <a:latin typeface="Microsoft Sans Serif"/>
-                <a:cs typeface="Microsoft Sans Serif"/>
-              </a:rPr>
-              <a:t> </a:t>
-            </a:r>
-            <a:r>
-              <a:rPr dirty="0" sz="2400" spc="80">
+              <a:rPr sz="2400" spc="-5" dirty="0">
+                <a:latin typeface="Microsoft Sans Serif"/>
+                <a:cs typeface="Microsoft Sans Serif"/>
+              </a:rPr>
+              <a:t> </a:t>
+            </a:r>
+            <a:r>
+              <a:rPr sz="2400" spc="80" dirty="0">
                 <a:latin typeface="Microsoft Sans Serif"/>
                 <a:cs typeface="Microsoft Sans Serif"/>
               </a:rPr>
               <a:t>complejo</a:t>
             </a:r>
             <a:r>
-              <a:rPr dirty="0" sz="2400" spc="-15">
-                <a:latin typeface="Microsoft Sans Serif"/>
-                <a:cs typeface="Microsoft Sans Serif"/>
-              </a:rPr>
-              <a:t> </a:t>
-            </a:r>
-            <a:r>
-              <a:rPr dirty="0" sz="2400" spc="210">
+              <a:rPr sz="2400" spc="-15" dirty="0">
+                <a:latin typeface="Microsoft Sans Serif"/>
+                <a:cs typeface="Microsoft Sans Serif"/>
+              </a:rPr>
+              <a:t> </a:t>
+            </a:r>
+            <a:r>
+              <a:rPr sz="2400" spc="210" dirty="0">
                 <a:latin typeface="Microsoft Sans Serif"/>
                 <a:cs typeface="Microsoft Sans Serif"/>
               </a:rPr>
               <a:t>/</a:t>
             </a:r>
             <a:r>
-              <a:rPr dirty="0" sz="2400" spc="-5">
-                <a:latin typeface="Microsoft Sans Serif"/>
-                <a:cs typeface="Microsoft Sans Serif"/>
-              </a:rPr>
-              <a:t> </a:t>
-            </a:r>
-            <a:r>
-              <a:rPr dirty="0" sz="2400" spc="60">
+              <a:rPr sz="2400" spc="-5" dirty="0">
+                <a:latin typeface="Microsoft Sans Serif"/>
+                <a:cs typeface="Microsoft Sans Serif"/>
+              </a:rPr>
+              <a:t> </a:t>
+            </a:r>
+            <a:r>
+              <a:rPr sz="2400" spc="60" dirty="0">
                 <a:latin typeface="Microsoft Sans Serif"/>
                 <a:cs typeface="Microsoft Sans Serif"/>
               </a:rPr>
               <a:t>con</a:t>
             </a:r>
             <a:r>
-              <a:rPr dirty="0" sz="2400" spc="-20">
-                <a:latin typeface="Microsoft Sans Serif"/>
-                <a:cs typeface="Microsoft Sans Serif"/>
-              </a:rPr>
-              <a:t> </a:t>
-            </a:r>
-            <a:r>
-              <a:rPr dirty="0" sz="2400" spc="55">
+              <a:rPr sz="2400" spc="-20" dirty="0">
+                <a:latin typeface="Microsoft Sans Serif"/>
+                <a:cs typeface="Microsoft Sans Serif"/>
+              </a:rPr>
+              <a:t> </a:t>
+            </a:r>
+            <a:r>
+              <a:rPr sz="2400" spc="55" dirty="0">
                 <a:latin typeface="Microsoft Sans Serif"/>
                 <a:cs typeface="Microsoft Sans Serif"/>
               </a:rPr>
               <a:t>más</a:t>
             </a:r>
             <a:r>
-              <a:rPr dirty="0" sz="2400">
-                <a:latin typeface="Microsoft Sans Serif"/>
-                <a:cs typeface="Microsoft Sans Serif"/>
-              </a:rPr>
-              <a:t> </a:t>
-            </a:r>
-            <a:r>
-              <a:rPr dirty="0" sz="2400" spc="35">
+              <a:rPr sz="2400" dirty="0">
+                <a:latin typeface="Microsoft Sans Serif"/>
+                <a:cs typeface="Microsoft Sans Serif"/>
+              </a:rPr>
+              <a:t> </a:t>
+            </a:r>
+            <a:r>
+              <a:rPr sz="2400" spc="35" dirty="0">
                 <a:latin typeface="Microsoft Sans Serif"/>
                 <a:cs typeface="Microsoft Sans Serif"/>
               </a:rPr>
               <a:t>líneas</a:t>
             </a:r>
             <a:r>
-              <a:rPr dirty="0" sz="2400">
-                <a:latin typeface="Microsoft Sans Serif"/>
-                <a:cs typeface="Microsoft Sans Serif"/>
-              </a:rPr>
-              <a:t> </a:t>
-            </a:r>
-            <a:r>
-              <a:rPr dirty="0" sz="2400" spc="70">
+              <a:rPr sz="2400" dirty="0">
+                <a:latin typeface="Microsoft Sans Serif"/>
+                <a:cs typeface="Microsoft Sans Serif"/>
+              </a:rPr>
+              <a:t> </a:t>
+            </a:r>
+            <a:r>
+              <a:rPr sz="2400" spc="70" dirty="0">
                 <a:latin typeface="Microsoft Sans Serif"/>
                 <a:cs typeface="Microsoft Sans Serif"/>
               </a:rPr>
               <a:t>de</a:t>
             </a:r>
             <a:r>
-              <a:rPr dirty="0" sz="2400" spc="-20">
-                <a:latin typeface="Microsoft Sans Serif"/>
-                <a:cs typeface="Microsoft Sans Serif"/>
-              </a:rPr>
-              <a:t> </a:t>
-            </a:r>
-            <a:r>
-              <a:rPr dirty="0" sz="2400" spc="55">
+              <a:rPr sz="2400" spc="-20" dirty="0">
+                <a:latin typeface="Microsoft Sans Serif"/>
+                <a:cs typeface="Microsoft Sans Serif"/>
+              </a:rPr>
+              <a:t> </a:t>
+            </a:r>
+            <a:r>
+              <a:rPr sz="2400" spc="55" dirty="0">
                 <a:latin typeface="Microsoft Sans Serif"/>
                 <a:cs typeface="Microsoft Sans Serif"/>
               </a:rPr>
               <a:t>código</a:t>
             </a:r>
-            <a:endParaRPr sz="2400">
+            <a:endParaRPr sz="2400" dirty="0">
               <a:latin typeface="Microsoft Sans Serif"/>
               <a:cs typeface="Microsoft Sans Serif"/>
             </a:endParaRPr>
@@ -11135,153 +11668,153 @@
               </a:tabLst>
             </a:pPr>
             <a:r>
-              <a:rPr dirty="0" sz="2400" spc="-165">
+              <a:rPr sz="2400" spc="-165" dirty="0">
                 <a:latin typeface="Microsoft Sans Serif"/>
                 <a:cs typeface="Microsoft Sans Serif"/>
               </a:rPr>
               <a:t>Es</a:t>
             </a:r>
             <a:r>
-              <a:rPr dirty="0" sz="2400" spc="-15">
-                <a:latin typeface="Microsoft Sans Serif"/>
-                <a:cs typeface="Microsoft Sans Serif"/>
-              </a:rPr>
-              <a:t> </a:t>
-            </a:r>
-            <a:r>
-              <a:rPr dirty="0" sz="2400" spc="120">
+              <a:rPr sz="2400" spc="-15" dirty="0">
+                <a:latin typeface="Microsoft Sans Serif"/>
+                <a:cs typeface="Microsoft Sans Serif"/>
+              </a:rPr>
+              <a:t> </a:t>
+            </a:r>
+            <a:r>
+              <a:rPr sz="2400" spc="120" dirty="0">
                 <a:latin typeface="Microsoft Sans Serif"/>
                 <a:cs typeface="Microsoft Sans Serif"/>
               </a:rPr>
               <a:t>muy</a:t>
             </a:r>
             <a:r>
-              <a:rPr dirty="0" sz="2400">
-                <a:latin typeface="Microsoft Sans Serif"/>
-                <a:cs typeface="Microsoft Sans Serif"/>
-              </a:rPr>
-              <a:t> </a:t>
-            </a:r>
-            <a:r>
-              <a:rPr dirty="0" sz="2400" spc="105">
+              <a:rPr sz="2400" dirty="0">
+                <a:latin typeface="Microsoft Sans Serif"/>
+                <a:cs typeface="Microsoft Sans Serif"/>
+              </a:rPr>
+              <a:t> </a:t>
+            </a:r>
+            <a:r>
+              <a:rPr sz="2400" spc="105" dirty="0">
                 <a:latin typeface="Microsoft Sans Serif"/>
                 <a:cs typeface="Microsoft Sans Serif"/>
               </a:rPr>
               <a:t>común</a:t>
             </a:r>
             <a:r>
-              <a:rPr dirty="0" sz="2400" spc="-15">
-                <a:latin typeface="Microsoft Sans Serif"/>
-                <a:cs typeface="Microsoft Sans Serif"/>
-              </a:rPr>
-              <a:t> </a:t>
-            </a:r>
-            <a:r>
-              <a:rPr dirty="0" sz="2400" spc="95">
+              <a:rPr sz="2400" spc="-15" dirty="0">
+                <a:latin typeface="Microsoft Sans Serif"/>
+                <a:cs typeface="Microsoft Sans Serif"/>
+              </a:rPr>
+              <a:t> </a:t>
+            </a:r>
+            <a:r>
+              <a:rPr sz="2400" spc="95" dirty="0">
                 <a:latin typeface="Microsoft Sans Serif"/>
                 <a:cs typeface="Microsoft Sans Serif"/>
               </a:rPr>
               <a:t>que</a:t>
             </a:r>
             <a:r>
-              <a:rPr dirty="0" sz="2400" spc="-15">
-                <a:latin typeface="Microsoft Sans Serif"/>
-                <a:cs typeface="Microsoft Sans Serif"/>
-              </a:rPr>
-              <a:t> </a:t>
-            </a:r>
-            <a:r>
-              <a:rPr dirty="0" sz="2400" spc="40">
+              <a:rPr sz="2400" spc="-15" dirty="0">
+                <a:latin typeface="Microsoft Sans Serif"/>
+                <a:cs typeface="Microsoft Sans Serif"/>
+              </a:rPr>
+              <a:t> </a:t>
+            </a:r>
+            <a:r>
+              <a:rPr sz="2400" spc="40" dirty="0">
                 <a:latin typeface="Microsoft Sans Serif"/>
                 <a:cs typeface="Microsoft Sans Serif"/>
               </a:rPr>
               <a:t>los</a:t>
             </a:r>
             <a:r>
-              <a:rPr dirty="0" sz="2400" spc="-10">
-                <a:latin typeface="Microsoft Sans Serif"/>
-                <a:cs typeface="Microsoft Sans Serif"/>
-              </a:rPr>
-              <a:t> </a:t>
-            </a:r>
-            <a:r>
-              <a:rPr dirty="0" sz="2400" spc="60">
+              <a:rPr sz="2400" spc="-10" dirty="0">
+                <a:latin typeface="Microsoft Sans Serif"/>
+                <a:cs typeface="Microsoft Sans Serif"/>
+              </a:rPr>
+              <a:t> </a:t>
+            </a:r>
+            <a:r>
+              <a:rPr sz="2400" spc="60" dirty="0">
                 <a:latin typeface="Microsoft Sans Serif"/>
                 <a:cs typeface="Microsoft Sans Serif"/>
               </a:rPr>
               <a:t>proyectos</a:t>
             </a:r>
             <a:r>
-              <a:rPr dirty="0" sz="2400" spc="-15">
-                <a:latin typeface="Microsoft Sans Serif"/>
-                <a:cs typeface="Microsoft Sans Serif"/>
-              </a:rPr>
-              <a:t> </a:t>
-            </a:r>
-            <a:r>
-              <a:rPr dirty="0" sz="2400" spc="114">
+              <a:rPr sz="2400" spc="-15" dirty="0">
+                <a:latin typeface="Microsoft Sans Serif"/>
+                <a:cs typeface="Microsoft Sans Serif"/>
+              </a:rPr>
+              <a:t> </a:t>
+            </a:r>
+            <a:r>
+              <a:rPr sz="2400" spc="114" dirty="0">
                 <a:latin typeface="Microsoft Sans Serif"/>
                 <a:cs typeface="Microsoft Sans Serif"/>
               </a:rPr>
               <a:t>terminen</a:t>
             </a:r>
             <a:r>
-              <a:rPr dirty="0" sz="2400" spc="-5">
-                <a:latin typeface="Microsoft Sans Serif"/>
-                <a:cs typeface="Microsoft Sans Serif"/>
-              </a:rPr>
-              <a:t> </a:t>
-            </a:r>
-            <a:r>
-              <a:rPr dirty="0" sz="2400" spc="60">
+              <a:rPr sz="2400" spc="-5" dirty="0">
+                <a:latin typeface="Microsoft Sans Serif"/>
+                <a:cs typeface="Microsoft Sans Serif"/>
+              </a:rPr>
+              <a:t> </a:t>
+            </a:r>
+            <a:r>
+              <a:rPr sz="2400" spc="60" dirty="0">
                 <a:latin typeface="Microsoft Sans Serif"/>
                 <a:cs typeface="Microsoft Sans Serif"/>
               </a:rPr>
               <a:t>tarde,</a:t>
             </a:r>
             <a:r>
-              <a:rPr dirty="0" sz="2400" spc="-15">
-                <a:latin typeface="Microsoft Sans Serif"/>
-                <a:cs typeface="Microsoft Sans Serif"/>
-              </a:rPr>
-              <a:t> </a:t>
-            </a:r>
-            <a:r>
-              <a:rPr dirty="0" sz="2400" spc="90">
+              <a:rPr sz="2400" spc="-15" dirty="0">
+                <a:latin typeface="Microsoft Sans Serif"/>
+                <a:cs typeface="Microsoft Sans Serif"/>
+              </a:rPr>
+              <a:t> </a:t>
+            </a:r>
+            <a:r>
+              <a:rPr sz="2400" spc="90" dirty="0">
                 <a:latin typeface="Microsoft Sans Serif"/>
                 <a:cs typeface="Microsoft Sans Serif"/>
               </a:rPr>
               <a:t>desbordando</a:t>
             </a:r>
             <a:r>
-              <a:rPr dirty="0" sz="2400" spc="-15">
-                <a:latin typeface="Microsoft Sans Serif"/>
-                <a:cs typeface="Microsoft Sans Serif"/>
-              </a:rPr>
-              <a:t> </a:t>
-            </a:r>
-            <a:r>
-              <a:rPr dirty="0" sz="2400" spc="30">
+              <a:rPr sz="2400" spc="-15" dirty="0">
+                <a:latin typeface="Microsoft Sans Serif"/>
+                <a:cs typeface="Microsoft Sans Serif"/>
+              </a:rPr>
+              <a:t> </a:t>
+            </a:r>
+            <a:r>
+              <a:rPr sz="2400" spc="30" dirty="0">
                 <a:latin typeface="Microsoft Sans Serif"/>
                 <a:cs typeface="Microsoft Sans Serif"/>
               </a:rPr>
               <a:t>el </a:t>
             </a:r>
             <a:r>
-              <a:rPr dirty="0" sz="2400" spc="-625">
-                <a:latin typeface="Microsoft Sans Serif"/>
-                <a:cs typeface="Microsoft Sans Serif"/>
-              </a:rPr>
-              <a:t> </a:t>
-            </a:r>
-            <a:r>
-              <a:rPr dirty="0" sz="2400" spc="80">
+              <a:rPr sz="2400" spc="-625" dirty="0">
+                <a:latin typeface="Microsoft Sans Serif"/>
+                <a:cs typeface="Microsoft Sans Serif"/>
+              </a:rPr>
+              <a:t> </a:t>
+            </a:r>
+            <a:r>
+              <a:rPr sz="2400" spc="80" dirty="0">
                 <a:latin typeface="Microsoft Sans Serif"/>
                 <a:cs typeface="Microsoft Sans Serif"/>
               </a:rPr>
               <a:t>presupuesto</a:t>
             </a:r>
-            <a:endParaRPr sz="2400">
+            <a:endParaRPr sz="2400" dirty="0">
               <a:latin typeface="Microsoft Sans Serif"/>
               <a:cs typeface="Microsoft Sans Serif"/>
             </a:endParaRPr>
@@ -11301,195 +11834,195 @@
               </a:tabLst>
             </a:pPr>
             <a:r>
-              <a:rPr dirty="0" sz="2400" spc="-165">
+              <a:rPr sz="2400" spc="-165" dirty="0">
                 <a:latin typeface="Microsoft Sans Serif"/>
                 <a:cs typeface="Microsoft Sans Serif"/>
               </a:rPr>
               <a:t>Es</a:t>
             </a:r>
             <a:r>
-              <a:rPr dirty="0" sz="2400" spc="-15">
-                <a:latin typeface="Microsoft Sans Serif"/>
-                <a:cs typeface="Microsoft Sans Serif"/>
-              </a:rPr>
-              <a:t> </a:t>
-            </a:r>
-            <a:r>
-              <a:rPr dirty="0" sz="2400" spc="120">
+              <a:rPr sz="2400" spc="-15" dirty="0">
+                <a:latin typeface="Microsoft Sans Serif"/>
+                <a:cs typeface="Microsoft Sans Serif"/>
+              </a:rPr>
+              <a:t> </a:t>
+            </a:r>
+            <a:r>
+              <a:rPr sz="2400" spc="120" dirty="0">
                 <a:latin typeface="Microsoft Sans Serif"/>
                 <a:cs typeface="Microsoft Sans Serif"/>
               </a:rPr>
               <a:t>muy</a:t>
             </a:r>
             <a:r>
-              <a:rPr dirty="0" sz="2400">
-                <a:latin typeface="Microsoft Sans Serif"/>
-                <a:cs typeface="Microsoft Sans Serif"/>
-              </a:rPr>
-              <a:t> </a:t>
-            </a:r>
-            <a:r>
-              <a:rPr dirty="0" sz="2400" spc="105">
+              <a:rPr sz="2400" dirty="0">
+                <a:latin typeface="Microsoft Sans Serif"/>
+                <a:cs typeface="Microsoft Sans Serif"/>
+              </a:rPr>
+              <a:t> </a:t>
+            </a:r>
+            <a:r>
+              <a:rPr sz="2400" spc="105" dirty="0">
                 <a:latin typeface="Microsoft Sans Serif"/>
                 <a:cs typeface="Microsoft Sans Serif"/>
               </a:rPr>
               <a:t>común</a:t>
             </a:r>
             <a:r>
-              <a:rPr dirty="0" sz="2400" spc="-15">
-                <a:latin typeface="Microsoft Sans Serif"/>
-                <a:cs typeface="Microsoft Sans Serif"/>
-              </a:rPr>
-              <a:t> </a:t>
-            </a:r>
-            <a:r>
-              <a:rPr dirty="0" sz="2400" spc="95">
+              <a:rPr sz="2400" spc="-15" dirty="0">
+                <a:latin typeface="Microsoft Sans Serif"/>
+                <a:cs typeface="Microsoft Sans Serif"/>
+              </a:rPr>
+              <a:t> </a:t>
+            </a:r>
+            <a:r>
+              <a:rPr sz="2400" spc="95" dirty="0">
                 <a:latin typeface="Microsoft Sans Serif"/>
                 <a:cs typeface="Microsoft Sans Serif"/>
               </a:rPr>
               <a:t>que</a:t>
             </a:r>
             <a:r>
-              <a:rPr dirty="0" sz="2400" spc="-15">
-                <a:latin typeface="Microsoft Sans Serif"/>
-                <a:cs typeface="Microsoft Sans Serif"/>
-              </a:rPr>
-              <a:t> </a:t>
-            </a:r>
-            <a:r>
-              <a:rPr dirty="0" sz="2400" spc="30">
+              <a:rPr sz="2400" spc="-15" dirty="0">
+                <a:latin typeface="Microsoft Sans Serif"/>
+                <a:cs typeface="Microsoft Sans Serif"/>
+              </a:rPr>
+              <a:t> </a:t>
+            </a:r>
+            <a:r>
+              <a:rPr sz="2400" spc="30" dirty="0">
                 <a:latin typeface="Microsoft Sans Serif"/>
                 <a:cs typeface="Microsoft Sans Serif"/>
               </a:rPr>
               <a:t>el</a:t>
             </a:r>
             <a:r>
-              <a:rPr dirty="0" sz="2400" spc="-5">
-                <a:latin typeface="Microsoft Sans Serif"/>
-                <a:cs typeface="Microsoft Sans Serif"/>
-              </a:rPr>
-              <a:t> </a:t>
-            </a:r>
-            <a:r>
-              <a:rPr dirty="0" sz="2400" spc="80">
+              <a:rPr sz="2400" spc="-5" dirty="0">
+                <a:latin typeface="Microsoft Sans Serif"/>
+                <a:cs typeface="Microsoft Sans Serif"/>
+              </a:rPr>
+              <a:t> </a:t>
+            </a:r>
+            <a:r>
+              <a:rPr sz="2400" spc="80" dirty="0">
                 <a:latin typeface="Microsoft Sans Serif"/>
                 <a:cs typeface="Microsoft Sans Serif"/>
               </a:rPr>
               <a:t>software</a:t>
             </a:r>
             <a:r>
-              <a:rPr dirty="0" sz="2400" spc="-15">
-                <a:latin typeface="Microsoft Sans Serif"/>
-                <a:cs typeface="Microsoft Sans Serif"/>
-              </a:rPr>
-              <a:t> </a:t>
-            </a:r>
-            <a:r>
-              <a:rPr dirty="0" sz="2400" spc="30">
+              <a:rPr sz="2400" spc="-15" dirty="0">
+                <a:latin typeface="Microsoft Sans Serif"/>
+                <a:cs typeface="Microsoft Sans Serif"/>
+              </a:rPr>
+              <a:t> </a:t>
+            </a:r>
+            <a:r>
+              <a:rPr sz="2400" spc="30" dirty="0">
                 <a:latin typeface="Microsoft Sans Serif"/>
                 <a:cs typeface="Microsoft Sans Serif"/>
               </a:rPr>
               <a:t>falle,</a:t>
             </a:r>
             <a:r>
-              <a:rPr dirty="0" sz="2400" spc="-15">
-                <a:latin typeface="Microsoft Sans Serif"/>
-                <a:cs typeface="Microsoft Sans Serif"/>
-              </a:rPr>
-              <a:t> </a:t>
-            </a:r>
-            <a:r>
-              <a:rPr dirty="0" sz="2400" spc="125">
+              <a:rPr sz="2400" spc="-15" dirty="0">
+                <a:latin typeface="Microsoft Sans Serif"/>
+                <a:cs typeface="Microsoft Sans Serif"/>
+              </a:rPr>
+              <a:t> </a:t>
+            </a:r>
+            <a:r>
+              <a:rPr sz="2400" spc="125" dirty="0">
                 <a:latin typeface="Microsoft Sans Serif"/>
                 <a:cs typeface="Microsoft Sans Serif"/>
               </a:rPr>
               <a:t>no</a:t>
             </a:r>
             <a:r>
-              <a:rPr dirty="0" sz="2400" spc="-15">
-                <a:latin typeface="Microsoft Sans Serif"/>
-                <a:cs typeface="Microsoft Sans Serif"/>
-              </a:rPr>
-              <a:t> </a:t>
-            </a:r>
-            <a:r>
-              <a:rPr dirty="0" sz="2400" spc="85">
+              <a:rPr sz="2400" spc="-15" dirty="0">
+                <a:latin typeface="Microsoft Sans Serif"/>
+                <a:cs typeface="Microsoft Sans Serif"/>
+              </a:rPr>
+              <a:t> </a:t>
+            </a:r>
+            <a:r>
+              <a:rPr sz="2400" spc="85" dirty="0">
                 <a:latin typeface="Microsoft Sans Serif"/>
                 <a:cs typeface="Microsoft Sans Serif"/>
               </a:rPr>
               <a:t>funcione</a:t>
             </a:r>
             <a:r>
-              <a:rPr dirty="0" sz="2400" spc="-15">
-                <a:latin typeface="Microsoft Sans Serif"/>
-                <a:cs typeface="Microsoft Sans Serif"/>
-              </a:rPr>
-              <a:t> </a:t>
-            </a:r>
-            <a:r>
-              <a:rPr dirty="0" sz="2400" spc="85">
+              <a:rPr sz="2400" spc="-15" dirty="0">
+                <a:latin typeface="Microsoft Sans Serif"/>
+                <a:cs typeface="Microsoft Sans Serif"/>
+              </a:rPr>
+              <a:t> </a:t>
+            </a:r>
+            <a:r>
+              <a:rPr sz="2400" spc="85" dirty="0">
                 <a:latin typeface="Microsoft Sans Serif"/>
                 <a:cs typeface="Microsoft Sans Serif"/>
               </a:rPr>
               <a:t>bien</a:t>
             </a:r>
             <a:r>
-              <a:rPr dirty="0" sz="2400" spc="-15">
-                <a:latin typeface="Microsoft Sans Serif"/>
-                <a:cs typeface="Microsoft Sans Serif"/>
-              </a:rPr>
-              <a:t> </a:t>
-            </a:r>
-            <a:r>
-              <a:rPr dirty="0" sz="2400" spc="5">
+              <a:rPr sz="2400" spc="-15" dirty="0">
+                <a:latin typeface="Microsoft Sans Serif"/>
+                <a:cs typeface="Microsoft Sans Serif"/>
+              </a:rPr>
+              <a:t> </a:t>
+            </a:r>
+            <a:r>
+              <a:rPr sz="2400" spc="5" dirty="0">
                 <a:latin typeface="Microsoft Sans Serif"/>
                 <a:cs typeface="Microsoft Sans Serif"/>
               </a:rPr>
               <a:t>y</a:t>
             </a:r>
             <a:r>
-              <a:rPr dirty="0" sz="2400">
-                <a:latin typeface="Microsoft Sans Serif"/>
-                <a:cs typeface="Microsoft Sans Serif"/>
-              </a:rPr>
-              <a:t> </a:t>
-            </a:r>
-            <a:r>
-              <a:rPr dirty="0" sz="2400" spc="60">
+              <a:rPr sz="2400" dirty="0">
+                <a:latin typeface="Microsoft Sans Serif"/>
+                <a:cs typeface="Microsoft Sans Serif"/>
+              </a:rPr>
+              <a:t> </a:t>
+            </a:r>
+            <a:r>
+              <a:rPr sz="2400" spc="60" dirty="0">
                 <a:latin typeface="Microsoft Sans Serif"/>
                 <a:cs typeface="Microsoft Sans Serif"/>
               </a:rPr>
               <a:t>tenga </a:t>
             </a:r>
             <a:r>
-              <a:rPr dirty="0" sz="2400" spc="-625">
-                <a:latin typeface="Microsoft Sans Serif"/>
-                <a:cs typeface="Microsoft Sans Serif"/>
-              </a:rPr>
-              <a:t> </a:t>
-            </a:r>
-            <a:r>
-              <a:rPr dirty="0" sz="2400" spc="80">
+              <a:rPr sz="2400" spc="-625" dirty="0">
+                <a:latin typeface="Microsoft Sans Serif"/>
+                <a:cs typeface="Microsoft Sans Serif"/>
+              </a:rPr>
+              <a:t> </a:t>
+            </a:r>
+            <a:r>
+              <a:rPr sz="2400" spc="80" dirty="0">
                 <a:latin typeface="Microsoft Sans Serif"/>
                 <a:cs typeface="Microsoft Sans Serif"/>
               </a:rPr>
               <a:t>muchos</a:t>
             </a:r>
             <a:r>
-              <a:rPr dirty="0" sz="2400" spc="-10">
-                <a:latin typeface="Microsoft Sans Serif"/>
-                <a:cs typeface="Microsoft Sans Serif"/>
-              </a:rPr>
-              <a:t> </a:t>
-            </a:r>
-            <a:r>
-              <a:rPr dirty="0" sz="2400" spc="70">
+              <a:rPr sz="2400" spc="-10" dirty="0">
+                <a:latin typeface="Microsoft Sans Serif"/>
+                <a:cs typeface="Microsoft Sans Serif"/>
+              </a:rPr>
+              <a:t> </a:t>
+            </a:r>
+            <a:r>
+              <a:rPr sz="2400" spc="70" dirty="0">
                 <a:latin typeface="Microsoft Sans Serif"/>
                 <a:cs typeface="Microsoft Sans Serif"/>
               </a:rPr>
               <a:t>errores</a:t>
             </a:r>
-            <a:endParaRPr sz="2400">
+            <a:endParaRPr sz="2400" dirty="0">
               <a:latin typeface="Microsoft Sans Serif"/>
               <a:cs typeface="Microsoft Sans Serif"/>
             </a:endParaRPr>
@@ -11581,7 +12114,7 @@
           </a:prstGeom>
         </p:spPr>
         <p:txBody>
-          <a:bodyPr wrap="square" lIns="0" tIns="12700" rIns="0" bIns="0" rtlCol="0" vert="horz">
+          <a:bodyPr vert="horz" wrap="square" lIns="0" tIns="12700" rIns="0" bIns="0" rtlCol="0">
             <a:spAutoFit/>
           </a:bodyPr>
           <a:lstStyle/>
@@ -11600,139 +12133,139 @@
               </a:tabLst>
             </a:pPr>
             <a:r>
-              <a:rPr dirty="0" sz="2400" spc="15">
+              <a:rPr sz="2400" spc="15" dirty="0">
                 <a:latin typeface="Microsoft Sans Serif"/>
                 <a:cs typeface="Microsoft Sans Serif"/>
               </a:rPr>
               <a:t>Tenemos</a:t>
             </a:r>
             <a:r>
-              <a:rPr dirty="0" sz="2400" spc="-5">
-                <a:latin typeface="Microsoft Sans Serif"/>
-                <a:cs typeface="Microsoft Sans Serif"/>
-              </a:rPr>
-              <a:t> </a:t>
-            </a:r>
-            <a:r>
-              <a:rPr dirty="0" sz="2400" spc="95">
+              <a:rPr sz="2400" spc="-5" dirty="0">
+                <a:latin typeface="Microsoft Sans Serif"/>
+                <a:cs typeface="Microsoft Sans Serif"/>
+              </a:rPr>
+              <a:t> </a:t>
+            </a:r>
+            <a:r>
+              <a:rPr sz="2400" spc="95" dirty="0">
                 <a:latin typeface="Microsoft Sans Serif"/>
                 <a:cs typeface="Microsoft Sans Serif"/>
               </a:rPr>
               <a:t>que</a:t>
             </a:r>
             <a:r>
-              <a:rPr dirty="0" sz="2400" spc="-15">
-                <a:latin typeface="Microsoft Sans Serif"/>
-                <a:cs typeface="Microsoft Sans Serif"/>
-              </a:rPr>
-              <a:t> </a:t>
-            </a:r>
-            <a:r>
-              <a:rPr dirty="0" sz="2400" spc="75">
+              <a:rPr sz="2400" spc="-15" dirty="0">
+                <a:latin typeface="Microsoft Sans Serif"/>
+                <a:cs typeface="Microsoft Sans Serif"/>
+              </a:rPr>
+              <a:t> </a:t>
+            </a:r>
+            <a:r>
+              <a:rPr sz="2400" spc="75" dirty="0">
                 <a:latin typeface="Microsoft Sans Serif"/>
                 <a:cs typeface="Microsoft Sans Serif"/>
               </a:rPr>
               <a:t>cambiar</a:t>
             </a:r>
             <a:r>
-              <a:rPr dirty="0" sz="2400" spc="-15">
-                <a:latin typeface="Microsoft Sans Serif"/>
-                <a:cs typeface="Microsoft Sans Serif"/>
-              </a:rPr>
-              <a:t> </a:t>
-            </a:r>
-            <a:r>
-              <a:rPr dirty="0" sz="2400" spc="30">
+              <a:rPr sz="2400" spc="-15" dirty="0">
+                <a:latin typeface="Microsoft Sans Serif"/>
+                <a:cs typeface="Microsoft Sans Serif"/>
+              </a:rPr>
+              <a:t> </a:t>
+            </a:r>
+            <a:r>
+              <a:rPr sz="2400" spc="30" dirty="0">
                 <a:latin typeface="Microsoft Sans Serif"/>
                 <a:cs typeface="Microsoft Sans Serif"/>
               </a:rPr>
               <a:t>la</a:t>
             </a:r>
             <a:r>
-              <a:rPr dirty="0" sz="2400" spc="-10">
-                <a:latin typeface="Microsoft Sans Serif"/>
-                <a:cs typeface="Microsoft Sans Serif"/>
-              </a:rPr>
-              <a:t> </a:t>
-            </a:r>
-            <a:r>
-              <a:rPr dirty="0" sz="2400" spc="135">
+              <a:rPr sz="2400" spc="-10" dirty="0">
+                <a:latin typeface="Microsoft Sans Serif"/>
+                <a:cs typeface="Microsoft Sans Serif"/>
+              </a:rPr>
+              <a:t> </a:t>
+            </a:r>
+            <a:r>
+              <a:rPr sz="2400" spc="135" dirty="0">
                 <a:latin typeface="Microsoft Sans Serif"/>
                 <a:cs typeface="Microsoft Sans Serif"/>
               </a:rPr>
               <a:t>forma</a:t>
             </a:r>
             <a:r>
-              <a:rPr dirty="0" sz="2400" spc="-15">
-                <a:latin typeface="Microsoft Sans Serif"/>
-                <a:cs typeface="Microsoft Sans Serif"/>
-              </a:rPr>
-              <a:t> </a:t>
-            </a:r>
-            <a:r>
-              <a:rPr dirty="0" sz="2400" spc="95">
+              <a:rPr sz="2400" spc="-15" dirty="0">
+                <a:latin typeface="Microsoft Sans Serif"/>
+                <a:cs typeface="Microsoft Sans Serif"/>
+              </a:rPr>
+              <a:t> </a:t>
+            </a:r>
+            <a:r>
+              <a:rPr sz="2400" spc="95" dirty="0">
                 <a:latin typeface="Microsoft Sans Serif"/>
                 <a:cs typeface="Microsoft Sans Serif"/>
               </a:rPr>
               <a:t>como</a:t>
             </a:r>
             <a:r>
-              <a:rPr dirty="0" sz="2400" spc="-15">
-                <a:latin typeface="Microsoft Sans Serif"/>
-                <a:cs typeface="Microsoft Sans Serif"/>
-              </a:rPr>
-              <a:t> </a:t>
-            </a:r>
-            <a:r>
-              <a:rPr dirty="0" sz="2400" spc="-25">
+              <a:rPr sz="2400" spc="-15" dirty="0">
+                <a:latin typeface="Microsoft Sans Serif"/>
+                <a:cs typeface="Microsoft Sans Serif"/>
+              </a:rPr>
+              <a:t> </a:t>
+            </a:r>
+            <a:r>
+              <a:rPr sz="2400" spc="-25" dirty="0">
                 <a:latin typeface="Microsoft Sans Serif"/>
                 <a:cs typeface="Microsoft Sans Serif"/>
               </a:rPr>
               <a:t>se</a:t>
             </a:r>
             <a:r>
-              <a:rPr dirty="0" sz="2400" spc="-15">
-                <a:latin typeface="Microsoft Sans Serif"/>
-                <a:cs typeface="Microsoft Sans Serif"/>
-              </a:rPr>
-              <a:t> </a:t>
-            </a:r>
-            <a:r>
-              <a:rPr dirty="0" sz="2400" spc="60">
+              <a:rPr sz="2400" spc="-15" dirty="0">
+                <a:latin typeface="Microsoft Sans Serif"/>
+                <a:cs typeface="Microsoft Sans Serif"/>
+              </a:rPr>
+              <a:t> </a:t>
+            </a:r>
+            <a:r>
+              <a:rPr sz="2400" spc="60" dirty="0">
                 <a:latin typeface="Microsoft Sans Serif"/>
                 <a:cs typeface="Microsoft Sans Serif"/>
               </a:rPr>
               <a:t>desarrolla</a:t>
             </a:r>
             <a:r>
-              <a:rPr dirty="0" sz="2400" spc="-5">
-                <a:latin typeface="Microsoft Sans Serif"/>
-                <a:cs typeface="Microsoft Sans Serif"/>
-              </a:rPr>
-              <a:t> </a:t>
-            </a:r>
-            <a:r>
-              <a:rPr dirty="0" sz="2400" spc="30">
+              <a:rPr sz="2400" spc="-5" dirty="0">
+                <a:latin typeface="Microsoft Sans Serif"/>
+                <a:cs typeface="Microsoft Sans Serif"/>
+              </a:rPr>
+              <a:t> </a:t>
+            </a:r>
+            <a:r>
+              <a:rPr sz="2400" spc="30" dirty="0">
                 <a:latin typeface="Microsoft Sans Serif"/>
                 <a:cs typeface="Microsoft Sans Serif"/>
               </a:rPr>
               <a:t>el</a:t>
             </a:r>
             <a:r>
-              <a:rPr dirty="0" sz="2400" spc="-5">
-                <a:latin typeface="Microsoft Sans Serif"/>
-                <a:cs typeface="Microsoft Sans Serif"/>
-              </a:rPr>
-              <a:t> </a:t>
-            </a:r>
-            <a:r>
-              <a:rPr dirty="0" sz="2400" spc="80">
+              <a:rPr sz="2400" spc="-5" dirty="0">
+                <a:latin typeface="Microsoft Sans Serif"/>
+                <a:cs typeface="Microsoft Sans Serif"/>
+              </a:rPr>
+              <a:t> </a:t>
+            </a:r>
+            <a:r>
+              <a:rPr sz="2400" spc="80" dirty="0">
                 <a:latin typeface="Microsoft Sans Serif"/>
                 <a:cs typeface="Microsoft Sans Serif"/>
               </a:rPr>
               <a:t>software</a:t>
             </a:r>
-            <a:endParaRPr sz="2400">
+            <a:endParaRPr sz="2400" dirty="0">
               <a:latin typeface="Microsoft Sans Serif"/>
               <a:cs typeface="Microsoft Sans Serif"/>
             </a:endParaRPr>
@@ -11748,7 +12281,7 @@
               <a:buFont typeface="Arial MT"/>
               <a:buChar char="•"/>
             </a:pPr>
-            <a:endParaRPr sz="2900">
+            <a:endParaRPr sz="2900" dirty="0">
               <a:latin typeface="Microsoft Sans Serif"/>
               <a:cs typeface="Microsoft Sans Serif"/>
             </a:endParaRPr>
@@ -11768,97 +12301,97 @@
               </a:tabLst>
             </a:pPr>
             <a:r>
-              <a:rPr dirty="0" sz="2400" spc="525">
+              <a:rPr sz="2400" spc="525" dirty="0">
                 <a:latin typeface="Microsoft Sans Serif"/>
                 <a:cs typeface="Microsoft Sans Serif"/>
               </a:rPr>
               <a:t>…</a:t>
             </a:r>
             <a:r>
-              <a:rPr dirty="0" sz="2400" spc="-20">
-                <a:latin typeface="Microsoft Sans Serif"/>
-                <a:cs typeface="Microsoft Sans Serif"/>
-              </a:rPr>
-              <a:t> </a:t>
-            </a:r>
-            <a:r>
-              <a:rPr dirty="0" sz="2400" spc="45">
+              <a:rPr sz="2400" spc="-20" dirty="0">
+                <a:latin typeface="Microsoft Sans Serif"/>
+                <a:cs typeface="Microsoft Sans Serif"/>
+              </a:rPr>
+              <a:t> </a:t>
+            </a:r>
+            <a:r>
+              <a:rPr sz="2400" spc="45" dirty="0">
                 <a:latin typeface="Microsoft Sans Serif"/>
                 <a:cs typeface="Microsoft Sans Serif"/>
               </a:rPr>
               <a:t>Necesitamos</a:t>
             </a:r>
             <a:r>
-              <a:rPr dirty="0" sz="2400" spc="20">
-                <a:latin typeface="Microsoft Sans Serif"/>
-                <a:cs typeface="Microsoft Sans Serif"/>
-              </a:rPr>
-              <a:t> </a:t>
-            </a:r>
-            <a:r>
-              <a:rPr dirty="0" sz="2400" spc="90">
+              <a:rPr sz="2400" spc="20" dirty="0">
+                <a:latin typeface="Microsoft Sans Serif"/>
+                <a:cs typeface="Microsoft Sans Serif"/>
+              </a:rPr>
+              <a:t> </a:t>
+            </a:r>
+            <a:r>
+              <a:rPr sz="2400" spc="90" dirty="0">
                 <a:latin typeface="Microsoft Sans Serif"/>
                 <a:cs typeface="Microsoft Sans Serif"/>
               </a:rPr>
               <a:t>una</a:t>
             </a:r>
             <a:r>
-              <a:rPr dirty="0" sz="2400" spc="-15">
-                <a:latin typeface="Microsoft Sans Serif"/>
-                <a:cs typeface="Microsoft Sans Serif"/>
-              </a:rPr>
-              <a:t> </a:t>
-            </a:r>
-            <a:r>
-              <a:rPr dirty="0" sz="2400" spc="55">
+              <a:rPr sz="2400" spc="-15" dirty="0">
+                <a:latin typeface="Microsoft Sans Serif"/>
+                <a:cs typeface="Microsoft Sans Serif"/>
+              </a:rPr>
+              <a:t> </a:t>
+            </a:r>
+            <a:r>
+              <a:rPr sz="2400" spc="55" dirty="0">
                 <a:latin typeface="Microsoft Sans Serif"/>
                 <a:cs typeface="Microsoft Sans Serif"/>
               </a:rPr>
               <a:t>Ingeniería</a:t>
             </a:r>
             <a:r>
-              <a:rPr dirty="0" sz="2400" spc="-20">
-                <a:latin typeface="Microsoft Sans Serif"/>
-                <a:cs typeface="Microsoft Sans Serif"/>
-              </a:rPr>
-              <a:t> </a:t>
-            </a:r>
-            <a:r>
-              <a:rPr dirty="0" sz="2400" spc="75">
+              <a:rPr sz="2400" spc="-20" dirty="0">
+                <a:latin typeface="Microsoft Sans Serif"/>
+                <a:cs typeface="Microsoft Sans Serif"/>
+              </a:rPr>
+              <a:t> </a:t>
+            </a:r>
+            <a:r>
+              <a:rPr sz="2400" spc="75" dirty="0">
                 <a:latin typeface="Microsoft Sans Serif"/>
                 <a:cs typeface="Microsoft Sans Serif"/>
               </a:rPr>
               <a:t>de</a:t>
             </a:r>
             <a:r>
-              <a:rPr dirty="0" sz="2400" spc="-10">
-                <a:latin typeface="Microsoft Sans Serif"/>
-                <a:cs typeface="Microsoft Sans Serif"/>
-              </a:rPr>
-              <a:t> </a:t>
-            </a:r>
-            <a:r>
-              <a:rPr dirty="0" sz="2400" spc="50">
+              <a:rPr sz="2400" spc="-10" dirty="0">
+                <a:latin typeface="Microsoft Sans Serif"/>
+                <a:cs typeface="Microsoft Sans Serif"/>
+              </a:rPr>
+              <a:t> </a:t>
+            </a:r>
+            <a:r>
+              <a:rPr sz="2400" spc="50" dirty="0">
                 <a:latin typeface="Microsoft Sans Serif"/>
                 <a:cs typeface="Microsoft Sans Serif"/>
               </a:rPr>
               <a:t>Software</a:t>
             </a:r>
             <a:r>
-              <a:rPr dirty="0" sz="2400" spc="-50">
-                <a:latin typeface="Microsoft Sans Serif"/>
-                <a:cs typeface="Microsoft Sans Serif"/>
-              </a:rPr>
-              <a:t> </a:t>
-            </a:r>
-            <a:r>
-              <a:rPr dirty="0" sz="2400" spc="-35">
+              <a:rPr sz="2400" spc="-50" dirty="0">
+                <a:latin typeface="Microsoft Sans Serif"/>
+                <a:cs typeface="Microsoft Sans Serif"/>
+              </a:rPr>
+              <a:t> </a:t>
+            </a:r>
+            <a:r>
+              <a:rPr sz="2400" spc="-35" dirty="0">
                 <a:latin typeface="Microsoft Sans Serif"/>
                 <a:cs typeface="Microsoft Sans Serif"/>
               </a:rPr>
               <a:t>!!</a:t>
             </a:r>
-            <a:endParaRPr sz="2400">
+            <a:endParaRPr sz="2400" dirty="0">
               <a:latin typeface="Microsoft Sans Serif"/>
               <a:cs typeface="Microsoft Sans Serif"/>
             </a:endParaRPr>
@@ -11878,83 +12411,83 @@
               </a:tabLst>
             </a:pPr>
             <a:r>
-              <a:rPr dirty="0" sz="2400" spc="525">
+              <a:rPr sz="2400" spc="525" dirty="0">
                 <a:latin typeface="Microsoft Sans Serif"/>
                 <a:cs typeface="Microsoft Sans Serif"/>
               </a:rPr>
               <a:t>…</a:t>
             </a:r>
             <a:r>
-              <a:rPr dirty="0" sz="2400" spc="-25">
-                <a:latin typeface="Microsoft Sans Serif"/>
-                <a:cs typeface="Microsoft Sans Serif"/>
-              </a:rPr>
-              <a:t> </a:t>
-            </a:r>
-            <a:r>
-              <a:rPr dirty="0" sz="2400" spc="45">
+              <a:rPr sz="2400" spc="-25" dirty="0">
+                <a:latin typeface="Microsoft Sans Serif"/>
+                <a:cs typeface="Microsoft Sans Serif"/>
+              </a:rPr>
+              <a:t> </a:t>
+            </a:r>
+            <a:r>
+              <a:rPr sz="2400" spc="45" dirty="0">
                 <a:latin typeface="Microsoft Sans Serif"/>
                 <a:cs typeface="Microsoft Sans Serif"/>
               </a:rPr>
               <a:t>Necesitamos</a:t>
             </a:r>
             <a:r>
-              <a:rPr dirty="0" sz="2400" spc="15">
-                <a:latin typeface="Microsoft Sans Serif"/>
-                <a:cs typeface="Microsoft Sans Serif"/>
-              </a:rPr>
-              <a:t> </a:t>
-            </a:r>
-            <a:r>
-              <a:rPr dirty="0" sz="2400">
+              <a:rPr sz="2400" spc="15" dirty="0">
+                <a:latin typeface="Microsoft Sans Serif"/>
+                <a:cs typeface="Microsoft Sans Serif"/>
+              </a:rPr>
+              <a:t> </a:t>
+            </a:r>
+            <a:r>
+              <a:rPr sz="2400" dirty="0">
                 <a:latin typeface="Microsoft Sans Serif"/>
                 <a:cs typeface="Microsoft Sans Serif"/>
               </a:rPr>
               <a:t>Fábricas</a:t>
             </a:r>
             <a:r>
-              <a:rPr dirty="0" sz="2400" spc="-25">
-                <a:latin typeface="Microsoft Sans Serif"/>
-                <a:cs typeface="Microsoft Sans Serif"/>
-              </a:rPr>
-              <a:t> </a:t>
-            </a:r>
-            <a:r>
-              <a:rPr dirty="0" sz="2400" spc="70">
+              <a:rPr sz="2400" spc="-25" dirty="0">
+                <a:latin typeface="Microsoft Sans Serif"/>
+                <a:cs typeface="Microsoft Sans Serif"/>
+              </a:rPr>
+              <a:t> </a:t>
+            </a:r>
+            <a:r>
+              <a:rPr sz="2400" spc="70" dirty="0">
                 <a:latin typeface="Microsoft Sans Serif"/>
                 <a:cs typeface="Microsoft Sans Serif"/>
               </a:rPr>
               <a:t>de</a:t>
             </a:r>
             <a:r>
-              <a:rPr dirty="0" sz="2400" spc="-25">
-                <a:latin typeface="Microsoft Sans Serif"/>
-                <a:cs typeface="Microsoft Sans Serif"/>
-              </a:rPr>
-              <a:t> </a:t>
-            </a:r>
-            <a:r>
-              <a:rPr dirty="0" sz="2400" spc="55">
+              <a:rPr sz="2400" spc="-25" dirty="0">
+                <a:latin typeface="Microsoft Sans Serif"/>
+                <a:cs typeface="Microsoft Sans Serif"/>
+              </a:rPr>
+              <a:t> </a:t>
+            </a:r>
+            <a:r>
+              <a:rPr sz="2400" spc="55" dirty="0">
                 <a:latin typeface="Microsoft Sans Serif"/>
                 <a:cs typeface="Microsoft Sans Serif"/>
               </a:rPr>
               <a:t>Software</a:t>
             </a:r>
             <a:r>
-              <a:rPr dirty="0" sz="2400" spc="-55">
-                <a:latin typeface="Microsoft Sans Serif"/>
-                <a:cs typeface="Microsoft Sans Serif"/>
-              </a:rPr>
-              <a:t> </a:t>
-            </a:r>
-            <a:r>
-              <a:rPr dirty="0" sz="2400" spc="-35">
+              <a:rPr sz="2400" spc="-55" dirty="0">
+                <a:latin typeface="Microsoft Sans Serif"/>
+                <a:cs typeface="Microsoft Sans Serif"/>
+              </a:rPr>
+              <a:t> </a:t>
+            </a:r>
+            <a:r>
+              <a:rPr sz="2400" spc="-35" dirty="0">
                 <a:latin typeface="Microsoft Sans Serif"/>
                 <a:cs typeface="Microsoft Sans Serif"/>
               </a:rPr>
               <a:t>!!</a:t>
             </a:r>
-            <a:endParaRPr sz="2400">
+            <a:endParaRPr sz="2400" dirty="0">
               <a:latin typeface="Microsoft Sans Serif"/>
               <a:cs typeface="Microsoft Sans Serif"/>
             </a:endParaRPr>
@@ -12105,7 +12638,7 @@
           </a:prstGeom>
         </p:spPr>
         <p:txBody>
-          <a:bodyPr wrap="square" lIns="0" tIns="12700" rIns="0" bIns="0" rtlCol="0" vert="horz">
+          <a:bodyPr vert="horz" wrap="square" lIns="0" tIns="12700" rIns="0" bIns="0" rtlCol="0">
             <a:spAutoFit/>
           </a:bodyPr>
           <a:lstStyle/>
@@ -12119,7 +12652,7 @@
               </a:spcBef>
             </a:pPr>
             <a:r>
-              <a:rPr dirty="0" u="sng" sz="1800" spc="45">
+              <a:rPr sz="1800" u="sng" spc="45" dirty="0">
                 <a:solidFill>
                   <a:srgbClr val="0462C1"/>
                 </a:solidFill>
@@ -12516,7 +13049,7 @@
           </a:prstGeom>
         </p:spPr>
         <p:txBody>
-          <a:bodyPr wrap="square" lIns="0" tIns="12700" rIns="0" bIns="0" rtlCol="0" vert="horz">
+          <a:bodyPr vert="horz" wrap="square" lIns="0" tIns="12700" rIns="0" bIns="0" rtlCol="0">
             <a:spAutoFit/>
           </a:bodyPr>
           <a:lstStyle/>
@@ -12530,7 +13063,7 @@
               </a:spcBef>
             </a:pPr>
             <a:r>
-              <a:rPr dirty="0" u="sng" sz="1800" spc="55">
+              <a:rPr sz="1800" u="sng" spc="55" dirty="0">
                 <a:solidFill>
                   <a:srgbClr val="0462C1"/>
                 </a:solidFill>
@@ -12786,7 +13319,7 @@
             <a:cxnLst/>
             <a:rect l="l" t="t" r="r" b="b"/>
             <a:pathLst>
-              <a:path w="0" h="2318385">
+              <a:path h="2318385">
                 <a:moveTo>
                   <a:pt x="0" y="0"/>
                 </a:moveTo>
@@ -12805,7 +13338,9 @@
         <p:txBody>
           <a:bodyPr wrap="square" lIns="0" tIns="0" rIns="0" bIns="0" rtlCol="0"/>
           <a:lstStyle/>
-          <a:p/>
+          <a:p>
+            <a:endParaRPr/>
+          </a:p>
         </p:txBody>
       </p:sp>
     </p:spTree>
@@ -12998,7 +13533,7 @@
             <a:cxnLst/>
             <a:rect l="l" t="t" r="r" b="b"/>
             <a:pathLst>
-              <a:path w="0" h="2318385">
+              <a:path h="2318385">
                 <a:moveTo>
                   <a:pt x="0" y="0"/>
                 </a:moveTo>
@@ -13017,7 +13552,9 @@
         <p:txBody>
           <a:bodyPr wrap="square" lIns="0" tIns="0" rIns="0" bIns="0" rtlCol="0"/>
           <a:lstStyle/>
-          <a:p/>
+          <a:p>
+            <a:endParaRPr/>
+          </a:p>
         </p:txBody>
       </p:sp>
     </p:spTree>
@@ -13309,4 +13846,299 @@
   <a:objectDefaults/>
   <a:extraClrSchemeLst/>
 </a:theme>
+</file>
+
+<file path=ppt/theme/theme2.xml><?xml version="1.0" encoding="utf-8"?>
+<a:theme xmlns:a="http://schemas.openxmlformats.org/drawingml/2006/main" name="Tema de Office">
+  <a:themeElements>
+    <a:clrScheme name="Office">
+      <a:dk1>
+        <a:sysClr val="windowText" lastClr="000000"/>
+      </a:dk1>
+      <a:lt1>
+        <a:sysClr val="window" lastClr="FFFFFF"/>
+      </a:lt1>
+      <a:dk2>
+        <a:srgbClr val="44546A"/>
+      </a:dk2>
+      <a:lt2>
+        <a:srgbClr val="E7E6E6"/>
+      </a:lt2>
+      <a:accent1>
+        <a:srgbClr val="4472C4"/>
+      </a:accent1>
+      <a:accent2>
+        <a:srgbClr val="ED7D31"/>
+      </a:accent2>
+      <a:accent3>
+        <a:srgbClr val="A5A5A5"/>
+      </a:accent3>
+      <a:accent4>
+        <a:srgbClr val="FFC000"/>
+      </a:accent4>
+      <a:accent5>
+        <a:srgbClr val="5B9BD5"/>
+      </a:accent5>
+      <a:accent6>
+        <a:srgbClr val="70AD47"/>
+      </a:accent6>
+      <a:hlink>
+        <a:srgbClr val="0563C1"/>
+      </a:hlink>
+      <a:folHlink>
+        <a:srgbClr val="954F72"/>
+      </a:folHlink>
+    </a:clrScheme>
+    <a:fontScheme name="Office">
+      <a:majorFont>
+        <a:latin typeface="Calibri Light" panose="020F0302020204030204"/>
+        <a:ea typeface=""/>
+        <a:cs typeface=""/>
+        <a:font script="Jpan" typeface="游ゴシック Light"/>
+        <a:font script="Hang" typeface="맑은 고딕"/>
+        <a:font script="Hans" typeface="等线 Light"/>
+        <a:font script="Hant" typeface="新細明體"/>
+        <a:font script="Arab" typeface="Times New Roman"/>
+        <a:font script="Hebr" typeface="Times New Roman"/>
+        <a:font script="Thai" typeface="Angsana New"/>
+        <a:font script="Ethi" typeface="Nyala"/>
+        <a:font script="Beng" typeface="Vrinda"/>
+        <a:font script="Gujr" typeface="Shruti"/>
+        <a:font script="Khmr" typeface="MoolBoran"/>
+        <a:font script="Knda" typeface="Tunga"/>
+        <a:font script="Guru" typeface="Raavi"/>
+        <a:font script="Cans" typeface="Euphemia"/>
+        <a:font script="Cher" typeface="Plantagenet Cherokee"/>
+        <a:font script="Yiii" typeface="Microsoft Yi Baiti"/>
+        <a:font script="Tibt" typeface="Microsoft Himalaya"/>
+        <a:font script="Thaa" typeface="MV Boli"/>
+        <a:font script="Deva" typeface="Mangal"/>
+        <a:font script="Telu" typeface="Gautami"/>
+        <a:font script="Taml" typeface="Latha"/>
+        <a:font script="Syrc" typeface="Estrangelo Edessa"/>
+        <a:font script="Orya" typeface="Kalinga"/>
+        <a:font script="Mlym" typeface="Kartika"/>
+        <a:font script="Laoo" typeface="DokChampa"/>
+        <a:font script="Sinh" typeface="Iskoola Pota"/>
+        <a:font script="Mong" typeface="Mongolian Baiti"/>
+        <a:font script="Viet" typeface="Times New Roman"/>
+        <a:font script="Uigh" typeface="Microsoft Uighur"/>
+        <a:font script="Geor" typeface="Sylfaen"/>
+        <a:font script="Armn" typeface="Arial"/>
+        <a:font script="Bugi" typeface="Leelawadee UI"/>
+        <a:font script="Bopo" typeface="Microsoft JhengHei"/>
+        <a:font script="Java" typeface="Javanese Text"/>
+        <a:font script="Lisu" typeface="Segoe UI"/>
+        <a:font script="Mymr" typeface="Myanmar Text"/>
+        <a:font script="Nkoo" typeface="Ebrima"/>
+        <a:font script="Olck" typeface="Nirmala UI"/>
+        <a:font script="Osma" typeface="Ebrima"/>
+        <a:font script="Phag" typeface="Phagspa"/>
+        <a:font script="Syrn" typeface="Estrangelo Edessa"/>
+        <a:font script="Syrj" typeface="Estrangelo Edessa"/>
+        <a:font script="Syre" typeface="Estrangelo Edessa"/>
+        <a:font script="Sora" typeface="Nirmala UI"/>
+        <a:font script="Tale" typeface="Microsoft Tai Le"/>
+        <a:font script="Talu" typeface="Microsoft New Tai Lue"/>
+        <a:font script="Tfng" typeface="Ebrima"/>
+      </a:majorFont>
+      <a:minorFont>
+        <a:latin typeface="Calibri" panose="020F0502020204030204"/>
+        <a:ea typeface=""/>
+        <a:cs typeface=""/>
+        <a:font script="Jpan" typeface="游ゴシック"/>
+        <a:font script="Hang" typeface="맑은 고딕"/>
+        <a:font script="Hans" typeface="等线"/>
+        <a:font script="Hant" typeface="新細明體"/>
+        <a:font script="Arab" typeface="Arial"/>
+        <a:font script="Hebr" typeface="Arial"/>
+        <a:font script="Thai" typeface="Cordia New"/>
+        <a:font script="Ethi" typeface="Nyala"/>
+        <a:font script="Beng" typeface="Vrinda"/>
+        <a:font script="Gujr" typeface="Shruti"/>
+        <a:font script="Khmr" typeface="DaunPenh"/>
+        <a:font script="Knda" typeface="Tunga"/>
+        <a:font script="Guru" typeface="Raavi"/>
+        <a:font script="Cans" typeface="Euphemia"/>
+        <a:font script="Cher" typeface="Plantagenet Cherokee"/>
+        <a:font script="Yiii" typeface="Microsoft Yi Baiti"/>
+        <a:font script="Tibt" typeface="Microsoft Himalaya"/>
+        <a:font script="Thaa" typeface="MV Boli"/>
+        <a:font script="Deva" typeface="Mangal"/>
+        <a:font script="Telu" typeface="Gautami"/>
+        <a:font script="Taml" typeface="Latha"/>
+        <a:font script="Syrc" typeface="Estrangelo Edessa"/>
+        <a:font script="Orya" typeface="Kalinga"/>
+        <a:font script="Mlym" typeface="Kartika"/>
+        <a:font script="Laoo" typeface="DokChampa"/>
+        <a:font script="Sinh" typeface="Iskoola Pota"/>
+        <a:font script="Mong" typeface="Mongolian Baiti"/>
+        <a:font script="Viet" typeface="Arial"/>
+        <a:font script="Uigh" typeface="Microsoft Uighur"/>
+        <a:font script="Geor" typeface="Sylfaen"/>
+        <a:font script="Armn" typeface="Arial"/>
+        <a:font script="Bugi" typeface="Leelawadee UI"/>
+        <a:font script="Bopo" typeface="Microsoft JhengHei"/>
+        <a:font script="Java" typeface="Javanese Text"/>
+        <a:font script="Lisu" typeface="Segoe UI"/>
+        <a:font script="Mymr" typeface="Myanmar Text"/>
+        <a:font script="Nkoo" typeface="Ebrima"/>
+        <a:font script="Olck" typeface="Nirmala UI"/>
+        <a:font script="Osma" typeface="Ebrima"/>
+        <a:font script="Phag" typeface="Phagspa"/>
+        <a:font script="Syrn" typeface="Estrangelo Edessa"/>
+        <a:font script="Syrj" typeface="Estrangelo Edessa"/>
+        <a:font script="Syre" typeface="Estrangelo Edessa"/>
+        <a:font script="Sora" typeface="Nirmala UI"/>
+        <a:font script="Tale" typeface="Microsoft Tai Le"/>
+        <a:font script="Talu" typeface="Microsoft New Tai Lue"/>
+        <a:font script="Tfng" typeface="Ebrima"/>
+      </a:minorFont>
+    </a:fontScheme>
+    <a:fmtScheme name="Office">
+      <a:fillStyleLst>
+        <a:solidFill>
+          <a:schemeClr val="phClr"/>
+        </a:solidFill>
+        <a:gradFill rotWithShape="1">
+          <a:gsLst>
+            <a:gs pos="0">
+              <a:schemeClr val="phClr">
+                <a:lumMod val="110000"/>
+                <a:satMod val="105000"/>
+                <a:tint val="67000"/>
+              </a:schemeClr>
+            </a:gs>
+            <a:gs pos="50000">
+              <a:schemeClr val="phClr">
+                <a:lumMod val="105000"/>
+                <a:satMod val="103000"/>
+                <a:tint val="73000"/>
+              </a:schemeClr>
+            </a:gs>
+            <a:gs pos="100000">
+              <a:schemeClr val="phClr">
+                <a:lumMod val="105000"/>
+                <a:satMod val="109000"/>
+                <a:tint val="81000"/>
+              </a:schemeClr>
+            </a:gs>
+          </a:gsLst>
+          <a:lin ang="5400000" scaled="0"/>
+        </a:gradFill>
+        <a:gradFill rotWithShape="1">
+          <a:gsLst>
+            <a:gs pos="0">
+              <a:schemeClr val="phClr">
+                <a:satMod val="103000"/>
+                <a:lumMod val="102000"/>
+                <a:tint val="94000"/>
+              </a:schemeClr>
+            </a:gs>
+            <a:gs pos="50000">
+              <a:schemeClr val="phClr">
+                <a:satMod val="110000"/>
+                <a:lumMod val="100000"/>
+                <a:shade val="100000"/>
+              </a:schemeClr>
+            </a:gs>
+            <a:gs pos="100000">
+              <a:schemeClr val="phClr">
+                <a:lumMod val="99000"/>
+                <a:satMod val="120000"/>
+                <a:shade val="78000"/>
+              </a:schemeClr>
+            </a:gs>
+          </a:gsLst>
+          <a:lin ang="5400000" scaled="0"/>
+        </a:gradFill>
+      </a:fillStyleLst>
+      <a:lnStyleLst>
+        <a:ln w="6350" cap="flat" cmpd="sng" algn="ctr">
+          <a:solidFill>
+            <a:schemeClr val="phClr"/>
+          </a:solidFill>
+          <a:prstDash val="solid"/>
+          <a:miter lim="800000"/>
+        </a:ln>
+        <a:ln w="12700" cap="flat" cmpd="sng" algn="ctr">
+          <a:solidFill>
+            <a:schemeClr val="phClr"/>
+          </a:solidFill>
+          <a:prstDash val="solid"/>
+          <a:miter lim="800000"/>
+        </a:ln>
+        <a:ln w="19050" cap="flat" cmpd="sng" algn="ctr">
+          <a:solidFill>
+            <a:schemeClr val="phClr"/>
+          </a:solidFill>
+          <a:prstDash val="solid"/>
+          <a:miter lim="800000"/>
+        </a:ln>
+      </a:lnStyleLst>
+      <a:effectStyleLst>
+        <a:effectStyle>
+          <a:effectLst/>
+        </a:effectStyle>
+        <a:effectStyle>
+          <a:effectLst/>
+        </a:effectStyle>
+        <a:effectStyle>
+          <a:effectLst>
+            <a:outerShdw blurRad="57150" dist="19050" dir="5400000" algn="ctr" rotWithShape="0">
+              <a:srgbClr val="000000">
+                <a:alpha val="63000"/>
+              </a:srgbClr>
+            </a:outerShdw>
+          </a:effectLst>
+        </a:effectStyle>
+      </a:effectStyleLst>
+      <a:bgFillStyleLst>
+        <a:solidFill>
+          <a:schemeClr val="phClr"/>
+        </a:solidFill>
+        <a:solidFill>
+          <a:schemeClr val="phClr">
+            <a:tint val="95000"/>
+            <a:satMod val="170000"/>
+          </a:schemeClr>
+        </a:solidFill>
+        <a:gradFill rotWithShape="1">
+          <a:gsLst>
+            <a:gs pos="0">
+              <a:schemeClr val="phClr">
+                <a:tint val="93000"/>
+                <a:satMod val="150000"/>
+                <a:shade val="98000"/>
+                <a:lumMod val="102000"/>
+              </a:schemeClr>
+            </a:gs>
+            <a:gs pos="50000">
+              <a:schemeClr val="phClr">
+                <a:tint val="98000"/>
+                <a:satMod val="130000"/>
+                <a:shade val="90000"/>
+                <a:lumMod val="103000"/>
+              </a:schemeClr>
+            </a:gs>
+            <a:gs pos="100000">
+              <a:schemeClr val="phClr">
+                <a:shade val="63000"/>
+                <a:satMod val="120000"/>
+              </a:schemeClr>
+            </a:gs>
+          </a:gsLst>
+          <a:lin ang="5400000" scaled="0"/>
+        </a:gradFill>
+      </a:bgFillStyleLst>
+    </a:fmtScheme>
+  </a:themeElements>
+  <a:objectDefaults/>
+  <a:extraClrSchemeLst/>
+  <a:extLst>
+    <a:ext uri="{05A4C25C-085E-4340-85A3-A5531E510DB2}">
+      <thm15:themeFamily xmlns:thm15="http://schemas.microsoft.com/office/thememl/2012/main" name="Office Theme" id="{62F939B6-93AF-4DB8-9C6B-D6C7DFDC589F}" vid="{4A3C46E8-61CC-4603-A589-7422A47A8E4A}"/>
+    </a:ext>
+  </a:extLst>
+</a:theme>
 </file>